--- a/Poster Final/Poster_version_fianle.pptx
+++ b/Poster Final/Poster_version_fianle.pptx
@@ -5658,8 +5658,8 @@
             </a:p>
           </p:txBody>
         </p:sp>
-        <mc:AlternateContent xmlns:mc="http://schemas.openxmlformats.org/markup-compatibility/2006">
-          <mc:Choice xmlns:a14="http://schemas.microsoft.com/office/drawing/2010/main" Requires="a14">
+        <mc:AlternateContent xmlns:mc="http://schemas.openxmlformats.org/markup-compatibility/2006" xmlns:a14="http://schemas.microsoft.com/office/drawing/2010/main">
+          <mc:Choice Requires="a14">
             <p:sp>
               <p:nvSpPr>
                 <p:cNvPr id="40" name="ZoneTexte 39">
@@ -6303,7 +6303,7 @@
               </p:txBody>
             </p:sp>
           </mc:Choice>
-          <mc:Fallback>
+          <mc:Fallback xmlns="">
             <p:sp>
               <p:nvSpPr>
                 <p:cNvPr id="40" name="ZoneTexte 39">
@@ -6940,8 +6940,8 @@
           </a:p>
         </p:txBody>
       </p:sp>
-      <mc:AlternateContent xmlns:mc="http://schemas.openxmlformats.org/markup-compatibility/2006" xmlns:a14="http://schemas.microsoft.com/office/drawing/2010/main">
-        <mc:Choice Requires="a14">
+      <mc:AlternateContent xmlns:mc="http://schemas.openxmlformats.org/markup-compatibility/2006">
+        <mc:Choice xmlns:a14="http://schemas.microsoft.com/office/drawing/2010/main" Requires="a14">
           <p:sp>
             <p:nvSpPr>
               <p:cNvPr id="29" name="ZoneTexte 28">
@@ -7426,7 +7426,7 @@
                   <a:rPr lang="en-GB" sz="2400" dirty="0">
                     <a:latin typeface="Avenir Book"/>
                   </a:rPr>
-                  <a:t>1 Compute </a:t>
+                  <a:t>1 Let </a:t>
                 </a:r>
                 <a14:m>
                   <m:oMath xmlns:m="http://schemas.openxmlformats.org/officeDocument/2006/math">
@@ -7702,10 +7702,10 @@
               <a:p>
                 <a:pPr algn="just"/>
                 <a:r>
-                  <a:rPr lang="en-GB" sz="2400" dirty="0">
+                  <a:rPr lang="en-GB" sz="2400">
                     <a:latin typeface="Avenir Book"/>
                   </a:rPr>
-                  <a:t>2 Compute </a:t>
+                  <a:t>2 Let </a:t>
                 </a:r>
                 <a14:m>
                   <m:oMath xmlns:m="http://schemas.openxmlformats.org/officeDocument/2006/math">
@@ -7772,10 +7772,13 @@
                           </m:limLowPr>
                           <m:e>
                             <m:r>
-                              <a:rPr lang="en-GB" sz="2400" i="1" smtClean="0">
+                              <m:rPr>
+                                <m:sty m:val="p"/>
+                              </m:rPr>
+                              <a:rPr lang="en-GB" sz="2400" i="0" smtClean="0">
                                 <a:latin typeface="Cambria Math" panose="02040503050406030204" pitchFamily="18" charset="0"/>
                               </a:rPr>
-                              <m:t>𝑚𝑎𝑥</m:t>
+                              <m:t>max</m:t>
                             </m:r>
                           </m:e>
                           <m:lim>
@@ -8280,7 +8283,7 @@
             </p:txBody>
           </p:sp>
         </mc:Choice>
-        <mc:Fallback xmlns="">
+        <mc:Fallback>
           <p:sp>
             <p:nvSpPr>
               <p:cNvPr id="29" name="ZoneTexte 28">

--- a/Poster Final/Poster_version_fianle.pptx
+++ b/Poster Final/Poster_version_fianle.pptx
@@ -187,7 +187,7 @@
             </a:lvl1pPr>
           </a:lstStyle>
           <a:p>
-            <a:endParaRPr lang="fr-FR"/>
+            <a:endParaRPr lang="fr-FR" dirty="0"/>
           </a:p>
         </p:txBody>
       </p:sp>
@@ -220,9 +220,9 @@
           <a:p>
             <a:fld id="{7D139829-6520-4C76-8908-C56487D32810}" type="datetimeFigureOut">
               <a:rPr lang="fr-FR" smtClean="0"/>
-              <a:t>16/03/2022</a:t>
+              <a:t>17/03/2022</a:t>
             </a:fld>
-            <a:endParaRPr lang="fr-FR"/>
+            <a:endParaRPr lang="fr-FR" dirty="0"/>
           </a:p>
         </p:txBody>
       </p:sp>
@@ -255,7 +255,7 @@
           <a:bodyPr vert="horz" lIns="91440" tIns="45720" rIns="91440" bIns="45720" rtlCol="0" anchor="ctr"/>
           <a:lstStyle/>
           <a:p>
-            <a:endParaRPr lang="fr-FR"/>
+            <a:endParaRPr lang="fr-FR" dirty="0"/>
           </a:p>
         </p:txBody>
       </p:sp>
@@ -345,7 +345,7 @@
             </a:lvl1pPr>
           </a:lstStyle>
           <a:p>
-            <a:endParaRPr lang="fr-FR"/>
+            <a:endParaRPr lang="fr-FR" dirty="0"/>
           </a:p>
         </p:txBody>
       </p:sp>
@@ -380,7 +380,7 @@
               <a:rPr lang="fr-FR" smtClean="0"/>
               <a:t>‹N°›</a:t>
             </a:fld>
-            <a:endParaRPr lang="fr-FR"/>
+            <a:endParaRPr lang="fr-FR" dirty="0"/>
           </a:p>
         </p:txBody>
       </p:sp>
@@ -554,7 +554,7 @@
               <a:rPr lang="fr-FR" smtClean="0"/>
               <a:t>1</a:t>
             </a:fld>
-            <a:endParaRPr lang="fr-FR"/>
+            <a:endParaRPr lang="fr-FR" dirty="0"/>
           </a:p>
         </p:txBody>
       </p:sp>
@@ -702,9 +702,9 @@
           <a:p>
             <a:fld id="{6811F716-C52A-A44F-BDA6-00D610151B42}" type="datetimeFigureOut">
               <a:rPr lang="en-US" smtClean="0"/>
-              <a:t>3/16/2022</a:t>
+              <a:t>3/17/2022</a:t>
             </a:fld>
-            <a:endParaRPr lang="en-US"/>
+            <a:endParaRPr lang="en-US" dirty="0"/>
           </a:p>
         </p:txBody>
       </p:sp>
@@ -723,7 +723,7 @@
           <a:bodyPr/>
           <a:lstStyle/>
           <a:p>
-            <a:endParaRPr lang="en-US"/>
+            <a:endParaRPr lang="en-US" dirty="0"/>
           </a:p>
         </p:txBody>
       </p:sp>
@@ -746,7 +746,7 @@
               <a:rPr lang="en-US" smtClean="0"/>
               <a:t>‹N°›</a:t>
             </a:fld>
-            <a:endParaRPr lang="en-US"/>
+            <a:endParaRPr lang="en-US" dirty="0"/>
           </a:p>
         </p:txBody>
       </p:sp>
@@ -872,9 +872,9 @@
           <a:p>
             <a:fld id="{6811F716-C52A-A44F-BDA6-00D610151B42}" type="datetimeFigureOut">
               <a:rPr lang="en-US" smtClean="0"/>
-              <a:t>3/16/2022</a:t>
+              <a:t>3/17/2022</a:t>
             </a:fld>
-            <a:endParaRPr lang="en-US"/>
+            <a:endParaRPr lang="en-US" dirty="0"/>
           </a:p>
         </p:txBody>
       </p:sp>
@@ -893,7 +893,7 @@
           <a:bodyPr/>
           <a:lstStyle/>
           <a:p>
-            <a:endParaRPr lang="en-US"/>
+            <a:endParaRPr lang="en-US" dirty="0"/>
           </a:p>
         </p:txBody>
       </p:sp>
@@ -916,7 +916,7 @@
               <a:rPr lang="en-US" smtClean="0"/>
               <a:t>‹N°›</a:t>
             </a:fld>
-            <a:endParaRPr lang="en-US"/>
+            <a:endParaRPr lang="en-US" dirty="0"/>
           </a:p>
         </p:txBody>
       </p:sp>
@@ -1052,9 +1052,9 @@
           <a:p>
             <a:fld id="{6811F716-C52A-A44F-BDA6-00D610151B42}" type="datetimeFigureOut">
               <a:rPr lang="en-US" smtClean="0"/>
-              <a:t>3/16/2022</a:t>
+              <a:t>3/17/2022</a:t>
             </a:fld>
-            <a:endParaRPr lang="en-US"/>
+            <a:endParaRPr lang="en-US" dirty="0"/>
           </a:p>
         </p:txBody>
       </p:sp>
@@ -1073,7 +1073,7 @@
           <a:bodyPr/>
           <a:lstStyle/>
           <a:p>
-            <a:endParaRPr lang="en-US"/>
+            <a:endParaRPr lang="en-US" dirty="0"/>
           </a:p>
         </p:txBody>
       </p:sp>
@@ -1096,7 +1096,7 @@
               <a:rPr lang="en-US" smtClean="0"/>
               <a:t>‹N°›</a:t>
             </a:fld>
-            <a:endParaRPr lang="en-US"/>
+            <a:endParaRPr lang="en-US" dirty="0"/>
           </a:p>
         </p:txBody>
       </p:sp>
@@ -1222,9 +1222,9 @@
           <a:p>
             <a:fld id="{6811F716-C52A-A44F-BDA6-00D610151B42}" type="datetimeFigureOut">
               <a:rPr lang="en-US" smtClean="0"/>
-              <a:t>3/16/2022</a:t>
+              <a:t>3/17/2022</a:t>
             </a:fld>
-            <a:endParaRPr lang="en-US"/>
+            <a:endParaRPr lang="en-US" dirty="0"/>
           </a:p>
         </p:txBody>
       </p:sp>
@@ -1243,7 +1243,7 @@
           <a:bodyPr/>
           <a:lstStyle/>
           <a:p>
-            <a:endParaRPr lang="en-US"/>
+            <a:endParaRPr lang="en-US" dirty="0"/>
           </a:p>
         </p:txBody>
       </p:sp>
@@ -1266,7 +1266,7 @@
               <a:rPr lang="en-US" smtClean="0"/>
               <a:t>‹N°›</a:t>
             </a:fld>
-            <a:endParaRPr lang="en-US"/>
+            <a:endParaRPr lang="en-US" dirty="0"/>
           </a:p>
         </p:txBody>
       </p:sp>
@@ -1466,9 +1466,9 @@
           <a:p>
             <a:fld id="{6811F716-C52A-A44F-BDA6-00D610151B42}" type="datetimeFigureOut">
               <a:rPr lang="en-US" smtClean="0"/>
-              <a:t>3/16/2022</a:t>
+              <a:t>3/17/2022</a:t>
             </a:fld>
-            <a:endParaRPr lang="en-US"/>
+            <a:endParaRPr lang="en-US" dirty="0"/>
           </a:p>
         </p:txBody>
       </p:sp>
@@ -1487,7 +1487,7 @@
           <a:bodyPr/>
           <a:lstStyle/>
           <a:p>
-            <a:endParaRPr lang="en-US"/>
+            <a:endParaRPr lang="en-US" dirty="0"/>
           </a:p>
         </p:txBody>
       </p:sp>
@@ -1510,7 +1510,7 @@
               <a:rPr lang="en-US" smtClean="0"/>
               <a:t>‹N°›</a:t>
             </a:fld>
-            <a:endParaRPr lang="en-US"/>
+            <a:endParaRPr lang="en-US" dirty="0"/>
           </a:p>
         </p:txBody>
       </p:sp>
@@ -1698,9 +1698,9 @@
           <a:p>
             <a:fld id="{6811F716-C52A-A44F-BDA6-00D610151B42}" type="datetimeFigureOut">
               <a:rPr lang="en-US" smtClean="0"/>
-              <a:t>3/16/2022</a:t>
+              <a:t>3/17/2022</a:t>
             </a:fld>
-            <a:endParaRPr lang="en-US"/>
+            <a:endParaRPr lang="en-US" dirty="0"/>
           </a:p>
         </p:txBody>
       </p:sp>
@@ -1719,7 +1719,7 @@
           <a:bodyPr/>
           <a:lstStyle/>
           <a:p>
-            <a:endParaRPr lang="en-US"/>
+            <a:endParaRPr lang="en-US" dirty="0"/>
           </a:p>
         </p:txBody>
       </p:sp>
@@ -1742,7 +1742,7 @@
               <a:rPr lang="en-US" smtClean="0"/>
               <a:t>‹N°›</a:t>
             </a:fld>
-            <a:endParaRPr lang="en-US"/>
+            <a:endParaRPr lang="en-US" dirty="0"/>
           </a:p>
         </p:txBody>
       </p:sp>
@@ -2065,9 +2065,9 @@
           <a:p>
             <a:fld id="{6811F716-C52A-A44F-BDA6-00D610151B42}" type="datetimeFigureOut">
               <a:rPr lang="en-US" smtClean="0"/>
-              <a:t>3/16/2022</a:t>
+              <a:t>3/17/2022</a:t>
             </a:fld>
-            <a:endParaRPr lang="en-US"/>
+            <a:endParaRPr lang="en-US" dirty="0"/>
           </a:p>
         </p:txBody>
       </p:sp>
@@ -2086,7 +2086,7 @@
           <a:bodyPr/>
           <a:lstStyle/>
           <a:p>
-            <a:endParaRPr lang="en-US"/>
+            <a:endParaRPr lang="en-US" dirty="0"/>
           </a:p>
         </p:txBody>
       </p:sp>
@@ -2109,7 +2109,7 @@
               <a:rPr lang="en-US" smtClean="0"/>
               <a:t>‹N°›</a:t>
             </a:fld>
-            <a:endParaRPr lang="en-US"/>
+            <a:endParaRPr lang="en-US" dirty="0"/>
           </a:p>
         </p:txBody>
       </p:sp>
@@ -2183,9 +2183,9 @@
           <a:p>
             <a:fld id="{6811F716-C52A-A44F-BDA6-00D610151B42}" type="datetimeFigureOut">
               <a:rPr lang="en-US" smtClean="0"/>
-              <a:t>3/16/2022</a:t>
+              <a:t>3/17/2022</a:t>
             </a:fld>
-            <a:endParaRPr lang="en-US"/>
+            <a:endParaRPr lang="en-US" dirty="0"/>
           </a:p>
         </p:txBody>
       </p:sp>
@@ -2204,7 +2204,7 @@
           <a:bodyPr/>
           <a:lstStyle/>
           <a:p>
-            <a:endParaRPr lang="en-US"/>
+            <a:endParaRPr lang="en-US" dirty="0"/>
           </a:p>
         </p:txBody>
       </p:sp>
@@ -2227,7 +2227,7 @@
               <a:rPr lang="en-US" smtClean="0"/>
               <a:t>‹N°›</a:t>
             </a:fld>
-            <a:endParaRPr lang="en-US"/>
+            <a:endParaRPr lang="en-US" dirty="0"/>
           </a:p>
         </p:txBody>
       </p:sp>
@@ -2278,9 +2278,9 @@
           <a:p>
             <a:fld id="{6811F716-C52A-A44F-BDA6-00D610151B42}" type="datetimeFigureOut">
               <a:rPr lang="en-US" smtClean="0"/>
-              <a:t>3/16/2022</a:t>
+              <a:t>3/17/2022</a:t>
             </a:fld>
-            <a:endParaRPr lang="en-US"/>
+            <a:endParaRPr lang="en-US" dirty="0"/>
           </a:p>
         </p:txBody>
       </p:sp>
@@ -2299,7 +2299,7 @@
           <a:bodyPr/>
           <a:lstStyle/>
           <a:p>
-            <a:endParaRPr lang="en-US"/>
+            <a:endParaRPr lang="en-US" dirty="0"/>
           </a:p>
         </p:txBody>
       </p:sp>
@@ -2322,7 +2322,7 @@
               <a:rPr lang="en-US" smtClean="0"/>
               <a:t>‹N°›</a:t>
             </a:fld>
-            <a:endParaRPr lang="en-US"/>
+            <a:endParaRPr lang="en-US" dirty="0"/>
           </a:p>
         </p:txBody>
       </p:sp>
@@ -2555,9 +2555,9 @@
           <a:p>
             <a:fld id="{6811F716-C52A-A44F-BDA6-00D610151B42}" type="datetimeFigureOut">
               <a:rPr lang="en-US" smtClean="0"/>
-              <a:t>3/16/2022</a:t>
+              <a:t>3/17/2022</a:t>
             </a:fld>
-            <a:endParaRPr lang="en-US"/>
+            <a:endParaRPr lang="en-US" dirty="0"/>
           </a:p>
         </p:txBody>
       </p:sp>
@@ -2576,7 +2576,7 @@
           <a:bodyPr/>
           <a:lstStyle/>
           <a:p>
-            <a:endParaRPr lang="en-US"/>
+            <a:endParaRPr lang="en-US" dirty="0"/>
           </a:p>
         </p:txBody>
       </p:sp>
@@ -2599,7 +2599,7 @@
               <a:rPr lang="en-US" smtClean="0"/>
               <a:t>‹N°›</a:t>
             </a:fld>
-            <a:endParaRPr lang="en-US"/>
+            <a:endParaRPr lang="en-US" dirty="0"/>
           </a:p>
         </p:txBody>
       </p:sp>
@@ -2723,7 +2723,7 @@
           </a:lstStyle>
           <a:p>
             <a:r>
-              <a:rPr lang="fr-FR"/>
+              <a:rPr lang="fr-FR" dirty="0"/>
               <a:t>Cliquez sur l'icône pour ajouter une image</a:t>
             </a:r>
             <a:endParaRPr lang="en-US" dirty="0"/>
@@ -2812,9 +2812,9 @@
           <a:p>
             <a:fld id="{6811F716-C52A-A44F-BDA6-00D610151B42}" type="datetimeFigureOut">
               <a:rPr lang="en-US" smtClean="0"/>
-              <a:t>3/16/2022</a:t>
+              <a:t>3/17/2022</a:t>
             </a:fld>
-            <a:endParaRPr lang="en-US"/>
+            <a:endParaRPr lang="en-US" dirty="0"/>
           </a:p>
         </p:txBody>
       </p:sp>
@@ -2833,7 +2833,7 @@
           <a:bodyPr/>
           <a:lstStyle/>
           <a:p>
-            <a:endParaRPr lang="en-US"/>
+            <a:endParaRPr lang="en-US" dirty="0"/>
           </a:p>
         </p:txBody>
       </p:sp>
@@ -2856,7 +2856,7 @@
               <a:rPr lang="en-US" smtClean="0"/>
               <a:t>‹N°›</a:t>
             </a:fld>
-            <a:endParaRPr lang="en-US"/>
+            <a:endParaRPr lang="en-US" dirty="0"/>
           </a:p>
         </p:txBody>
       </p:sp>
@@ -3025,9 +3025,9 @@
           <a:p>
             <a:fld id="{6811F716-C52A-A44F-BDA6-00D610151B42}" type="datetimeFigureOut">
               <a:rPr lang="en-US" smtClean="0"/>
-              <a:t>3/16/2022</a:t>
+              <a:t>3/17/2022</a:t>
             </a:fld>
-            <a:endParaRPr lang="en-US"/>
+            <a:endParaRPr lang="en-US" dirty="0"/>
           </a:p>
         </p:txBody>
       </p:sp>
@@ -3064,7 +3064,7 @@
             </a:lvl1pPr>
           </a:lstStyle>
           <a:p>
-            <a:endParaRPr lang="en-US"/>
+            <a:endParaRPr lang="en-US" dirty="0"/>
           </a:p>
         </p:txBody>
       </p:sp>
@@ -3105,7 +3105,7 @@
               <a:rPr lang="en-US" smtClean="0"/>
               <a:t>‹N°›</a:t>
             </a:fld>
-            <a:endParaRPr lang="en-US"/>
+            <a:endParaRPr lang="en-US" dirty="0"/>
           </a:p>
         </p:txBody>
       </p:sp>
@@ -3430,2082 +3430,6 @@
           <a:chExt cx="0" cy="0"/>
         </a:xfrm>
       </p:grpSpPr>
-      <p:sp>
-        <p:nvSpPr>
-          <p:cNvPr id="4" name="Rectangle 3"/>
-          <p:cNvSpPr/>
-          <p:nvPr/>
-        </p:nvSpPr>
-        <p:spPr>
-          <a:xfrm>
-            <a:off x="-1" y="-1"/>
-            <a:ext cx="30275213" cy="1336477"/>
-          </a:xfrm>
-          <a:prstGeom prst="rect">
-            <a:avLst/>
-          </a:prstGeom>
-          <a:solidFill>
-            <a:schemeClr val="accent1">
-              <a:lumMod val="50000"/>
-            </a:schemeClr>
-          </a:solidFill>
-          <a:ln>
-            <a:noFill/>
-          </a:ln>
-        </p:spPr>
-        <p:style>
-          <a:lnRef idx="2">
-            <a:schemeClr val="accent1">
-              <a:shade val="50000"/>
-            </a:schemeClr>
-          </a:lnRef>
-          <a:fillRef idx="1">
-            <a:schemeClr val="accent1"/>
-          </a:fillRef>
-          <a:effectRef idx="0">
-            <a:schemeClr val="accent1"/>
-          </a:effectRef>
-          <a:fontRef idx="minor">
-            <a:schemeClr val="lt1"/>
-          </a:fontRef>
-        </p:style>
-        <p:txBody>
-          <a:bodyPr rtlCol="0" anchor="ctr"/>
-          <a:lstStyle/>
-          <a:p>
-            <a:pPr algn="ctr"/>
-            <a:r>
-              <a:rPr lang="en-US" sz="6000" b="1" dirty="0">
-                <a:latin typeface="Avenir Book" charset="0"/>
-                <a:ea typeface="Avenir Book" charset="0"/>
-                <a:cs typeface="Avenir Book" charset="0"/>
-              </a:rPr>
-              <a:t>FALSE DISCOVERY RATE CONTROL IN VOLCANO PLOT FOR OMICS DATA</a:t>
-            </a:r>
-          </a:p>
-        </p:txBody>
-      </p:sp>
-      <p:sp>
-        <p:nvSpPr>
-          <p:cNvPr id="5" name="Rectangle 4"/>
-          <p:cNvSpPr/>
-          <p:nvPr/>
-        </p:nvSpPr>
-        <p:spPr>
-          <a:xfrm>
-            <a:off x="0" y="1336476"/>
-            <a:ext cx="30275212" cy="638689"/>
-          </a:xfrm>
-          <a:prstGeom prst="rect">
-            <a:avLst/>
-          </a:prstGeom>
-          <a:solidFill>
-            <a:srgbClr val="F46249"/>
-          </a:solidFill>
-          <a:ln>
-            <a:noFill/>
-          </a:ln>
-        </p:spPr>
-        <p:style>
-          <a:lnRef idx="2">
-            <a:schemeClr val="accent1">
-              <a:shade val="50000"/>
-            </a:schemeClr>
-          </a:lnRef>
-          <a:fillRef idx="1">
-            <a:schemeClr val="accent1"/>
-          </a:fillRef>
-          <a:effectRef idx="0">
-            <a:schemeClr val="accent1"/>
-          </a:effectRef>
-          <a:fontRef idx="minor">
-            <a:schemeClr val="lt1"/>
-          </a:fontRef>
-        </p:style>
-        <p:txBody>
-          <a:bodyPr rtlCol="0" anchor="ctr"/>
-          <a:lstStyle/>
-          <a:p>
-            <a:r>
-              <a:rPr lang="en-US" sz="3898" dirty="0">
-                <a:latin typeface="Avenir Book" charset="0"/>
-                <a:ea typeface="Avenir Book" charset="0"/>
-                <a:cs typeface="Avenir Book" charset="0"/>
-              </a:rPr>
-              <a:t>    Célia Vidal &amp; Vivien Dupont 					                                                                                Data Science in Health &amp; Biostatistics, 3</a:t>
-            </a:r>
-            <a:r>
-              <a:rPr lang="en-US" sz="3898" baseline="30000" dirty="0">
-                <a:latin typeface="Avenir Book" charset="0"/>
-                <a:ea typeface="Avenir Book" charset="0"/>
-                <a:cs typeface="Avenir Book" charset="0"/>
-              </a:rPr>
-              <a:t>rd</a:t>
-            </a:r>
-            <a:r>
-              <a:rPr lang="en-US" sz="3898" dirty="0">
-                <a:latin typeface="Avenir Book" charset="0"/>
-                <a:ea typeface="Avenir Book" charset="0"/>
-                <a:cs typeface="Avenir Book" charset="0"/>
-              </a:rPr>
-              <a:t> year, Ensai</a:t>
-            </a:r>
-          </a:p>
-        </p:txBody>
-      </p:sp>
-      <p:sp>
-        <p:nvSpPr>
-          <p:cNvPr id="6" name="Rectangle 5"/>
-          <p:cNvSpPr/>
-          <p:nvPr/>
-        </p:nvSpPr>
-        <p:spPr>
-          <a:xfrm>
-            <a:off x="-1" y="20789635"/>
-            <a:ext cx="30275213" cy="593990"/>
-          </a:xfrm>
-          <a:prstGeom prst="rect">
-            <a:avLst/>
-          </a:prstGeom>
-          <a:solidFill>
-            <a:schemeClr val="accent1">
-              <a:lumMod val="50000"/>
-            </a:schemeClr>
-          </a:solidFill>
-          <a:ln>
-            <a:noFill/>
-          </a:ln>
-        </p:spPr>
-        <p:style>
-          <a:lnRef idx="2">
-            <a:schemeClr val="accent1">
-              <a:shade val="50000"/>
-            </a:schemeClr>
-          </a:lnRef>
-          <a:fillRef idx="1">
-            <a:schemeClr val="accent1"/>
-          </a:fillRef>
-          <a:effectRef idx="0">
-            <a:schemeClr val="accent1"/>
-          </a:effectRef>
-          <a:fontRef idx="minor">
-            <a:schemeClr val="lt1"/>
-          </a:fontRef>
-        </p:style>
-        <p:txBody>
-          <a:bodyPr rtlCol="0" anchor="ctr"/>
-          <a:lstStyle/>
-          <a:p>
-            <a:pPr algn="ctr"/>
-            <a:endParaRPr lang="en-US" sz="5716" dirty="0">
-              <a:latin typeface="Avenir Book" charset="0"/>
-              <a:ea typeface="Avenir Book" charset="0"/>
-              <a:cs typeface="Avenir Book" charset="0"/>
-            </a:endParaRPr>
-          </a:p>
-        </p:txBody>
-      </p:sp>
-      <p:sp>
-        <p:nvSpPr>
-          <p:cNvPr id="11" name="Rectangle 10"/>
-          <p:cNvSpPr/>
-          <p:nvPr/>
-        </p:nvSpPr>
-        <p:spPr>
-          <a:xfrm>
-            <a:off x="-1" y="20655445"/>
-            <a:ext cx="30275213" cy="133182"/>
-          </a:xfrm>
-          <a:prstGeom prst="rect">
-            <a:avLst/>
-          </a:prstGeom>
-          <a:solidFill>
-            <a:srgbClr val="F4584E"/>
-          </a:solidFill>
-          <a:ln>
-            <a:noFill/>
-          </a:ln>
-        </p:spPr>
-        <p:style>
-          <a:lnRef idx="2">
-            <a:schemeClr val="accent1">
-              <a:shade val="50000"/>
-            </a:schemeClr>
-          </a:lnRef>
-          <a:fillRef idx="1">
-            <a:schemeClr val="accent1"/>
-          </a:fillRef>
-          <a:effectRef idx="0">
-            <a:schemeClr val="accent1"/>
-          </a:effectRef>
-          <a:fontRef idx="minor">
-            <a:schemeClr val="lt1"/>
-          </a:fontRef>
-        </p:style>
-        <p:txBody>
-          <a:bodyPr rtlCol="0" anchor="ctr"/>
-          <a:lstStyle/>
-          <a:p>
-            <a:pPr algn="ctr"/>
-            <a:endParaRPr lang="en-US" sz="5716" dirty="0">
-              <a:latin typeface="Avenir Book" charset="0"/>
-              <a:ea typeface="Avenir Book" charset="0"/>
-              <a:cs typeface="Avenir Book" charset="0"/>
-            </a:endParaRPr>
-          </a:p>
-        </p:txBody>
-      </p:sp>
-      <p:sp>
-        <p:nvSpPr>
-          <p:cNvPr id="35" name="TextBox 34"/>
-          <p:cNvSpPr txBox="1"/>
-          <p:nvPr/>
-        </p:nvSpPr>
-        <p:spPr>
-          <a:xfrm>
-            <a:off x="22767961" y="2125925"/>
-            <a:ext cx="2505893" cy="692177"/>
-          </a:xfrm>
-          <a:prstGeom prst="rect">
-            <a:avLst/>
-          </a:prstGeom>
-          <a:solidFill>
-            <a:schemeClr val="bg1"/>
-          </a:solidFill>
-          <a:effectLst/>
-        </p:spPr>
-        <p:txBody>
-          <a:bodyPr wrap="square" rtlCol="0">
-            <a:spAutoFit/>
-          </a:bodyPr>
-          <a:lstStyle/>
-          <a:p>
-            <a:pPr algn="ctr"/>
-            <a:r>
-              <a:rPr lang="en-US" sz="3898" b="1" spc="130" dirty="0">
-                <a:solidFill>
-                  <a:srgbClr val="F46249"/>
-                </a:solidFill>
-                <a:latin typeface="Avenir Book" charset="0"/>
-                <a:ea typeface="Avenir Book" charset="0"/>
-                <a:cs typeface="Avenir Book" charset="0"/>
-              </a:rPr>
-              <a:t>Results</a:t>
-            </a:r>
-          </a:p>
-        </p:txBody>
-      </p:sp>
-      <p:sp>
-        <p:nvSpPr>
-          <p:cNvPr id="124" name="TextBox 123"/>
-          <p:cNvSpPr txBox="1"/>
-          <p:nvPr/>
-        </p:nvSpPr>
-        <p:spPr>
-          <a:xfrm>
-            <a:off x="26797840" y="7290054"/>
-            <a:ext cx="3138725" cy="1569660"/>
-          </a:xfrm>
-          <a:prstGeom prst="rect">
-            <a:avLst/>
-          </a:prstGeom>
-          <a:noFill/>
-        </p:spPr>
-        <p:txBody>
-          <a:bodyPr wrap="square" rtlCol="0">
-            <a:spAutoFit/>
-          </a:bodyPr>
-          <a:lstStyle/>
-          <a:p>
-            <a:r>
-              <a:rPr lang="en-US" sz="2400" dirty="0">
-                <a:solidFill>
-                  <a:schemeClr val="tx1">
-                    <a:lumMod val="95000"/>
-                    <a:lumOff val="5000"/>
-                  </a:schemeClr>
-                </a:solidFill>
-                <a:latin typeface="Avenir Book" charset="0"/>
-                <a:ea typeface="Avenir Book" charset="0"/>
-                <a:cs typeface="Avenir Book" charset="0"/>
-              </a:rPr>
-              <a:t>FIGURE 2: Volcano plot of the real case study with the </a:t>
-            </a:r>
-            <a:r>
-              <a:rPr lang="en-GB" sz="2400" dirty="0" err="1">
-                <a:latin typeface="Avenir Book"/>
-              </a:rPr>
-              <a:t>Benjamini</a:t>
-            </a:r>
-            <a:r>
-              <a:rPr lang="en-GB" sz="2400" dirty="0">
-                <a:latin typeface="Avenir Book"/>
-              </a:rPr>
-              <a:t>-Hochberg method </a:t>
-            </a:r>
-            <a:endParaRPr lang="en-US" sz="2400" dirty="0">
-              <a:solidFill>
-                <a:schemeClr val="tx1">
-                  <a:lumMod val="95000"/>
-                  <a:lumOff val="5000"/>
-                </a:schemeClr>
-              </a:solidFill>
-              <a:latin typeface="Avenir Book" charset="0"/>
-              <a:ea typeface="Avenir Book" charset="0"/>
-              <a:cs typeface="Avenir Book" charset="0"/>
-            </a:endParaRPr>
-          </a:p>
-        </p:txBody>
-      </p:sp>
-      <p:sp>
-        <p:nvSpPr>
-          <p:cNvPr id="138" name="Rectangle 137"/>
-          <p:cNvSpPr/>
-          <p:nvPr/>
-        </p:nvSpPr>
-        <p:spPr>
-          <a:xfrm rot="10800000">
-            <a:off x="24342722" y="14325475"/>
-            <a:ext cx="597726" cy="492122"/>
-          </a:xfrm>
-          <a:prstGeom prst="rect">
-            <a:avLst/>
-          </a:prstGeom>
-        </p:spPr>
-        <p:txBody>
-          <a:bodyPr wrap="square">
-            <a:spAutoFit/>
-          </a:bodyPr>
-          <a:lstStyle/>
-          <a:p>
-            <a:r>
-              <a:rPr lang="en-US" sz="2598" dirty="0">
-                <a:solidFill>
-                  <a:srgbClr val="F46249"/>
-                </a:solidFill>
-                <a:latin typeface="Avenir Book" charset="0"/>
-                <a:ea typeface="Avenir Book" charset="0"/>
-                <a:cs typeface="Avenir Book" charset="0"/>
-              </a:rPr>
-              <a:t>◀</a:t>
-            </a:r>
-            <a:endParaRPr lang="en-US" sz="2598" dirty="0"/>
-          </a:p>
-        </p:txBody>
-      </p:sp>
-      <p:pic>
-        <p:nvPicPr>
-          <p:cNvPr id="14" name="Image 13">
-            <a:extLst>
-              <a:ext uri="{FF2B5EF4-FFF2-40B4-BE49-F238E27FC236}">
-                <a16:creationId xmlns:a16="http://schemas.microsoft.com/office/drawing/2014/main" id="{B0D6E506-9024-4041-9C3F-416915EE286B}"/>
-              </a:ext>
-            </a:extLst>
-          </p:cNvPr>
-          <p:cNvPicPr>
-            <a:picLocks noChangeAspect="1"/>
-          </p:cNvPicPr>
-          <p:nvPr/>
-        </p:nvPicPr>
-        <p:blipFill rotWithShape="1">
-          <a:blip r:embed="rId3">
-            <a:duotone>
-              <a:prstClr val="black"/>
-              <a:schemeClr val="bg1">
-                <a:tint val="45000"/>
-                <a:satMod val="400000"/>
-              </a:schemeClr>
-            </a:duotone>
-            <a:extLst>
-              <a:ext uri="{BEBA8EAE-BF5A-486C-A8C5-ECC9F3942E4B}">
-                <a14:imgProps xmlns:a14="http://schemas.microsoft.com/office/drawing/2010/main">
-                  <a14:imgLayer r:embed="rId4">
-                    <a14:imgEffect>
-                      <a14:sharpenSoften amount="100000"/>
-                    </a14:imgEffect>
-                    <a14:imgEffect>
-                      <a14:brightnessContrast bright="100000" contrast="100000"/>
-                    </a14:imgEffect>
-                  </a14:imgLayer>
-                </a14:imgProps>
-              </a:ext>
-            </a:extLst>
-          </a:blip>
-          <a:srcRect r="37775"/>
-          <a:stretch/>
-        </p:blipFill>
-        <p:spPr>
-          <a:xfrm>
-            <a:off x="28389738" y="76796"/>
-            <a:ext cx="1368367" cy="1219864"/>
-          </a:xfrm>
-          <a:prstGeom prst="rect">
-            <a:avLst/>
-          </a:prstGeom>
-          <a:noFill/>
-          <a:ln>
-            <a:noFill/>
-          </a:ln>
-        </p:spPr>
-      </p:pic>
-      <p:sp>
-        <p:nvSpPr>
-          <p:cNvPr id="37" name="TextBox 36"/>
-          <p:cNvSpPr txBox="1"/>
-          <p:nvPr/>
-        </p:nvSpPr>
-        <p:spPr>
-          <a:xfrm>
-            <a:off x="22869584" y="15410851"/>
-            <a:ext cx="2946275" cy="692177"/>
-          </a:xfrm>
-          <a:prstGeom prst="rect">
-            <a:avLst/>
-          </a:prstGeom>
-          <a:solidFill>
-            <a:schemeClr val="bg1"/>
-          </a:solidFill>
-          <a:effectLst/>
-        </p:spPr>
-        <p:txBody>
-          <a:bodyPr wrap="square" rtlCol="0">
-            <a:spAutoFit/>
-          </a:bodyPr>
-          <a:lstStyle/>
-          <a:p>
-            <a:pPr algn="ctr"/>
-            <a:r>
-              <a:rPr lang="en-US" sz="3898" b="1" spc="130" dirty="0">
-                <a:solidFill>
-                  <a:srgbClr val="F46249"/>
-                </a:solidFill>
-                <a:latin typeface="Avenir Book" charset="0"/>
-                <a:ea typeface="Avenir Book" charset="0"/>
-                <a:cs typeface="Avenir Book" charset="0"/>
-              </a:rPr>
-              <a:t>Conclusion</a:t>
-            </a:r>
-          </a:p>
-        </p:txBody>
-      </p:sp>
-      <p:sp>
-        <p:nvSpPr>
-          <p:cNvPr id="38" name="TextBox 37"/>
-          <p:cNvSpPr txBox="1"/>
-          <p:nvPr/>
-        </p:nvSpPr>
-        <p:spPr>
-          <a:xfrm>
-            <a:off x="22509703" y="18909123"/>
-            <a:ext cx="3666037" cy="692177"/>
-          </a:xfrm>
-          <a:prstGeom prst="rect">
-            <a:avLst/>
-          </a:prstGeom>
-          <a:solidFill>
-            <a:schemeClr val="bg1"/>
-          </a:solidFill>
-          <a:effectLst/>
-        </p:spPr>
-        <p:txBody>
-          <a:bodyPr wrap="square" rtlCol="0">
-            <a:spAutoFit/>
-          </a:bodyPr>
-          <a:lstStyle/>
-          <a:p>
-            <a:pPr algn="ctr"/>
-            <a:r>
-              <a:rPr lang="en-US" sz="3898" b="1" spc="130" dirty="0">
-                <a:solidFill>
-                  <a:srgbClr val="F46249"/>
-                </a:solidFill>
-                <a:latin typeface="Avenir Book" charset="0"/>
-                <a:ea typeface="Avenir Book" charset="0"/>
-                <a:cs typeface="Avenir Book" charset="0"/>
-              </a:rPr>
-              <a:t>Bibliography</a:t>
-            </a:r>
-          </a:p>
-        </p:txBody>
-      </p:sp>
-      <p:sp>
-        <p:nvSpPr>
-          <p:cNvPr id="146" name="TextBox 145"/>
-          <p:cNvSpPr txBox="1"/>
-          <p:nvPr/>
-        </p:nvSpPr>
-        <p:spPr>
-          <a:xfrm>
-            <a:off x="18105253" y="19552603"/>
-            <a:ext cx="11831314" cy="830997"/>
-          </a:xfrm>
-          <a:prstGeom prst="rect">
-            <a:avLst/>
-          </a:prstGeom>
-          <a:noFill/>
-        </p:spPr>
-        <p:txBody>
-          <a:bodyPr wrap="square" rtlCol="0">
-            <a:spAutoFit/>
-          </a:bodyPr>
-          <a:lstStyle/>
-          <a:p>
-            <a:pPr marL="334122" indent="-334122">
-              <a:buFont typeface="+mj-lt"/>
-              <a:buAutoNum type="arabicPeriod"/>
-            </a:pPr>
-            <a:r>
-              <a:rPr lang="en-US" sz="2400" dirty="0" err="1">
-                <a:latin typeface="Avenir Book" charset="0"/>
-                <a:ea typeface="Avenir Book" charset="0"/>
-                <a:cs typeface="Avenir Book" charset="0"/>
-              </a:rPr>
-              <a:t>Ebrahimpoor</a:t>
-            </a:r>
-            <a:r>
-              <a:rPr lang="en-US" sz="2400" dirty="0">
-                <a:latin typeface="Avenir Book" charset="0"/>
-                <a:ea typeface="Avenir Book" charset="0"/>
-                <a:cs typeface="Avenir Book" charset="0"/>
-              </a:rPr>
-              <a:t> (2021) Inflated false discovery rate due to volcano plots: problem and solutions</a:t>
-            </a:r>
-          </a:p>
-          <a:p>
-            <a:pPr marL="334122" indent="-334122">
-              <a:buFont typeface="+mj-lt"/>
-              <a:buAutoNum type="arabicPeriod"/>
-            </a:pPr>
-            <a:r>
-              <a:rPr lang="fr-FR" sz="2400" dirty="0" err="1"/>
-              <a:t>Katsevich</a:t>
-            </a:r>
-            <a:r>
-              <a:rPr lang="fr-FR" sz="2400" dirty="0"/>
-              <a:t>  (2020) </a:t>
-            </a:r>
-            <a:r>
-              <a:rPr lang="en-US" sz="2400" dirty="0"/>
-              <a:t>Filtering the rejection set while preserving false discovery rate control</a:t>
-            </a:r>
-            <a:endParaRPr lang="en-US" sz="2400" dirty="0">
-              <a:latin typeface="Avenir Book" charset="0"/>
-              <a:ea typeface="Avenir Book" charset="0"/>
-              <a:cs typeface="Avenir Book" charset="0"/>
-            </a:endParaRPr>
-          </a:p>
-        </p:txBody>
-      </p:sp>
-      <p:sp>
-        <p:nvSpPr>
-          <p:cNvPr id="36" name="ZoneTexte 35">
-            <a:extLst>
-              <a:ext uri="{FF2B5EF4-FFF2-40B4-BE49-F238E27FC236}">
-                <a16:creationId xmlns:a16="http://schemas.microsoft.com/office/drawing/2014/main" id="{8CA13A83-17BF-47E8-A696-0AB3432480B9}"/>
-              </a:ext>
-            </a:extLst>
-          </p:cNvPr>
-          <p:cNvSpPr txBox="1"/>
-          <p:nvPr/>
-        </p:nvSpPr>
-        <p:spPr>
-          <a:xfrm>
-            <a:off x="18105253" y="16051086"/>
-            <a:ext cx="11831313" cy="2677656"/>
-          </a:xfrm>
-          <a:prstGeom prst="rect">
-            <a:avLst/>
-          </a:prstGeom>
-          <a:noFill/>
-        </p:spPr>
-        <p:txBody>
-          <a:bodyPr wrap="square">
-            <a:spAutoFit/>
-          </a:bodyPr>
-          <a:lstStyle/>
-          <a:p>
-            <a:pPr algn="just"/>
-            <a:r>
-              <a:rPr lang="en-GB" sz="2400" dirty="0">
-                <a:latin typeface="Avenir Book"/>
-              </a:rPr>
-              <a:t>FDR inflation occurs when FDR control procedures such as BH are combined with the Volcano Plots double filter procedure. FDR control on a set of discoveries does not imply FDR control on subsets of these discoveries. FDR inflation is high when the variance of differentially expressed genes is lower than the variance of non-differentially expressed genes. FDR inflation is less important when there are high correlations or a low proportion of null genes. Closed testing and focused Benjamini-Hochberg are two alternatives to the Benjamini-Hochberg procedure that allow double screening while controlling the FDR.</a:t>
-            </a:r>
-          </a:p>
-        </p:txBody>
-      </p:sp>
-      <mc:AlternateContent xmlns:mc="http://schemas.openxmlformats.org/markup-compatibility/2006" xmlns:a14="http://schemas.microsoft.com/office/drawing/2010/main">
-        <mc:Choice Requires="a14">
-          <p:sp>
-            <p:nvSpPr>
-              <p:cNvPr id="19" name="ZoneTexte 18">
-                <a:extLst>
-                  <a:ext uri="{FF2B5EF4-FFF2-40B4-BE49-F238E27FC236}">
-                    <a16:creationId xmlns:a16="http://schemas.microsoft.com/office/drawing/2014/main" id="{5A519638-5B50-4903-831F-3DEA7A4F545F}"/>
-                  </a:ext>
-                </a:extLst>
-              </p:cNvPr>
-              <p:cNvSpPr txBox="1"/>
-              <p:nvPr/>
-            </p:nvSpPr>
-            <p:spPr>
-              <a:xfrm>
-                <a:off x="8532916" y="8959984"/>
-                <a:ext cx="9195839" cy="5237011"/>
-              </a:xfrm>
-              <a:prstGeom prst="rect">
-                <a:avLst/>
-              </a:prstGeom>
-              <a:noFill/>
-            </p:spPr>
-            <p:txBody>
-              <a:bodyPr wrap="square" rtlCol="0">
-                <a:spAutoFit/>
-              </a:bodyPr>
-              <a:lstStyle/>
-              <a:p>
-                <a:pPr algn="just"/>
-                <a:r>
-                  <a:rPr lang="en-GB" sz="2400" dirty="0">
-                    <a:latin typeface="Avenir Book"/>
-                  </a:rPr>
-                  <a:t>The focused BH method is a variant of the classical BH procedure that guarantees FDR-control over a subset of discoveries by applying a filter to the corrected p-values. The procedure works as follow:</a:t>
-                </a:r>
-                <a:r>
-                  <a:rPr lang="en-GB" sz="2400" b="1" dirty="0">
-                    <a:latin typeface="Avenir Book"/>
-                  </a:rPr>
-                  <a:t>	</a:t>
-                </a:r>
-              </a:p>
-              <a:p>
-                <a:r>
-                  <a:rPr lang="en-GB" sz="2400" b="1" dirty="0">
-                    <a:latin typeface="Avenir Book"/>
-                  </a:rPr>
-                  <a:t>	Input</a:t>
-                </a:r>
-                <a:r>
-                  <a:rPr lang="en-GB" sz="2400" dirty="0">
-                    <a:latin typeface="Avenir Book"/>
-                  </a:rPr>
-                  <a:t>: p-values </a:t>
-                </a:r>
-                <a14:m>
-                  <m:oMath xmlns:m="http://schemas.openxmlformats.org/officeDocument/2006/math">
-                    <m:r>
-                      <a:rPr lang="fr-FR" sz="2400" b="1" i="1" smtClean="0">
-                        <a:latin typeface="Cambria Math" panose="02040503050406030204" pitchFamily="18" charset="0"/>
-                      </a:rPr>
-                      <m:t>𝒑</m:t>
-                    </m:r>
-                    <m:r>
-                      <a:rPr lang="fr-FR" sz="2400" b="0" i="0" smtClean="0">
-                        <a:latin typeface="Cambria Math" panose="02040503050406030204" pitchFamily="18" charset="0"/>
-                      </a:rPr>
-                      <m:t>=(</m:t>
-                    </m:r>
-                    <m:sSub>
-                      <m:sSubPr>
-                        <m:ctrlPr>
-                          <a:rPr lang="fr-FR" sz="2400" b="0" i="1" smtClean="0">
-                            <a:latin typeface="Cambria Math" panose="02040503050406030204" pitchFamily="18" charset="0"/>
-                          </a:rPr>
-                        </m:ctrlPr>
-                      </m:sSubPr>
-                      <m:e>
-                        <m:r>
-                          <a:rPr lang="fr-FR" sz="2400" b="0" i="1" smtClean="0">
-                            <a:latin typeface="Cambria Math" panose="02040503050406030204" pitchFamily="18" charset="0"/>
-                          </a:rPr>
-                          <m:t>𝑝</m:t>
-                        </m:r>
-                      </m:e>
-                      <m:sub>
-                        <m:r>
-                          <a:rPr lang="fr-FR" sz="2400" b="0" i="1" smtClean="0">
-                            <a:latin typeface="Cambria Math" panose="02040503050406030204" pitchFamily="18" charset="0"/>
-                          </a:rPr>
-                          <m:t>1</m:t>
-                        </m:r>
-                      </m:sub>
-                    </m:sSub>
-                    <m:r>
-                      <a:rPr lang="fr-FR" sz="2400" b="0" i="1" smtClean="0">
-                        <a:latin typeface="Cambria Math" panose="02040503050406030204" pitchFamily="18" charset="0"/>
-                      </a:rPr>
-                      <m:t>,…, </m:t>
-                    </m:r>
-                    <m:sSub>
-                      <m:sSubPr>
-                        <m:ctrlPr>
-                          <a:rPr lang="fr-FR" sz="2400" b="0" i="1" smtClean="0">
-                            <a:latin typeface="Cambria Math" panose="02040503050406030204" pitchFamily="18" charset="0"/>
-                          </a:rPr>
-                        </m:ctrlPr>
-                      </m:sSubPr>
-                      <m:e>
-                        <m:r>
-                          <a:rPr lang="fr-FR" sz="2400" b="0" i="1" smtClean="0">
-                            <a:latin typeface="Cambria Math" panose="02040503050406030204" pitchFamily="18" charset="0"/>
-                          </a:rPr>
-                          <m:t>𝑝</m:t>
-                        </m:r>
-                      </m:e>
-                      <m:sub>
-                        <m:r>
-                          <a:rPr lang="fr-FR" sz="2400" b="0" i="1" smtClean="0">
-                            <a:latin typeface="Cambria Math" panose="02040503050406030204" pitchFamily="18" charset="0"/>
-                          </a:rPr>
-                          <m:t>𝑚</m:t>
-                        </m:r>
-                      </m:sub>
-                    </m:sSub>
-                    <m:r>
-                      <a:rPr lang="fr-FR" sz="2400" b="0" i="1" smtClean="0">
-                        <a:latin typeface="Cambria Math" panose="02040503050406030204" pitchFamily="18" charset="0"/>
-                      </a:rPr>
-                      <m:t>),</m:t>
-                    </m:r>
-                  </m:oMath>
-                </a14:m>
-                <a:r>
-                  <a:rPr lang="en-GB" sz="2400" dirty="0">
-                    <a:latin typeface="Avenir Book"/>
-                  </a:rPr>
-                  <a:t> filter </a:t>
-                </a:r>
-                <a:r>
-                  <a:rPr lang="en-GB" sz="2400" dirty="0">
-                    <a:latin typeface="Cambria Math" panose="02040503050406030204" pitchFamily="18" charset="0"/>
-                    <a:ea typeface="Cambria Math" panose="02040503050406030204" pitchFamily="18" charset="0"/>
-                  </a:rPr>
-                  <a:t>𝔉</a:t>
-                </a:r>
-              </a:p>
-              <a:p>
-                <a:r>
-                  <a:rPr lang="en-GB" sz="2400" dirty="0">
-                    <a:latin typeface="Cambria Math" panose="02040503050406030204" pitchFamily="18" charset="0"/>
-                    <a:ea typeface="Cambria Math" panose="02040503050406030204" pitchFamily="18" charset="0"/>
-                  </a:rPr>
-                  <a:t>1 </a:t>
-                </a:r>
-                <a:r>
-                  <a:rPr lang="en-GB" sz="2400" b="1" dirty="0">
-                    <a:latin typeface="Avenir Book"/>
-                    <a:ea typeface="Cambria Math" panose="02040503050406030204" pitchFamily="18" charset="0"/>
-                  </a:rPr>
-                  <a:t>for</a:t>
-                </a:r>
-                <a:r>
-                  <a:rPr lang="en-GB" sz="2400" dirty="0">
-                    <a:latin typeface="Cambria Math" panose="02040503050406030204" pitchFamily="18" charset="0"/>
-                    <a:ea typeface="Cambria Math" panose="02040503050406030204" pitchFamily="18" charset="0"/>
-                  </a:rPr>
-                  <a:t> </a:t>
-                </a:r>
-                <a14:m>
-                  <m:oMath xmlns:m="http://schemas.openxmlformats.org/officeDocument/2006/math">
-                    <m:r>
-                      <a:rPr lang="fr-FR" sz="2400" b="0" i="1" smtClean="0">
-                        <a:latin typeface="Cambria Math" panose="02040503050406030204" pitchFamily="18" charset="0"/>
-                        <a:ea typeface="Cambria Math" panose="02040503050406030204" pitchFamily="18" charset="0"/>
-                      </a:rPr>
-                      <m:t>𝑟</m:t>
-                    </m:r>
-                    <m:r>
-                      <a:rPr lang="fr-FR" sz="2400" b="0" i="1" smtClean="0">
-                        <a:latin typeface="Cambria Math" panose="02040503050406030204" pitchFamily="18" charset="0"/>
-                        <a:ea typeface="Cambria Math" panose="02040503050406030204" pitchFamily="18" charset="0"/>
-                      </a:rPr>
-                      <m:t>∈{0,</m:t>
-                    </m:r>
-                    <m:sSub>
-                      <m:sSubPr>
-                        <m:ctrlPr>
-                          <a:rPr lang="fr-FR" sz="2400" i="1">
-                            <a:latin typeface="Cambria Math" panose="02040503050406030204" pitchFamily="18" charset="0"/>
-                          </a:rPr>
-                        </m:ctrlPr>
-                      </m:sSubPr>
-                      <m:e>
-                        <m:r>
-                          <a:rPr lang="fr-FR" sz="2400" i="1">
-                            <a:latin typeface="Cambria Math" panose="02040503050406030204" pitchFamily="18" charset="0"/>
-                          </a:rPr>
-                          <m:t>𝑝</m:t>
-                        </m:r>
-                      </m:e>
-                      <m:sub>
-                        <m:r>
-                          <a:rPr lang="fr-FR" sz="2400" i="1">
-                            <a:latin typeface="Cambria Math" panose="02040503050406030204" pitchFamily="18" charset="0"/>
-                          </a:rPr>
-                          <m:t>1</m:t>
-                        </m:r>
-                      </m:sub>
-                    </m:sSub>
-                    <m:r>
-                      <a:rPr lang="fr-FR" sz="2400" i="1">
-                        <a:latin typeface="Cambria Math" panose="02040503050406030204" pitchFamily="18" charset="0"/>
-                      </a:rPr>
-                      <m:t>,…, </m:t>
-                    </m:r>
-                    <m:sSub>
-                      <m:sSubPr>
-                        <m:ctrlPr>
-                          <a:rPr lang="fr-FR" sz="2400" i="1">
-                            <a:latin typeface="Cambria Math" panose="02040503050406030204" pitchFamily="18" charset="0"/>
-                          </a:rPr>
-                        </m:ctrlPr>
-                      </m:sSubPr>
-                      <m:e>
-                        <m:r>
-                          <a:rPr lang="fr-FR" sz="2400" i="1">
-                            <a:latin typeface="Cambria Math" panose="02040503050406030204" pitchFamily="18" charset="0"/>
-                          </a:rPr>
-                          <m:t>𝑝</m:t>
-                        </m:r>
-                      </m:e>
-                      <m:sub>
-                        <m:r>
-                          <a:rPr lang="fr-FR" sz="2400" i="1">
-                            <a:latin typeface="Cambria Math" panose="02040503050406030204" pitchFamily="18" charset="0"/>
-                          </a:rPr>
-                          <m:t>𝑚</m:t>
-                        </m:r>
-                      </m:sub>
-                    </m:sSub>
-                    <m:r>
-                      <a:rPr lang="fr-FR" sz="2400" b="0" i="1" smtClean="0">
-                        <a:latin typeface="Cambria Math" panose="02040503050406030204" pitchFamily="18" charset="0"/>
-                        <a:ea typeface="Cambria Math" panose="02040503050406030204" pitchFamily="18" charset="0"/>
-                      </a:rPr>
-                      <m:t>}</m:t>
-                    </m:r>
-                  </m:oMath>
-                </a14:m>
-                <a:r>
-                  <a:rPr lang="en-GB" sz="2400" dirty="0">
-                    <a:latin typeface="Avenir Book"/>
-                  </a:rPr>
-                  <a:t> </a:t>
-                </a:r>
-                <a:r>
-                  <a:rPr lang="en-GB" sz="2400" b="1" dirty="0">
-                    <a:latin typeface="Avenir Book"/>
-                  </a:rPr>
-                  <a:t>do</a:t>
-                </a:r>
-              </a:p>
-              <a:p>
-                <a:r>
-                  <a:rPr lang="en-GB" sz="2400" dirty="0">
-                    <a:latin typeface="Avenir Book"/>
-                  </a:rPr>
-                  <a:t>2 | Compute </a:t>
-                </a:r>
-                <a14:m>
-                  <m:oMath xmlns:m="http://schemas.openxmlformats.org/officeDocument/2006/math">
-                    <m:acc>
-                      <m:accPr>
-                        <m:chr m:val="̂"/>
-                        <m:ctrlPr>
-                          <a:rPr lang="fr-FR" sz="2400" i="1" smtClean="0">
-                            <a:solidFill>
-                              <a:schemeClr val="tx1"/>
-                            </a:solidFill>
-                            <a:latin typeface="Cambria Math" panose="02040503050406030204" pitchFamily="18" charset="0"/>
-                          </a:rPr>
-                        </m:ctrlPr>
-                      </m:accPr>
-                      <m:e>
-                        <m:r>
-                          <a:rPr lang="fr-FR" sz="2400" b="0" i="1" smtClean="0">
-                            <a:solidFill>
-                              <a:schemeClr val="tx1"/>
-                            </a:solidFill>
-                            <a:latin typeface="Cambria Math" panose="02040503050406030204" pitchFamily="18" charset="0"/>
-                          </a:rPr>
-                          <m:t>𝐹𝐷𝑃</m:t>
-                        </m:r>
-                      </m:e>
-                    </m:acc>
-                    <m:r>
-                      <a:rPr lang="fr-FR" sz="2400" b="0" i="1" smtClean="0">
-                        <a:solidFill>
-                          <a:schemeClr val="tx1"/>
-                        </a:solidFill>
-                        <a:latin typeface="Cambria Math" panose="02040503050406030204" pitchFamily="18" charset="0"/>
-                      </a:rPr>
-                      <m:t> </m:t>
-                    </m:r>
-                    <m:d>
-                      <m:dPr>
-                        <m:ctrlPr>
-                          <a:rPr lang="fr-FR" sz="2400" b="0" i="1" smtClean="0">
-                            <a:solidFill>
-                              <a:schemeClr val="tx1"/>
-                            </a:solidFill>
-                            <a:latin typeface="Cambria Math" panose="02040503050406030204" pitchFamily="18" charset="0"/>
-                          </a:rPr>
-                        </m:ctrlPr>
-                      </m:dPr>
-                      <m:e>
-                        <m:r>
-                          <a:rPr lang="fr-FR" sz="2400" b="0" i="1" smtClean="0">
-                            <a:solidFill>
-                              <a:schemeClr val="tx1"/>
-                            </a:solidFill>
-                            <a:latin typeface="Cambria Math" panose="02040503050406030204" pitchFamily="18" charset="0"/>
-                          </a:rPr>
-                          <m:t>𝑟</m:t>
-                        </m:r>
-                      </m:e>
-                    </m:d>
-                    <m:r>
-                      <a:rPr lang="fr-FR" sz="2400" b="0" i="1" smtClean="0">
-                        <a:solidFill>
-                          <a:schemeClr val="tx1"/>
-                        </a:solidFill>
-                        <a:latin typeface="Cambria Math" panose="02040503050406030204" pitchFamily="18" charset="0"/>
-                      </a:rPr>
-                      <m:t>= </m:t>
-                    </m:r>
-                    <m:f>
-                      <m:fPr>
-                        <m:ctrlPr>
-                          <a:rPr lang="fr-FR" sz="2400" b="0" i="1" smtClean="0">
-                            <a:solidFill>
-                              <a:schemeClr val="tx1"/>
-                            </a:solidFill>
-                            <a:latin typeface="Cambria Math" panose="02040503050406030204" pitchFamily="18" charset="0"/>
-                          </a:rPr>
-                        </m:ctrlPr>
-                      </m:fPr>
-                      <m:num>
-                        <m:r>
-                          <a:rPr lang="fr-FR" sz="2400" b="0" i="1" smtClean="0">
-                            <a:solidFill>
-                              <a:schemeClr val="tx1"/>
-                            </a:solidFill>
-                            <a:latin typeface="Cambria Math" panose="02040503050406030204" pitchFamily="18" charset="0"/>
-                          </a:rPr>
-                          <m:t>𝑚</m:t>
-                        </m:r>
-                        <m:r>
-                          <a:rPr lang="fr-FR" sz="2400" b="0" i="1" smtClean="0">
-                            <a:solidFill>
-                              <a:schemeClr val="tx1"/>
-                            </a:solidFill>
-                            <a:latin typeface="Cambria Math" panose="02040503050406030204" pitchFamily="18" charset="0"/>
-                          </a:rPr>
-                          <m:t>×</m:t>
-                        </m:r>
-                        <m:r>
-                          <a:rPr lang="fr-FR" sz="2400" b="0" i="1" smtClean="0">
-                            <a:solidFill>
-                              <a:schemeClr val="tx1"/>
-                            </a:solidFill>
-                            <a:latin typeface="Cambria Math" panose="02040503050406030204" pitchFamily="18" charset="0"/>
-                          </a:rPr>
-                          <m:t>𝑟</m:t>
-                        </m:r>
-                      </m:num>
-                      <m:den>
-                        <m:r>
-                          <a:rPr lang="fr-FR" sz="2400" b="0" i="1" smtClean="0">
-                            <a:solidFill>
-                              <a:schemeClr val="tx1"/>
-                            </a:solidFill>
-                            <a:latin typeface="Cambria Math" panose="02040503050406030204" pitchFamily="18" charset="0"/>
-                          </a:rPr>
-                          <m:t>#</m:t>
-                        </m:r>
-                        <m:r>
-                          <m:rPr>
-                            <m:nor/>
-                          </m:rPr>
-                          <a:rPr lang="en-GB" sz="2400" dirty="0">
-                            <a:latin typeface="Cambria Math" panose="02040503050406030204" pitchFamily="18" charset="0"/>
-                            <a:ea typeface="Cambria Math" panose="02040503050406030204" pitchFamily="18" charset="0"/>
-                          </a:rPr>
-                          <m:t>𝔉</m:t>
-                        </m:r>
-                        <m:d>
-                          <m:dPr>
-                            <m:ctrlPr>
-                              <a:rPr lang="fr-FR" sz="2400" b="0" i="1" dirty="0" smtClean="0">
-                                <a:latin typeface="Cambria Math" panose="02040503050406030204" pitchFamily="18" charset="0"/>
-                                <a:ea typeface="Cambria Math" panose="02040503050406030204" pitchFamily="18" charset="0"/>
-                              </a:rPr>
-                            </m:ctrlPr>
-                          </m:dPr>
-                          <m:e>
-                            <m:r>
-                              <a:rPr lang="fr-FR" sz="2400" b="0" i="1" dirty="0" smtClean="0">
-                                <a:latin typeface="Cambria Math" panose="02040503050406030204" pitchFamily="18" charset="0"/>
-                                <a:ea typeface="Cambria Math" panose="02040503050406030204" pitchFamily="18" charset="0"/>
-                              </a:rPr>
-                              <m:t> </m:t>
-                            </m:r>
-                            <m:d>
-                              <m:dPr>
-                                <m:begChr m:val="{"/>
-                                <m:endChr m:val="}"/>
-                                <m:ctrlPr>
-                                  <a:rPr lang="fr-FR" sz="2400" b="0" i="1" dirty="0" smtClean="0">
-                                    <a:latin typeface="Cambria Math" panose="02040503050406030204" pitchFamily="18" charset="0"/>
-                                    <a:ea typeface="Cambria Math" panose="02040503050406030204" pitchFamily="18" charset="0"/>
-                                  </a:rPr>
-                                </m:ctrlPr>
-                              </m:dPr>
-                              <m:e>
-                                <m:r>
-                                  <a:rPr lang="fr-FR" sz="2400" b="0" i="1" dirty="0" smtClean="0">
-                                    <a:latin typeface="Cambria Math" panose="02040503050406030204" pitchFamily="18" charset="0"/>
-                                    <a:ea typeface="Cambria Math" panose="02040503050406030204" pitchFamily="18" charset="0"/>
-                                  </a:rPr>
-                                  <m:t>𝑗</m:t>
-                                </m:r>
-                                <m:r>
-                                  <a:rPr lang="fr-FR" sz="2400" b="0" i="1" dirty="0" smtClean="0">
-                                    <a:latin typeface="Cambria Math" panose="02040503050406030204" pitchFamily="18" charset="0"/>
-                                    <a:ea typeface="Cambria Math" panose="02040503050406030204" pitchFamily="18" charset="0"/>
-                                  </a:rPr>
-                                  <m:t>:</m:t>
-                                </m:r>
-                                <m:sSub>
-                                  <m:sSubPr>
-                                    <m:ctrlPr>
-                                      <a:rPr lang="fr-FR" sz="2400" b="0" i="1" dirty="0" smtClean="0">
-                                        <a:latin typeface="Cambria Math" panose="02040503050406030204" pitchFamily="18" charset="0"/>
-                                        <a:ea typeface="Cambria Math" panose="02040503050406030204" pitchFamily="18" charset="0"/>
-                                      </a:rPr>
-                                    </m:ctrlPr>
-                                  </m:sSubPr>
-                                  <m:e>
-                                    <m:r>
-                                      <a:rPr lang="fr-FR" sz="2400" b="0" i="1" dirty="0" smtClean="0">
-                                        <a:latin typeface="Cambria Math" panose="02040503050406030204" pitchFamily="18" charset="0"/>
-                                        <a:ea typeface="Cambria Math" panose="02040503050406030204" pitchFamily="18" charset="0"/>
-                                      </a:rPr>
-                                      <m:t>𝑝</m:t>
-                                    </m:r>
-                                  </m:e>
-                                  <m:sub>
-                                    <m:r>
-                                      <a:rPr lang="fr-FR" sz="2400" b="0" i="1" dirty="0" smtClean="0">
-                                        <a:latin typeface="Cambria Math" panose="02040503050406030204" pitchFamily="18" charset="0"/>
-                                        <a:ea typeface="Cambria Math" panose="02040503050406030204" pitchFamily="18" charset="0"/>
-                                      </a:rPr>
-                                      <m:t>𝑗</m:t>
-                                    </m:r>
-                                  </m:sub>
-                                </m:sSub>
-                                <m:r>
-                                  <a:rPr lang="fr-FR" sz="2400" b="0" i="1" dirty="0" smtClean="0">
-                                    <a:latin typeface="Cambria Math" panose="02040503050406030204" pitchFamily="18" charset="0"/>
-                                    <a:ea typeface="Cambria Math" panose="02040503050406030204" pitchFamily="18" charset="0"/>
-                                  </a:rPr>
-                                  <m:t>≤</m:t>
-                                </m:r>
-                                <m:r>
-                                  <a:rPr lang="fr-FR" sz="2400" b="0" i="1" dirty="0" smtClean="0">
-                                    <a:latin typeface="Cambria Math" panose="02040503050406030204" pitchFamily="18" charset="0"/>
-                                    <a:ea typeface="Cambria Math" panose="02040503050406030204" pitchFamily="18" charset="0"/>
-                                  </a:rPr>
-                                  <m:t>𝑟</m:t>
-                                </m:r>
-                              </m:e>
-                            </m:d>
-                            <m:r>
-                              <a:rPr lang="fr-FR" sz="2400" b="0" i="1" dirty="0" smtClean="0">
-                                <a:latin typeface="Cambria Math" panose="02040503050406030204" pitchFamily="18" charset="0"/>
-                                <a:ea typeface="Cambria Math" panose="02040503050406030204" pitchFamily="18" charset="0"/>
-                              </a:rPr>
-                              <m:t>,</m:t>
-                            </m:r>
-                            <m:r>
-                              <a:rPr lang="fr-FR" sz="2400" b="1" i="1" dirty="0" smtClean="0">
-                                <a:latin typeface="Cambria Math" panose="02040503050406030204" pitchFamily="18" charset="0"/>
-                                <a:ea typeface="Cambria Math" panose="02040503050406030204" pitchFamily="18" charset="0"/>
-                              </a:rPr>
-                              <m:t>𝒑</m:t>
-                            </m:r>
-                            <m:r>
-                              <a:rPr lang="fr-FR" sz="2400" b="0" i="1" dirty="0" smtClean="0">
-                                <a:latin typeface="Cambria Math" panose="02040503050406030204" pitchFamily="18" charset="0"/>
-                                <a:ea typeface="Cambria Math" panose="02040503050406030204" pitchFamily="18" charset="0"/>
-                              </a:rPr>
-                              <m:t> </m:t>
-                            </m:r>
-                          </m:e>
-                        </m:d>
-                      </m:den>
-                    </m:f>
-                    <m:r>
-                      <a:rPr lang="fr-FR" sz="2400" b="0" i="1" smtClean="0">
-                        <a:solidFill>
-                          <a:schemeClr val="tx1"/>
-                        </a:solidFill>
-                        <a:latin typeface="Cambria Math" panose="02040503050406030204" pitchFamily="18" charset="0"/>
-                      </a:rPr>
-                      <m:t>;</m:t>
-                    </m:r>
-                  </m:oMath>
-                </a14:m>
-                <a:endParaRPr lang="en-GB" sz="2400" dirty="0">
-                  <a:latin typeface="Avenir Book"/>
-                </a:endParaRPr>
-              </a:p>
-              <a:p>
-                <a:r>
-                  <a:rPr lang="en-GB" sz="2400" dirty="0">
-                    <a:latin typeface="Avenir Book"/>
-                  </a:rPr>
-                  <a:t>3 </a:t>
-                </a:r>
-                <a:r>
-                  <a:rPr lang="en-GB" sz="2400" b="1" dirty="0">
-                    <a:latin typeface="Avenir Book"/>
-                  </a:rPr>
-                  <a:t>end for</a:t>
-                </a:r>
-              </a:p>
-              <a:p>
-                <a:r>
-                  <a:rPr lang="en-GB" sz="2400" dirty="0">
-                    <a:latin typeface="Avenir Book"/>
-                  </a:rPr>
-                  <a:t>4 Compute </a:t>
-                </a:r>
-                <a14:m>
-                  <m:oMath xmlns:m="http://schemas.openxmlformats.org/officeDocument/2006/math">
-                    <m:sSup>
-                      <m:sSupPr>
-                        <m:ctrlPr>
-                          <a:rPr lang="fr-FR" sz="2400" b="0" i="1" smtClean="0">
-                            <a:latin typeface="Cambria Math" panose="02040503050406030204" pitchFamily="18" charset="0"/>
-                          </a:rPr>
-                        </m:ctrlPr>
-                      </m:sSupPr>
-                      <m:e>
-                        <m:r>
-                          <a:rPr lang="fr-FR" sz="2400" b="0" i="1" smtClean="0">
-                            <a:latin typeface="Cambria Math" panose="02040503050406030204" pitchFamily="18" charset="0"/>
-                          </a:rPr>
-                          <m:t>𝑟</m:t>
-                        </m:r>
-                      </m:e>
-                      <m:sup>
-                        <m:r>
-                          <a:rPr lang="fr-FR" sz="2400" b="0" i="1" smtClean="0">
-                            <a:latin typeface="Cambria Math" panose="02040503050406030204" pitchFamily="18" charset="0"/>
-                          </a:rPr>
-                          <m:t>∗</m:t>
-                        </m:r>
-                      </m:sup>
-                    </m:sSup>
-                    <m:r>
-                      <a:rPr lang="fr-FR" sz="2400" b="0" i="1" smtClean="0">
-                        <a:latin typeface="Cambria Math" panose="02040503050406030204" pitchFamily="18" charset="0"/>
-                      </a:rPr>
-                      <m:t>=</m:t>
-                    </m:r>
-                    <m:func>
-                      <m:funcPr>
-                        <m:ctrlPr>
-                          <a:rPr lang="fr-FR" sz="2400" b="0" i="1" smtClean="0">
-                            <a:latin typeface="Cambria Math" panose="02040503050406030204" pitchFamily="18" charset="0"/>
-                          </a:rPr>
-                        </m:ctrlPr>
-                      </m:funcPr>
-                      <m:fName>
-                        <m:r>
-                          <m:rPr>
-                            <m:sty m:val="p"/>
-                          </m:rPr>
-                          <a:rPr lang="fr-FR" sz="2400" b="0" i="0" smtClean="0">
-                            <a:latin typeface="Cambria Math" panose="02040503050406030204" pitchFamily="18" charset="0"/>
-                          </a:rPr>
-                          <m:t>max</m:t>
-                        </m:r>
-                      </m:fName>
-                      <m:e>
-                        <m:d>
-                          <m:dPr>
-                            <m:begChr m:val="{"/>
-                            <m:endChr m:val="}"/>
-                            <m:ctrlPr>
-                              <a:rPr lang="fr-FR" sz="2400" b="0" i="1" smtClean="0">
-                                <a:latin typeface="Cambria Math" panose="02040503050406030204" pitchFamily="18" charset="0"/>
-                              </a:rPr>
-                            </m:ctrlPr>
-                          </m:dPr>
-                          <m:e>
-                            <m:r>
-                              <a:rPr lang="fr-FR" sz="2400" b="0" i="1" smtClean="0">
-                                <a:latin typeface="Cambria Math" panose="02040503050406030204" pitchFamily="18" charset="0"/>
-                              </a:rPr>
-                              <m:t>𝑟</m:t>
-                            </m:r>
-                            <m:r>
-                              <a:rPr lang="fr-FR" sz="2400" b="0" i="1" smtClean="0">
-                                <a:latin typeface="Cambria Math" panose="02040503050406030204" pitchFamily="18" charset="0"/>
-                              </a:rPr>
-                              <m:t>∈</m:t>
-                            </m:r>
-                            <m:d>
-                              <m:dPr>
-                                <m:begChr m:val="{"/>
-                                <m:endChr m:val="}"/>
-                                <m:ctrlPr>
-                                  <a:rPr lang="fr-FR" sz="2400" b="0" i="1" smtClean="0">
-                                    <a:latin typeface="Cambria Math" panose="02040503050406030204" pitchFamily="18" charset="0"/>
-                                  </a:rPr>
-                                </m:ctrlPr>
-                              </m:dPr>
-                              <m:e>
-                                <m:r>
-                                  <a:rPr lang="fr-FR" sz="2400" i="1">
-                                    <a:latin typeface="Cambria Math" panose="02040503050406030204" pitchFamily="18" charset="0"/>
-                                    <a:ea typeface="Cambria Math" panose="02040503050406030204" pitchFamily="18" charset="0"/>
-                                  </a:rPr>
-                                  <m:t>0,</m:t>
-                                </m:r>
-                                <m:sSub>
-                                  <m:sSubPr>
-                                    <m:ctrlPr>
-                                      <a:rPr lang="fr-FR" sz="2400" i="1">
-                                        <a:latin typeface="Cambria Math" panose="02040503050406030204" pitchFamily="18" charset="0"/>
-                                      </a:rPr>
-                                    </m:ctrlPr>
-                                  </m:sSubPr>
-                                  <m:e>
-                                    <m:r>
-                                      <a:rPr lang="fr-FR" sz="2400" i="1">
-                                        <a:latin typeface="Cambria Math" panose="02040503050406030204" pitchFamily="18" charset="0"/>
-                                      </a:rPr>
-                                      <m:t>𝑝</m:t>
-                                    </m:r>
-                                  </m:e>
-                                  <m:sub>
-                                    <m:r>
-                                      <a:rPr lang="fr-FR" sz="2400" i="1">
-                                        <a:latin typeface="Cambria Math" panose="02040503050406030204" pitchFamily="18" charset="0"/>
-                                      </a:rPr>
-                                      <m:t>1</m:t>
-                                    </m:r>
-                                  </m:sub>
-                                </m:sSub>
-                                <m:r>
-                                  <a:rPr lang="fr-FR" sz="2400" i="1">
-                                    <a:latin typeface="Cambria Math" panose="02040503050406030204" pitchFamily="18" charset="0"/>
-                                  </a:rPr>
-                                  <m:t>,…, </m:t>
-                                </m:r>
-                                <m:sSub>
-                                  <m:sSubPr>
-                                    <m:ctrlPr>
-                                      <a:rPr lang="fr-FR" sz="2400" i="1">
-                                        <a:latin typeface="Cambria Math" panose="02040503050406030204" pitchFamily="18" charset="0"/>
-                                      </a:rPr>
-                                    </m:ctrlPr>
-                                  </m:sSubPr>
-                                  <m:e>
-                                    <m:r>
-                                      <a:rPr lang="fr-FR" sz="2400" i="1">
-                                        <a:latin typeface="Cambria Math" panose="02040503050406030204" pitchFamily="18" charset="0"/>
-                                      </a:rPr>
-                                      <m:t>𝑝</m:t>
-                                    </m:r>
-                                  </m:e>
-                                  <m:sub>
-                                    <m:r>
-                                      <a:rPr lang="fr-FR" sz="2400" i="1">
-                                        <a:latin typeface="Cambria Math" panose="02040503050406030204" pitchFamily="18" charset="0"/>
-                                      </a:rPr>
-                                      <m:t>𝑚</m:t>
-                                    </m:r>
-                                  </m:sub>
-                                </m:sSub>
-                              </m:e>
-                            </m:d>
-                            <m:r>
-                              <a:rPr lang="fr-FR" sz="2400" b="0" i="1" smtClean="0">
-                                <a:latin typeface="Cambria Math" panose="02040503050406030204" pitchFamily="18" charset="0"/>
-                                <a:ea typeface="Cambria Math" panose="02040503050406030204" pitchFamily="18" charset="0"/>
-                              </a:rPr>
-                              <m:t>:</m:t>
-                            </m:r>
-                            <m:acc>
-                              <m:accPr>
-                                <m:chr m:val="̂"/>
-                                <m:ctrlPr>
-                                  <a:rPr lang="fr-FR" sz="2400" b="0" i="1" smtClean="0">
-                                    <a:latin typeface="Cambria Math" panose="02040503050406030204" pitchFamily="18" charset="0"/>
-                                    <a:ea typeface="Cambria Math" panose="02040503050406030204" pitchFamily="18" charset="0"/>
-                                  </a:rPr>
-                                </m:ctrlPr>
-                              </m:accPr>
-                              <m:e>
-                                <m:r>
-                                  <a:rPr lang="fr-FR" sz="2400" b="0" i="1" smtClean="0">
-                                    <a:latin typeface="Cambria Math" panose="02040503050406030204" pitchFamily="18" charset="0"/>
-                                    <a:ea typeface="Cambria Math" panose="02040503050406030204" pitchFamily="18" charset="0"/>
-                                  </a:rPr>
-                                  <m:t>𝐹𝐷𝑃</m:t>
-                                </m:r>
-                              </m:e>
-                            </m:acc>
-                            <m:d>
-                              <m:dPr>
-                                <m:ctrlPr>
-                                  <a:rPr lang="fr-FR" sz="2400" b="0" i="1" smtClean="0">
-                                    <a:latin typeface="Cambria Math" panose="02040503050406030204" pitchFamily="18" charset="0"/>
-                                    <a:ea typeface="Cambria Math" panose="02040503050406030204" pitchFamily="18" charset="0"/>
-                                  </a:rPr>
-                                </m:ctrlPr>
-                              </m:dPr>
-                              <m:e>
-                                <m:r>
-                                  <a:rPr lang="fr-FR" sz="2400" b="0" i="1" smtClean="0">
-                                    <a:latin typeface="Cambria Math" panose="02040503050406030204" pitchFamily="18" charset="0"/>
-                                    <a:ea typeface="Cambria Math" panose="02040503050406030204" pitchFamily="18" charset="0"/>
-                                  </a:rPr>
-                                  <m:t>𝑟</m:t>
-                                </m:r>
-                              </m:e>
-                            </m:d>
-                            <m:r>
-                              <a:rPr lang="fr-FR" sz="2400" b="0" i="1" smtClean="0">
-                                <a:latin typeface="Cambria Math" panose="02040503050406030204" pitchFamily="18" charset="0"/>
-                                <a:ea typeface="Cambria Math" panose="02040503050406030204" pitchFamily="18" charset="0"/>
-                              </a:rPr>
-                              <m:t>≤</m:t>
-                            </m:r>
-                            <m:r>
-                              <a:rPr lang="fr-FR" sz="2400" b="0" i="1" smtClean="0">
-                                <a:latin typeface="Cambria Math" panose="02040503050406030204" pitchFamily="18" charset="0"/>
-                                <a:ea typeface="Cambria Math" panose="02040503050406030204" pitchFamily="18" charset="0"/>
-                              </a:rPr>
-                              <m:t>𝛼</m:t>
-                            </m:r>
-                          </m:e>
-                        </m:d>
-                      </m:e>
-                    </m:func>
-                    <m:r>
-                      <a:rPr lang="fr-FR" sz="2400" b="0" i="1" smtClean="0">
-                        <a:latin typeface="Cambria Math" panose="02040503050406030204" pitchFamily="18" charset="0"/>
-                        <a:ea typeface="Cambria Math" panose="02040503050406030204" pitchFamily="18" charset="0"/>
-                      </a:rPr>
-                      <m:t>;</m:t>
-                    </m:r>
-                  </m:oMath>
-                </a14:m>
-                <a:endParaRPr lang="fr-FR" sz="2400" b="0" dirty="0">
-                  <a:latin typeface="Avenir Book"/>
-                </a:endParaRPr>
-              </a:p>
-              <a:p>
-                <a:r>
-                  <a:rPr lang="en-GB" sz="2400" dirty="0">
-                    <a:latin typeface="Avenir Book"/>
-                  </a:rPr>
-                  <a:t>5 Compute the classical BH rejection set </a:t>
-                </a:r>
-                <a14:m>
-                  <m:oMath xmlns:m="http://schemas.openxmlformats.org/officeDocument/2006/math">
-                    <m:r>
-                      <m:rPr>
-                        <m:nor/>
-                      </m:rPr>
-                      <a:rPr lang="en-GB" sz="2400" dirty="0">
-                        <a:latin typeface="Cambria Math" panose="02040503050406030204" pitchFamily="18" charset="0"/>
-                        <a:ea typeface="Cambria Math" panose="02040503050406030204" pitchFamily="18" charset="0"/>
-                      </a:rPr>
-                      <m:t>ℛ</m:t>
-                    </m:r>
-                    <m:r>
-                      <m:rPr>
-                        <m:nor/>
-                      </m:rPr>
-                      <a:rPr lang="fr-FR" sz="2400" b="0" i="0" dirty="0" smtClean="0">
-                        <a:latin typeface="Cambria Math" panose="02040503050406030204" pitchFamily="18" charset="0"/>
-                        <a:ea typeface="Cambria Math" panose="02040503050406030204" pitchFamily="18" charset="0"/>
-                      </a:rPr>
-                      <m:t>∗ </m:t>
-                    </m:r>
-                    <m:r>
-                      <a:rPr lang="fr-FR" sz="2400" b="0" i="1" dirty="0" smtClean="0">
-                        <a:latin typeface="Cambria Math" panose="02040503050406030204" pitchFamily="18" charset="0"/>
-                        <a:ea typeface="Cambria Math" panose="02040503050406030204" pitchFamily="18" charset="0"/>
-                      </a:rPr>
-                      <m:t>  </m:t>
-                    </m:r>
-                    <m:r>
-                      <a:rPr lang="fr-FR" sz="2400" b="0" i="1" smtClean="0">
-                        <a:latin typeface="Cambria Math" panose="02040503050406030204" pitchFamily="18" charset="0"/>
-                      </a:rPr>
-                      <m:t>=</m:t>
-                    </m:r>
-                    <m:d>
-                      <m:dPr>
-                        <m:begChr m:val="{"/>
-                        <m:endChr m:val="}"/>
-                        <m:ctrlPr>
-                          <a:rPr lang="fr-FR" sz="2400" b="0" i="1" smtClean="0">
-                            <a:latin typeface="Cambria Math" panose="02040503050406030204" pitchFamily="18" charset="0"/>
-                          </a:rPr>
-                        </m:ctrlPr>
-                      </m:dPr>
-                      <m:e>
-                        <m:r>
-                          <a:rPr lang="fr-FR" sz="2400" b="0" i="1" smtClean="0">
-                            <a:latin typeface="Cambria Math" panose="02040503050406030204" pitchFamily="18" charset="0"/>
-                          </a:rPr>
-                          <m:t>𝑗</m:t>
-                        </m:r>
-                        <m:r>
-                          <a:rPr lang="fr-FR" sz="2400" b="0" i="1" smtClean="0">
-                            <a:latin typeface="Cambria Math" panose="02040503050406030204" pitchFamily="18" charset="0"/>
-                          </a:rPr>
-                          <m:t>:</m:t>
-                        </m:r>
-                        <m:sSub>
-                          <m:sSubPr>
-                            <m:ctrlPr>
-                              <a:rPr lang="fr-FR" sz="2400" b="0" i="1" smtClean="0">
-                                <a:latin typeface="Cambria Math" panose="02040503050406030204" pitchFamily="18" charset="0"/>
-                              </a:rPr>
-                            </m:ctrlPr>
-                          </m:sSubPr>
-                          <m:e>
-                            <m:r>
-                              <a:rPr lang="fr-FR" sz="2400" b="0" i="1" smtClean="0">
-                                <a:latin typeface="Cambria Math" panose="02040503050406030204" pitchFamily="18" charset="0"/>
-                              </a:rPr>
-                              <m:t>𝑝</m:t>
-                            </m:r>
-                          </m:e>
-                          <m:sub>
-                            <m:r>
-                              <a:rPr lang="fr-FR" sz="2400" b="0" i="1" smtClean="0">
-                                <a:latin typeface="Cambria Math" panose="02040503050406030204" pitchFamily="18" charset="0"/>
-                              </a:rPr>
-                              <m:t>𝑗</m:t>
-                            </m:r>
-                          </m:sub>
-                        </m:sSub>
-                        <m:r>
-                          <a:rPr lang="fr-FR" sz="2400" b="0" i="1" smtClean="0">
-                            <a:latin typeface="Cambria Math" panose="02040503050406030204" pitchFamily="18" charset="0"/>
-                          </a:rPr>
-                          <m:t>≤</m:t>
-                        </m:r>
-                        <m:sSup>
-                          <m:sSupPr>
-                            <m:ctrlPr>
-                              <a:rPr lang="fr-FR" sz="2400" b="0" i="1" smtClean="0">
-                                <a:latin typeface="Cambria Math" panose="02040503050406030204" pitchFamily="18" charset="0"/>
-                              </a:rPr>
-                            </m:ctrlPr>
-                          </m:sSupPr>
-                          <m:e>
-                            <m:r>
-                              <a:rPr lang="fr-FR" sz="2400" b="0" i="1" smtClean="0">
-                                <a:latin typeface="Cambria Math" panose="02040503050406030204" pitchFamily="18" charset="0"/>
-                              </a:rPr>
-                              <m:t>𝑟</m:t>
-                            </m:r>
-                          </m:e>
-                          <m:sup>
-                            <m:r>
-                              <a:rPr lang="fr-FR" sz="2400" b="0" i="1" smtClean="0">
-                                <a:latin typeface="Cambria Math" panose="02040503050406030204" pitchFamily="18" charset="0"/>
-                              </a:rPr>
-                              <m:t>∗</m:t>
-                            </m:r>
-                          </m:sup>
-                        </m:sSup>
-                      </m:e>
-                    </m:d>
-                    <m:r>
-                      <a:rPr lang="fr-FR" sz="2400" b="0" i="1" smtClean="0">
-                        <a:latin typeface="Cambria Math" panose="02040503050406030204" pitchFamily="18" charset="0"/>
-                      </a:rPr>
-                      <m:t>;</m:t>
-                    </m:r>
-                  </m:oMath>
-                </a14:m>
-                <a:endParaRPr lang="en-GB" sz="2400" dirty="0">
-                  <a:latin typeface="Avenir Book"/>
-                </a:endParaRPr>
-              </a:p>
-              <a:p>
-                <a:r>
-                  <a:rPr lang="en-GB" sz="2400" dirty="0">
-                    <a:latin typeface="Avenir Book"/>
-                  </a:rPr>
-                  <a:t>6 Compute </a:t>
-                </a:r>
-                <a14:m>
-                  <m:oMath xmlns:m="http://schemas.openxmlformats.org/officeDocument/2006/math">
-                    <m:sSup>
-                      <m:sSupPr>
-                        <m:ctrlPr>
-                          <a:rPr lang="fr-FR" sz="2400" b="0" i="1" dirty="0" smtClean="0">
-                            <a:latin typeface="Cambria Math" panose="02040503050406030204" pitchFamily="18" charset="0"/>
-                            <a:ea typeface="Cambria Math" panose="02040503050406030204" pitchFamily="18" charset="0"/>
-                          </a:rPr>
-                        </m:ctrlPr>
-                      </m:sSupPr>
-                      <m:e>
-                        <m:r>
-                          <a:rPr lang="en-GB" sz="2400" i="1" dirty="0" smtClean="0">
-                            <a:latin typeface="Cambria Math" panose="02040503050406030204" pitchFamily="18" charset="0"/>
-                            <a:ea typeface="Cambria Math" panose="02040503050406030204" pitchFamily="18" charset="0"/>
-                          </a:rPr>
-                          <m:t>𝔘</m:t>
-                        </m:r>
-                      </m:e>
-                      <m:sup>
-                        <m:r>
-                          <a:rPr lang="fr-FR" sz="2400" b="0" i="1" dirty="0" smtClean="0">
-                            <a:latin typeface="Cambria Math" panose="02040503050406030204" pitchFamily="18" charset="0"/>
-                            <a:ea typeface="Cambria Math" panose="02040503050406030204" pitchFamily="18" charset="0"/>
-                          </a:rPr>
-                          <m:t>∗</m:t>
-                        </m:r>
-                      </m:sup>
-                    </m:sSup>
-                    <m:r>
-                      <a:rPr lang="fr-FR" sz="2400" b="0" i="1" dirty="0" smtClean="0">
-                        <a:latin typeface="Cambria Math" panose="02040503050406030204" pitchFamily="18" charset="0"/>
-                        <a:ea typeface="Cambria Math" panose="02040503050406030204" pitchFamily="18" charset="0"/>
-                      </a:rPr>
-                      <m:t>=</m:t>
-                    </m:r>
-                    <m:r>
-                      <m:rPr>
-                        <m:nor/>
-                      </m:rPr>
-                      <a:rPr lang="en-GB" sz="2400" dirty="0">
-                        <a:latin typeface="Cambria Math" panose="02040503050406030204" pitchFamily="18" charset="0"/>
-                        <a:ea typeface="Cambria Math" panose="02040503050406030204" pitchFamily="18" charset="0"/>
-                      </a:rPr>
-                      <m:t>𝔉</m:t>
-                    </m:r>
-                    <m:r>
-                      <m:rPr>
-                        <m:nor/>
-                      </m:rPr>
-                      <a:rPr lang="fr-FR" sz="2400" b="0" i="0" dirty="0" smtClean="0">
-                        <a:latin typeface="Cambria Math" panose="02040503050406030204" pitchFamily="18" charset="0"/>
-                        <a:ea typeface="Cambria Math" panose="02040503050406030204" pitchFamily="18" charset="0"/>
-                      </a:rPr>
-                      <m:t>(</m:t>
-                    </m:r>
-                    <m:r>
-                      <m:rPr>
-                        <m:nor/>
-                      </m:rPr>
-                      <a:rPr lang="en-GB" sz="2400" dirty="0">
-                        <a:latin typeface="Cambria Math" panose="02040503050406030204" pitchFamily="18" charset="0"/>
-                        <a:ea typeface="Cambria Math" panose="02040503050406030204" pitchFamily="18" charset="0"/>
-                      </a:rPr>
-                      <m:t>ℛ</m:t>
-                    </m:r>
-                    <m:r>
-                      <m:rPr>
-                        <m:nor/>
-                      </m:rPr>
-                      <a:rPr lang="fr-FR" sz="2400" dirty="0">
-                        <a:latin typeface="Cambria Math" panose="02040503050406030204" pitchFamily="18" charset="0"/>
-                        <a:ea typeface="Cambria Math" panose="02040503050406030204" pitchFamily="18" charset="0"/>
-                      </a:rPr>
-                      <m:t>∗</m:t>
-                    </m:r>
-                    <m:r>
-                      <m:rPr>
-                        <m:nor/>
-                      </m:rPr>
-                      <a:rPr lang="fr-FR" sz="2400" b="0" i="0" dirty="0" smtClean="0">
-                        <a:latin typeface="Cambria Math" panose="02040503050406030204" pitchFamily="18" charset="0"/>
-                        <a:ea typeface="Cambria Math" panose="02040503050406030204" pitchFamily="18" charset="0"/>
-                      </a:rPr>
-                      <m:t>, </m:t>
-                    </m:r>
-                    <m:r>
-                      <m:rPr>
-                        <m:nor/>
-                      </m:rPr>
-                      <a:rPr lang="fr-FR" sz="2400" b="1" i="1" dirty="0" smtClean="0">
-                        <a:latin typeface="Cambria Math" panose="02040503050406030204" pitchFamily="18" charset="0"/>
-                        <a:ea typeface="Cambria Math" panose="02040503050406030204" pitchFamily="18" charset="0"/>
-                      </a:rPr>
-                      <m:t>p</m:t>
-                    </m:r>
-                    <m:r>
-                      <m:rPr>
-                        <m:nor/>
-                      </m:rPr>
-                      <a:rPr lang="fr-FR" sz="2400" b="0" i="0" dirty="0" smtClean="0">
-                        <a:latin typeface="Cambria Math" panose="02040503050406030204" pitchFamily="18" charset="0"/>
-                        <a:ea typeface="Cambria Math" panose="02040503050406030204" pitchFamily="18" charset="0"/>
-                      </a:rPr>
-                      <m:t>);</m:t>
-                    </m:r>
-                  </m:oMath>
-                </a14:m>
-                <a:endParaRPr lang="en-GB" sz="2400" dirty="0">
-                  <a:latin typeface="Avenir Book"/>
-                </a:endParaRPr>
-              </a:p>
-              <a:p>
-                <a:r>
-                  <a:rPr lang="en-GB" sz="2400" b="1" dirty="0">
-                    <a:latin typeface="Avenir Book"/>
-                  </a:rPr>
-                  <a:t>	Result</a:t>
-                </a:r>
-                <a:r>
-                  <a:rPr lang="en-GB" sz="2400" dirty="0">
-                    <a:latin typeface="Avenir Book"/>
-                  </a:rPr>
-                  <a:t> : Filtered rejection set </a:t>
-                </a:r>
-                <a14:m>
-                  <m:oMath xmlns:m="http://schemas.openxmlformats.org/officeDocument/2006/math">
-                    <m:sSup>
-                      <m:sSupPr>
-                        <m:ctrlPr>
-                          <a:rPr lang="fr-FR" sz="2400" b="0" i="1" dirty="0" smtClean="0">
-                            <a:latin typeface="Cambria Math" panose="02040503050406030204" pitchFamily="18" charset="0"/>
-                            <a:ea typeface="Cambria Math" panose="02040503050406030204" pitchFamily="18" charset="0"/>
-                          </a:rPr>
-                        </m:ctrlPr>
-                      </m:sSupPr>
-                      <m:e>
-                        <m:r>
-                          <a:rPr lang="en-GB" sz="2400" i="1" dirty="0" smtClean="0">
-                            <a:latin typeface="Cambria Math" panose="02040503050406030204" pitchFamily="18" charset="0"/>
-                            <a:ea typeface="Cambria Math" panose="02040503050406030204" pitchFamily="18" charset="0"/>
-                          </a:rPr>
-                          <m:t>𝔘</m:t>
-                        </m:r>
-                      </m:e>
-                      <m:sup>
-                        <m:r>
-                          <a:rPr lang="fr-FR" sz="2400" b="0" i="1" dirty="0" smtClean="0">
-                            <a:latin typeface="Cambria Math" panose="02040503050406030204" pitchFamily="18" charset="0"/>
-                            <a:ea typeface="Cambria Math" panose="02040503050406030204" pitchFamily="18" charset="0"/>
-                          </a:rPr>
-                          <m:t>∗</m:t>
-                        </m:r>
-                      </m:sup>
-                    </m:sSup>
-                  </m:oMath>
-                </a14:m>
-                <a:endParaRPr lang="en-GB" sz="2400" dirty="0">
-                  <a:latin typeface="Avenir Book"/>
-                </a:endParaRPr>
-              </a:p>
-              <a:p>
-                <a:pPr algn="just"/>
-                <a:r>
-                  <a:rPr lang="en-GB" sz="2400" dirty="0">
-                    <a:latin typeface="Avenir Book"/>
-                  </a:rPr>
-                  <a:t>In the case of Volcano plots, we shall select </a:t>
-                </a:r>
-                <a:r>
-                  <a:rPr lang="en-GB" sz="2400" dirty="0">
-                    <a:latin typeface="Cambria Math" panose="02040503050406030204" pitchFamily="18" charset="0"/>
-                    <a:ea typeface="Cambria Math" panose="02040503050406030204" pitchFamily="18" charset="0"/>
-                  </a:rPr>
-                  <a:t>𝔉 such that it selects the </a:t>
-                </a:r>
-                <a14:m>
-                  <m:oMath xmlns:m="http://schemas.openxmlformats.org/officeDocument/2006/math">
-                    <m:r>
-                      <a:rPr lang="fr-FR" sz="2400" b="0" i="1" smtClean="0">
-                        <a:latin typeface="Cambria Math" panose="02040503050406030204" pitchFamily="18" charset="0"/>
-                        <a:ea typeface="Cambria Math" panose="02040503050406030204" pitchFamily="18" charset="0"/>
-                      </a:rPr>
-                      <m:t>𝑘</m:t>
-                    </m:r>
-                  </m:oMath>
-                </a14:m>
-                <a:r>
-                  <a:rPr lang="en-GB" sz="2400" dirty="0">
-                    <a:latin typeface="Cambria Math" panose="02040503050406030204" pitchFamily="18" charset="0"/>
-                    <a:ea typeface="Cambria Math" panose="02040503050406030204" pitchFamily="18" charset="0"/>
-                  </a:rPr>
-                  <a:t> largest </a:t>
-                </a:r>
-                <a14:m>
-                  <m:oMath xmlns:m="http://schemas.openxmlformats.org/officeDocument/2006/math">
-                    <m:r>
-                      <a:rPr lang="fr-FR" sz="2400" b="0" i="0" smtClean="0">
-                        <a:latin typeface="Cambria Math" panose="02040503050406030204" pitchFamily="18" charset="0"/>
-                      </a:rPr>
-                      <m:t>|</m:t>
-                    </m:r>
-                    <m:sSub>
-                      <m:sSubPr>
-                        <m:ctrlPr>
-                          <a:rPr lang="fr-FR" sz="2400" b="0" i="1" smtClean="0">
-                            <a:latin typeface="Cambria Math" panose="02040503050406030204" pitchFamily="18" charset="0"/>
-                          </a:rPr>
-                        </m:ctrlPr>
-                      </m:sSubPr>
-                      <m:e>
-                        <m:acc>
-                          <m:accPr>
-                            <m:chr m:val="̂"/>
-                            <m:ctrlPr>
-                              <a:rPr lang="fr-FR" sz="2400" i="1">
-                                <a:latin typeface="Cambria Math" panose="02040503050406030204" pitchFamily="18" charset="0"/>
-                              </a:rPr>
-                            </m:ctrlPr>
-                          </m:accPr>
-                          <m:e>
-                            <m:r>
-                              <a:rPr lang="fr-FR" sz="2400" i="1">
-                                <a:latin typeface="Cambria Math" panose="02040503050406030204" pitchFamily="18" charset="0"/>
-                              </a:rPr>
-                              <m:t>𝛽</m:t>
-                            </m:r>
-                          </m:e>
-                        </m:acc>
-                      </m:e>
-                      <m:sub>
-                        <m:r>
-                          <a:rPr lang="fr-FR" sz="2400" b="0" i="1" smtClean="0">
-                            <a:latin typeface="Cambria Math" panose="02040503050406030204" pitchFamily="18" charset="0"/>
-                          </a:rPr>
-                          <m:t>𝑖</m:t>
-                        </m:r>
-                      </m:sub>
-                    </m:sSub>
-                    <m:r>
-                      <a:rPr lang="fr-FR" sz="2400" b="0" i="1" smtClean="0">
-                        <a:latin typeface="Cambria Math" panose="02040503050406030204" pitchFamily="18" charset="0"/>
-                      </a:rPr>
-                      <m:t>|</m:t>
-                    </m:r>
-                  </m:oMath>
-                </a14:m>
-                <a:r>
-                  <a:rPr lang="en-GB" sz="2400" dirty="0">
-                    <a:latin typeface="Cambria Math" panose="02040503050406030204" pitchFamily="18" charset="0"/>
-                    <a:ea typeface="Cambria Math" panose="02040503050406030204" pitchFamily="18" charset="0"/>
-                  </a:rPr>
-                  <a:t> or all the </a:t>
-                </a:r>
-                <a14:m>
-                  <m:oMath xmlns:m="http://schemas.openxmlformats.org/officeDocument/2006/math">
-                    <m:r>
-                      <a:rPr lang="fr-FR" sz="2400">
-                        <a:latin typeface="Cambria Math" panose="02040503050406030204" pitchFamily="18" charset="0"/>
-                      </a:rPr>
-                      <m:t>|</m:t>
-                    </m:r>
-                    <m:sSub>
-                      <m:sSubPr>
-                        <m:ctrlPr>
-                          <a:rPr lang="fr-FR" sz="2400" i="1">
-                            <a:latin typeface="Cambria Math" panose="02040503050406030204" pitchFamily="18" charset="0"/>
-                          </a:rPr>
-                        </m:ctrlPr>
-                      </m:sSubPr>
-                      <m:e>
-                        <m:acc>
-                          <m:accPr>
-                            <m:chr m:val="̂"/>
-                            <m:ctrlPr>
-                              <a:rPr lang="fr-FR" sz="2400" i="1">
-                                <a:latin typeface="Cambria Math" panose="02040503050406030204" pitchFamily="18" charset="0"/>
-                              </a:rPr>
-                            </m:ctrlPr>
-                          </m:accPr>
-                          <m:e>
-                            <m:r>
-                              <a:rPr lang="fr-FR" sz="2400" i="1">
-                                <a:latin typeface="Cambria Math" panose="02040503050406030204" pitchFamily="18" charset="0"/>
-                              </a:rPr>
-                              <m:t>𝛽</m:t>
-                            </m:r>
-                          </m:e>
-                        </m:acc>
-                      </m:e>
-                      <m:sub>
-                        <m:r>
-                          <a:rPr lang="fr-FR" sz="2400" i="1">
-                            <a:latin typeface="Cambria Math" panose="02040503050406030204" pitchFamily="18" charset="0"/>
-                          </a:rPr>
-                          <m:t>𝑖</m:t>
-                        </m:r>
-                      </m:sub>
-                    </m:sSub>
-                    <m:r>
-                      <a:rPr lang="fr-FR" sz="2400" i="1">
-                        <a:latin typeface="Cambria Math" panose="02040503050406030204" pitchFamily="18" charset="0"/>
-                      </a:rPr>
-                      <m:t>|</m:t>
-                    </m:r>
-                  </m:oMath>
-                </a14:m>
-                <a:r>
-                  <a:rPr lang="en-GB" sz="2400" dirty="0">
-                    <a:latin typeface="Cambria Math" panose="02040503050406030204" pitchFamily="18" charset="0"/>
-                    <a:ea typeface="Cambria Math" panose="02040503050406030204" pitchFamily="18" charset="0"/>
-                  </a:rPr>
-                  <a:t> above a certain threshold </a:t>
-                </a:r>
-                <a14:m>
-                  <m:oMath xmlns:m="http://schemas.openxmlformats.org/officeDocument/2006/math">
-                    <m:r>
-                      <a:rPr lang="fr-FR" sz="2400" b="0" i="1" smtClean="0">
-                        <a:latin typeface="Cambria Math" panose="02040503050406030204" pitchFamily="18" charset="0"/>
-                        <a:ea typeface="Cambria Math" panose="02040503050406030204" pitchFamily="18" charset="0"/>
-                      </a:rPr>
-                      <m:t>𝜏</m:t>
-                    </m:r>
-                  </m:oMath>
-                </a14:m>
-                <a:r>
-                  <a:rPr lang="en-GB" sz="2400" dirty="0">
-                    <a:latin typeface="Avenir Book"/>
-                  </a:rPr>
-                  <a:t>.</a:t>
-                </a:r>
-              </a:p>
-            </p:txBody>
-          </p:sp>
-        </mc:Choice>
-        <mc:Fallback xmlns="">
-          <p:sp>
-            <p:nvSpPr>
-              <p:cNvPr id="19" name="ZoneTexte 18">
-                <a:extLst>
-                  <a:ext uri="{FF2B5EF4-FFF2-40B4-BE49-F238E27FC236}">
-                    <a16:creationId xmlns:a16="http://schemas.microsoft.com/office/drawing/2014/main" id="{5A519638-5B50-4903-831F-3DEA7A4F545F}"/>
-                  </a:ext>
-                </a:extLst>
-              </p:cNvPr>
-              <p:cNvSpPr txBox="1">
-                <a:spLocks noRot="1" noChangeAspect="1" noMove="1" noResize="1" noEditPoints="1" noAdjustHandles="1" noChangeArrowheads="1" noChangeShapeType="1" noTextEdit="1"/>
-              </p:cNvSpPr>
-              <p:nvPr/>
-            </p:nvSpPr>
-            <p:spPr>
-              <a:xfrm>
-                <a:off x="8532916" y="8959984"/>
-                <a:ext cx="9195839" cy="5237011"/>
-              </a:xfrm>
-              <a:prstGeom prst="rect">
-                <a:avLst/>
-              </a:prstGeom>
-              <a:blipFill>
-                <a:blip r:embed="rId5"/>
-                <a:stretch>
-                  <a:fillRect l="-1061" t="-931" r="-995" b="-1746"/>
-                </a:stretch>
-              </a:blipFill>
-            </p:spPr>
-            <p:txBody>
-              <a:bodyPr/>
-              <a:lstStyle/>
-              <a:p>
-                <a:r>
-                  <a:rPr lang="fr-FR">
-                    <a:noFill/>
-                  </a:rPr>
-                  <a:t> </a:t>
-                </a:r>
-              </a:p>
-            </p:txBody>
-          </p:sp>
-        </mc:Fallback>
-      </mc:AlternateContent>
-      <p:pic>
-        <p:nvPicPr>
-          <p:cNvPr id="3" name="Image 2">
-            <a:extLst>
-              <a:ext uri="{FF2B5EF4-FFF2-40B4-BE49-F238E27FC236}">
-                <a16:creationId xmlns:a16="http://schemas.microsoft.com/office/drawing/2014/main" id="{763EFD43-5B1A-46E2-ACD4-EA71DFE492D4}"/>
-              </a:ext>
-            </a:extLst>
-          </p:cNvPr>
-          <p:cNvPicPr>
-            <a:picLocks noChangeAspect="1"/>
-          </p:cNvPicPr>
-          <p:nvPr/>
-        </p:nvPicPr>
-        <p:blipFill>
-          <a:blip r:embed="rId6"/>
-          <a:stretch>
-            <a:fillRect/>
-          </a:stretch>
-        </p:blipFill>
-        <p:spPr>
-          <a:xfrm>
-            <a:off x="5072779" y="9932785"/>
-            <a:ext cx="2760923" cy="647473"/>
-          </a:xfrm>
-          <a:prstGeom prst="rect">
-            <a:avLst/>
-          </a:prstGeom>
-        </p:spPr>
-      </p:pic>
-      <p:grpSp>
-        <p:nvGrpSpPr>
-          <p:cNvPr id="7" name="Groupe 6">
-            <a:extLst>
-              <a:ext uri="{FF2B5EF4-FFF2-40B4-BE49-F238E27FC236}">
-                <a16:creationId xmlns:a16="http://schemas.microsoft.com/office/drawing/2014/main" id="{2C77C3F0-6856-40B5-BDE4-9957905D09D7}"/>
-              </a:ext>
-            </a:extLst>
-          </p:cNvPr>
-          <p:cNvGrpSpPr/>
-          <p:nvPr/>
-        </p:nvGrpSpPr>
-        <p:grpSpPr>
-          <a:xfrm>
-            <a:off x="18020101" y="2720337"/>
-            <a:ext cx="11916465" cy="8239926"/>
-            <a:chOff x="18547466" y="6680423"/>
-            <a:chExt cx="11577427" cy="8239926"/>
-          </a:xfrm>
-        </p:grpSpPr>
-        <p:sp>
-          <p:nvSpPr>
-            <p:cNvPr id="33" name="ZoneTexte 32">
-              <a:extLst>
-                <a:ext uri="{FF2B5EF4-FFF2-40B4-BE49-F238E27FC236}">
-                  <a16:creationId xmlns:a16="http://schemas.microsoft.com/office/drawing/2014/main" id="{F7C61CB4-222E-4FC9-B885-986B784DB679}"/>
-                </a:ext>
-              </a:extLst>
-            </p:cNvPr>
-            <p:cNvSpPr txBox="1"/>
-            <p:nvPr/>
-          </p:nvSpPr>
-          <p:spPr>
-            <a:xfrm>
-              <a:off x="18547466" y="6680423"/>
-              <a:ext cx="11577427" cy="4154984"/>
-            </a:xfrm>
-            <a:prstGeom prst="rect">
-              <a:avLst/>
-            </a:prstGeom>
-            <a:noFill/>
-          </p:spPr>
-          <p:txBody>
-            <a:bodyPr wrap="square">
-              <a:spAutoFit/>
-            </a:bodyPr>
-            <a:lstStyle/>
-            <a:p>
-              <a:pPr algn="just"/>
-              <a:r>
-                <a:rPr lang="en-GB" sz="2400" dirty="0">
-                  <a:latin typeface="Avenir Book"/>
-                </a:rPr>
-                <a:t>In the real case study, the database contains 49 individuals and 58037 genes. Authors use a resampling method with 6 individuals for the test sample and 37 individuals for the validation sample. If among the 37 individuals there are significant genes for BH (adjusted P-value for BH &lt;0.05) then they are considered differentially expressed. </a:t>
-              </a:r>
-            </a:p>
-            <a:p>
-              <a:pPr marL="342900" indent="-342900" algn="just">
-                <a:buClr>
-                  <a:srgbClr val="F5584E"/>
-                </a:buClr>
-                <a:buFont typeface="Wingdings" panose="05000000000000000000" pitchFamily="2" charset="2"/>
-                <a:buChar char="Ø"/>
-              </a:pPr>
-              <a:r>
-                <a:rPr lang="en-GB" sz="2400" dirty="0">
-                  <a:latin typeface="Avenir Book"/>
-                </a:rPr>
-                <a:t>If differentially expressed gene in the validation and test sample → true positive (TP); </a:t>
-              </a:r>
-            </a:p>
-            <a:p>
-              <a:pPr marL="342900" indent="-342900" algn="just">
-                <a:buClr>
-                  <a:srgbClr val="F5584E"/>
-                </a:buClr>
-                <a:buFont typeface="Wingdings" panose="05000000000000000000" pitchFamily="2" charset="2"/>
-                <a:buChar char="Ø"/>
-              </a:pPr>
-              <a:r>
-                <a:rPr lang="en-GB" sz="2400" dirty="0">
-                  <a:latin typeface="Avenir Book"/>
-                </a:rPr>
-                <a:t>If gene differentially expressed in the validation sample and not differentially expressed in the test sample (or vice versa) → false positive (FP); </a:t>
-              </a:r>
-            </a:p>
-            <a:p>
-              <a:pPr marL="342900" indent="-342900" algn="just">
-                <a:buClr>
-                  <a:srgbClr val="F5584E"/>
-                </a:buClr>
-                <a:buFont typeface="Wingdings" panose="05000000000000000000" pitchFamily="2" charset="2"/>
-                <a:buChar char="Ø"/>
-              </a:pPr>
-              <a:r>
-                <a:rPr lang="en-GB" sz="2400" dirty="0">
-                  <a:latin typeface="Avenir Book"/>
-                </a:rPr>
-                <a:t>If gene not differentially expressed in validation and test sample → true negative (TN).</a:t>
-              </a:r>
-            </a:p>
-            <a:p>
-              <a:pPr algn="just"/>
-              <a:r>
-                <a:rPr lang="en-GB" sz="2400" dirty="0">
-                  <a:latin typeface="Avenir Book"/>
-                </a:rPr>
-                <a:t>17% of the genes selected by the Volcano plot in the test sample were not significant in the validation. Filtering the results may lead to FDP inflation and that a large effect size does not necessarily imply that the result is a true positive. </a:t>
-              </a:r>
-            </a:p>
-          </p:txBody>
-        </p:sp>
-        <p:pic>
-          <p:nvPicPr>
-            <p:cNvPr id="18" name="Image 17">
-              <a:extLst>
-                <a:ext uri="{FF2B5EF4-FFF2-40B4-BE49-F238E27FC236}">
-                  <a16:creationId xmlns:a16="http://schemas.microsoft.com/office/drawing/2014/main" id="{83BFB49B-EAEF-457B-AB5F-AC2D15A0EF39}"/>
-                </a:ext>
-              </a:extLst>
-            </p:cNvPr>
-            <p:cNvPicPr>
-              <a:picLocks noChangeAspect="1"/>
-            </p:cNvPicPr>
-            <p:nvPr/>
-          </p:nvPicPr>
-          <p:blipFill>
-            <a:blip r:embed="rId7"/>
-            <a:stretch>
-              <a:fillRect/>
-            </a:stretch>
-          </p:blipFill>
-          <p:spPr>
-            <a:xfrm>
-              <a:off x="18630192" y="10937159"/>
-              <a:ext cx="8079494" cy="3983190"/>
-            </a:xfrm>
-            <a:prstGeom prst="rect">
-              <a:avLst/>
-            </a:prstGeom>
-          </p:spPr>
-        </p:pic>
-      </p:grpSp>
       <p:grpSp>
         <p:nvGrpSpPr>
           <p:cNvPr id="8" name="Groupe 7">
@@ -5521,145 +3445,13 @@
         <p:grpSpPr>
           <a:xfrm>
             <a:off x="338645" y="2116400"/>
-            <a:ext cx="7902928" cy="18267200"/>
+            <a:ext cx="7902928" cy="18093467"/>
             <a:chOff x="784895" y="2116400"/>
-            <a:chExt cx="7451993" cy="18267200"/>
+            <a:chExt cx="7451993" cy="18093467"/>
           </a:xfrm>
         </p:grpSpPr>
-        <p:pic>
-          <p:nvPicPr>
-            <p:cNvPr id="10" name="Image 9">
-              <a:extLst>
-                <a:ext uri="{FF2B5EF4-FFF2-40B4-BE49-F238E27FC236}">
-                  <a16:creationId xmlns:a16="http://schemas.microsoft.com/office/drawing/2014/main" id="{6995786E-6C96-49D3-8B18-67049594128B}"/>
-                </a:ext>
-              </a:extLst>
-            </p:cNvPr>
-            <p:cNvPicPr>
-              <a:picLocks noChangeAspect="1"/>
-            </p:cNvPicPr>
-            <p:nvPr/>
-          </p:nvPicPr>
-          <p:blipFill>
-            <a:blip r:embed="rId8"/>
-            <a:stretch>
-              <a:fillRect/>
-            </a:stretch>
-          </p:blipFill>
-          <p:spPr>
-            <a:xfrm>
-              <a:off x="1582503" y="14085869"/>
-              <a:ext cx="5268014" cy="4460250"/>
-            </a:xfrm>
-            <a:prstGeom prst="rect">
-              <a:avLst/>
-            </a:prstGeom>
-          </p:spPr>
-        </p:pic>
-        <p:sp>
-          <p:nvSpPr>
-            <p:cNvPr id="110" name="TextBox 109"/>
-            <p:cNvSpPr txBox="1"/>
-            <p:nvPr/>
-          </p:nvSpPr>
-          <p:spPr>
-            <a:xfrm>
-              <a:off x="5314420" y="13034927"/>
-              <a:ext cx="1858304" cy="830997"/>
-            </a:xfrm>
-            <a:prstGeom prst="rect">
-              <a:avLst/>
-            </a:prstGeom>
-            <a:noFill/>
-          </p:spPr>
-          <p:txBody>
-            <a:bodyPr wrap="square" rtlCol="0">
-              <a:spAutoFit/>
-            </a:bodyPr>
-            <a:lstStyle/>
-            <a:p>
-              <a:r>
-                <a:rPr lang="en-US" sz="2400" dirty="0">
-                  <a:solidFill>
-                    <a:schemeClr val="tx1">
-                      <a:lumMod val="95000"/>
-                      <a:lumOff val="5000"/>
-                    </a:schemeClr>
-                  </a:solidFill>
-                  <a:latin typeface="Avenir Book" charset="0"/>
-                  <a:ea typeface="Avenir Book" charset="0"/>
-                  <a:cs typeface="Avenir Book" charset="0"/>
-                </a:rPr>
-                <a:t>FIGURE 1:</a:t>
-              </a:r>
-              <a:br>
-                <a:rPr lang="en-US" sz="2400" dirty="0">
-                  <a:solidFill>
-                    <a:schemeClr val="tx1">
-                      <a:lumMod val="95000"/>
-                      <a:lumOff val="5000"/>
-                    </a:schemeClr>
-                  </a:solidFill>
-                  <a:latin typeface="Avenir Book" charset="0"/>
-                  <a:ea typeface="Avenir Book" charset="0"/>
-                  <a:cs typeface="Avenir Book" charset="0"/>
-                </a:rPr>
-              </a:br>
-              <a:r>
-                <a:rPr lang="en-US" sz="2400" dirty="0">
-                  <a:solidFill>
-                    <a:schemeClr val="tx1">
-                      <a:lumMod val="95000"/>
-                      <a:lumOff val="5000"/>
-                    </a:schemeClr>
-                  </a:solidFill>
-                  <a:latin typeface="Avenir Book" charset="0"/>
-                  <a:ea typeface="Avenir Book" charset="0"/>
-                  <a:cs typeface="Avenir Book" charset="0"/>
-                </a:rPr>
-                <a:t>Volcano plot</a:t>
-              </a:r>
-            </a:p>
-          </p:txBody>
-        </p:sp>
-        <p:sp>
-          <p:nvSpPr>
-            <p:cNvPr id="111" name="Rectangle 110"/>
-            <p:cNvSpPr/>
-            <p:nvPr/>
-          </p:nvSpPr>
-          <p:spPr>
-            <a:xfrm rot="5400000" flipV="1">
-              <a:off x="4241528" y="12899775"/>
-              <a:ext cx="1434085" cy="541334"/>
-            </a:xfrm>
-            <a:prstGeom prst="rect">
-              <a:avLst/>
-            </a:prstGeom>
-          </p:spPr>
-          <p:txBody>
-            <a:bodyPr wrap="square">
-              <a:spAutoFit/>
-            </a:bodyPr>
-            <a:lstStyle/>
-            <a:p>
-              <a:r>
-                <a:rPr lang="en-US" sz="2598" dirty="0">
-                  <a:solidFill>
-                    <a:srgbClr val="F46249"/>
-                  </a:solidFill>
-                  <a:latin typeface="Avenir Book" charset="0"/>
-                  <a:ea typeface="Avenir Book" charset="0"/>
-                  <a:cs typeface="Avenir Book" charset="0"/>
-                </a:rPr>
-                <a:t>◀</a:t>
-              </a:r>
-              <a:endParaRPr lang="en-US" sz="2598" dirty="0"/>
-            </a:p>
-          </p:txBody>
-        </p:sp>
-        <mc:AlternateContent xmlns:mc="http://schemas.openxmlformats.org/markup-compatibility/2006" xmlns:a14="http://schemas.microsoft.com/office/drawing/2010/main">
-          <mc:Choice Requires="a14">
+        <mc:AlternateContent xmlns:mc="http://schemas.openxmlformats.org/markup-compatibility/2006">
+          <mc:Choice xmlns:a14="http://schemas.microsoft.com/office/drawing/2010/main" Requires="a14">
             <p:sp>
               <p:nvSpPr>
                 <p:cNvPr id="40" name="ZoneTexte 39">
@@ -5675,7 +3467,7 @@
               <p:spPr>
                 <a:xfrm>
                   <a:off x="784895" y="2116400"/>
-                  <a:ext cx="7451993" cy="11415497"/>
+                  <a:ext cx="7451993" cy="10307502"/>
                 </a:xfrm>
                 <a:prstGeom prst="rect">
                   <a:avLst/>
@@ -5889,7 +3681,7 @@
                       </a:solidFill>
                       <a:latin typeface="Avenir Book"/>
                     </a:rPr>
-                    <a:t>Benjamini-Hochberg method</a:t>
+                    <a:t>Benjamini-Hochberg (BH) method</a:t>
                   </a:r>
                   <a:endParaRPr lang="en-GB" sz="3900" b="1" dirty="0">
                     <a:latin typeface="Avenir Book"/>
@@ -5901,24 +3693,14 @@
                     <a:rPr lang="en-GB" sz="2400" dirty="0">
                       <a:latin typeface="Avenir Book"/>
                     </a:rPr>
-                    <a:t>The Benjamini-Hochberg (BH) procedure for controlling the FDR is one of the most widely used procedures for p-value adjustment. It controls the proportion of false positives at a level </a:t>
+                    <a:t>The BH procedure for controlling the FDR is one of the most widely used procedures for p-value adjustment :</a:t>
                   </a:r>
-                  <a14:m>
-                    <m:oMath xmlns:m="http://schemas.openxmlformats.org/officeDocument/2006/math">
-                      <m:r>
-                        <a:rPr lang="fr-FR" sz="2400" b="0" i="1" smtClean="0">
-                          <a:latin typeface="Cambria Math" panose="02040503050406030204" pitchFamily="18" charset="0"/>
-                        </a:rPr>
-                        <m:t>𝛼</m:t>
-                      </m:r>
-                    </m:oMath>
-                  </a14:m>
-                  <a:r>
-                    <a:rPr lang="en-GB" sz="2400" dirty="0">
-                      <a:latin typeface="Avenir Book"/>
-                    </a:rPr>
-                    <a:t> (usually 0.05). It reads as follow :</a:t>
-                  </a:r>
+                </a:p>
+                <a:p>
+                  <a:pPr algn="just"/>
+                  <a:endParaRPr lang="en-GB" sz="2400" dirty="0">
+                    <a:latin typeface="Avenir Book"/>
+                  </a:endParaRPr>
                 </a:p>
                 <a:p>
                   <a:pPr marL="342900" indent="-342900" algn="just">
@@ -6297,13 +4079,13 @@
                     <a:rPr lang="en-GB" sz="2400" dirty="0">
                       <a:latin typeface="Avenir Book"/>
                     </a:rPr>
-                    <a:t>When to many discoveries remain after application of the Benjamini-Hochberg procedure, the double filtering procedure can be applied, which keeps only the p-values that have a large effect size. This double filtering procedure is represented by a Volcano plot.</a:t>
+                    <a:t>When to many discoveries remain after application of the BH procedure, the double filtering procedure can be applied, which keeps only the p-values that have a large effect size.</a:t>
                   </a:r>
                 </a:p>
               </p:txBody>
             </p:sp>
           </mc:Choice>
-          <mc:Fallback xmlns="">
+          <mc:Fallback>
             <p:sp>
               <p:nvSpPr>
                 <p:cNvPr id="40" name="ZoneTexte 39">
@@ -6321,15 +4103,15 @@
               <p:spPr>
                 <a:xfrm>
                   <a:off x="784895" y="2116400"/>
-                  <a:ext cx="7451993" cy="11415497"/>
+                  <a:ext cx="7451993" cy="10307502"/>
                 </a:xfrm>
                 <a:prstGeom prst="rect">
                   <a:avLst/>
                 </a:prstGeom>
                 <a:blipFill>
-                  <a:blip r:embed="rId9"/>
+                  <a:blip r:embed="rId3"/>
                   <a:stretch>
-                    <a:fillRect l="-1235" t="-854" r="-1157"/>
+                    <a:fillRect l="-1235" t="-946" r="-1157"/>
                   </a:stretch>
                 </a:blipFill>
               </p:spPr>
@@ -6348,6 +4130,138 @@
             </p:sp>
           </mc:Fallback>
         </mc:AlternateContent>
+        <p:pic>
+          <p:nvPicPr>
+            <p:cNvPr id="10" name="Image 9">
+              <a:extLst>
+                <a:ext uri="{FF2B5EF4-FFF2-40B4-BE49-F238E27FC236}">
+                  <a16:creationId xmlns:a16="http://schemas.microsoft.com/office/drawing/2014/main" id="{6995786E-6C96-49D3-8B18-67049594128B}"/>
+                </a:ext>
+              </a:extLst>
+            </p:cNvPr>
+            <p:cNvPicPr>
+              <a:picLocks noChangeAspect="1"/>
+            </p:cNvPicPr>
+            <p:nvPr/>
+          </p:nvPicPr>
+          <p:blipFill>
+            <a:blip r:embed="rId4"/>
+            <a:stretch>
+              <a:fillRect/>
+            </a:stretch>
+          </p:blipFill>
+          <p:spPr>
+            <a:xfrm>
+              <a:off x="1676493" y="13756252"/>
+              <a:ext cx="5268014" cy="4460250"/>
+            </a:xfrm>
+            <a:prstGeom prst="rect">
+              <a:avLst/>
+            </a:prstGeom>
+          </p:spPr>
+        </p:pic>
+        <p:sp>
+          <p:nvSpPr>
+            <p:cNvPr id="110" name="TextBox 109"/>
+            <p:cNvSpPr txBox="1"/>
+            <p:nvPr/>
+          </p:nvSpPr>
+          <p:spPr>
+            <a:xfrm>
+              <a:off x="5326370" y="12659350"/>
+              <a:ext cx="1858304" cy="830997"/>
+            </a:xfrm>
+            <a:prstGeom prst="rect">
+              <a:avLst/>
+            </a:prstGeom>
+            <a:noFill/>
+          </p:spPr>
+          <p:txBody>
+            <a:bodyPr wrap="square" rtlCol="0">
+              <a:spAutoFit/>
+            </a:bodyPr>
+            <a:lstStyle/>
+            <a:p>
+              <a:r>
+                <a:rPr lang="en-US" sz="2400" dirty="0">
+                  <a:solidFill>
+                    <a:schemeClr val="tx1">
+                      <a:lumMod val="95000"/>
+                      <a:lumOff val="5000"/>
+                    </a:schemeClr>
+                  </a:solidFill>
+                  <a:latin typeface="Avenir Book" charset="0"/>
+                  <a:ea typeface="Avenir Book" charset="0"/>
+                  <a:cs typeface="Avenir Book" charset="0"/>
+                </a:rPr>
+                <a:t>FIGURE 1:</a:t>
+              </a:r>
+              <a:br>
+                <a:rPr lang="en-US" sz="2400" dirty="0">
+                  <a:solidFill>
+                    <a:schemeClr val="tx1">
+                      <a:lumMod val="95000"/>
+                      <a:lumOff val="5000"/>
+                    </a:schemeClr>
+                  </a:solidFill>
+                  <a:latin typeface="Avenir Book" charset="0"/>
+                  <a:ea typeface="Avenir Book" charset="0"/>
+                  <a:cs typeface="Avenir Book" charset="0"/>
+                </a:rPr>
+              </a:br>
+              <a:r>
+                <a:rPr lang="en-US" sz="2400" dirty="0">
+                  <a:solidFill>
+                    <a:schemeClr val="tx1">
+                      <a:lumMod val="95000"/>
+                      <a:lumOff val="5000"/>
+                    </a:schemeClr>
+                  </a:solidFill>
+                  <a:latin typeface="Avenir Book" charset="0"/>
+                  <a:ea typeface="Avenir Book" charset="0"/>
+                  <a:cs typeface="Avenir Book" charset="0"/>
+                </a:rPr>
+                <a:t>Volcano plot</a:t>
+              </a:r>
+            </a:p>
+          </p:txBody>
+        </p:sp>
+        <p:sp>
+          <p:nvSpPr>
+            <p:cNvPr id="111" name="Rectangle 110"/>
+            <p:cNvSpPr/>
+            <p:nvPr/>
+          </p:nvSpPr>
+          <p:spPr>
+            <a:xfrm rot="5400000" flipV="1">
+              <a:off x="4241528" y="12502638"/>
+              <a:ext cx="1434085" cy="541334"/>
+            </a:xfrm>
+            <a:prstGeom prst="rect">
+              <a:avLst/>
+            </a:prstGeom>
+          </p:spPr>
+          <p:txBody>
+            <a:bodyPr wrap="square">
+              <a:spAutoFit/>
+            </a:bodyPr>
+            <a:lstStyle/>
+            <a:p>
+              <a:r>
+                <a:rPr lang="en-US" sz="2598" dirty="0">
+                  <a:solidFill>
+                    <a:srgbClr val="F46249"/>
+                  </a:solidFill>
+                  <a:latin typeface="Avenir Book" charset="0"/>
+                  <a:ea typeface="Avenir Book" charset="0"/>
+                  <a:cs typeface="Avenir Book" charset="0"/>
+                </a:rPr>
+                <a:t>◀</a:t>
+              </a:r>
+              <a:endParaRPr lang="en-US" sz="2598" dirty="0"/>
+            </a:p>
+          </p:txBody>
+        </p:sp>
         <p:sp>
           <p:nvSpPr>
             <p:cNvPr id="2" name="ZoneTexte 1">
@@ -6362,7 +4276,7 @@
           </p:nvSpPr>
           <p:spPr>
             <a:xfrm>
-              <a:off x="784895" y="18813940"/>
+              <a:off x="784895" y="18640207"/>
               <a:ext cx="7374544" cy="1569660"/>
             </a:xfrm>
             <a:prstGeom prst="rect">
@@ -6381,12 +4295,2075 @@
                 <a:rPr lang="en-GB" sz="2400" dirty="0">
                   <a:latin typeface="Avenir Book"/>
                 </a:rPr>
-                <a:t>The Volcano plot is a scatter plot of -log10 of p-values among significant p-values after Benjamini-Hochberg correction (y-axis) versus effect size (x-axis). The most interesting discoveries are on the right and left corners.</a:t>
+                <a:t>The Volcano plot is a scatter plot of -log10 of p-values among significant p-values after BH correction (y-axis) versus effect size (x-axis). The most interesting discoveries are on the right and left corners.</a:t>
               </a:r>
               <a:endParaRPr lang="en-GB" sz="2400" dirty="0"/>
             </a:p>
           </p:txBody>
         </p:sp>
+      </p:grpSp>
+      <p:sp>
+        <p:nvSpPr>
+          <p:cNvPr id="4" name="Rectangle 3"/>
+          <p:cNvSpPr/>
+          <p:nvPr/>
+        </p:nvSpPr>
+        <p:spPr>
+          <a:xfrm>
+            <a:off x="-1" y="-1"/>
+            <a:ext cx="30275213" cy="1336477"/>
+          </a:xfrm>
+          <a:prstGeom prst="rect">
+            <a:avLst/>
+          </a:prstGeom>
+          <a:solidFill>
+            <a:schemeClr val="accent1">
+              <a:lumMod val="50000"/>
+            </a:schemeClr>
+          </a:solidFill>
+          <a:ln>
+            <a:noFill/>
+          </a:ln>
+        </p:spPr>
+        <p:style>
+          <a:lnRef idx="2">
+            <a:schemeClr val="accent1">
+              <a:shade val="50000"/>
+            </a:schemeClr>
+          </a:lnRef>
+          <a:fillRef idx="1">
+            <a:schemeClr val="accent1"/>
+          </a:fillRef>
+          <a:effectRef idx="0">
+            <a:schemeClr val="accent1"/>
+          </a:effectRef>
+          <a:fontRef idx="minor">
+            <a:schemeClr val="lt1"/>
+          </a:fontRef>
+        </p:style>
+        <p:txBody>
+          <a:bodyPr rtlCol="0" anchor="ctr"/>
+          <a:lstStyle/>
+          <a:p>
+            <a:pPr algn="ctr"/>
+            <a:r>
+              <a:rPr lang="en-US" sz="6000" b="1" dirty="0">
+                <a:latin typeface="Avenir Book" charset="0"/>
+                <a:ea typeface="Avenir Book" charset="0"/>
+                <a:cs typeface="Avenir Book" charset="0"/>
+              </a:rPr>
+              <a:t>FALSE DISCOVERY RATE CONTROL IN VOLCANO PLOT FOR OMICS DATA</a:t>
+            </a:r>
+          </a:p>
+        </p:txBody>
+      </p:sp>
+      <p:sp>
+        <p:nvSpPr>
+          <p:cNvPr id="5" name="Rectangle 4"/>
+          <p:cNvSpPr/>
+          <p:nvPr/>
+        </p:nvSpPr>
+        <p:spPr>
+          <a:xfrm>
+            <a:off x="0" y="1336476"/>
+            <a:ext cx="30275212" cy="638689"/>
+          </a:xfrm>
+          <a:prstGeom prst="rect">
+            <a:avLst/>
+          </a:prstGeom>
+          <a:solidFill>
+            <a:srgbClr val="F46249"/>
+          </a:solidFill>
+          <a:ln>
+            <a:noFill/>
+          </a:ln>
+        </p:spPr>
+        <p:style>
+          <a:lnRef idx="2">
+            <a:schemeClr val="accent1">
+              <a:shade val="50000"/>
+            </a:schemeClr>
+          </a:lnRef>
+          <a:fillRef idx="1">
+            <a:schemeClr val="accent1"/>
+          </a:fillRef>
+          <a:effectRef idx="0">
+            <a:schemeClr val="accent1"/>
+          </a:effectRef>
+          <a:fontRef idx="minor">
+            <a:schemeClr val="lt1"/>
+          </a:fontRef>
+        </p:style>
+        <p:txBody>
+          <a:bodyPr rtlCol="0" anchor="ctr"/>
+          <a:lstStyle/>
+          <a:p>
+            <a:r>
+              <a:rPr lang="en-US" sz="3898" dirty="0">
+                <a:latin typeface="Avenir Book" charset="0"/>
+                <a:ea typeface="Avenir Book" charset="0"/>
+                <a:cs typeface="Avenir Book" charset="0"/>
+              </a:rPr>
+              <a:t>    Célia Vidal &amp; Vivien Dupont 					                                                                                Data Science in Health &amp; Biostatistics, 3</a:t>
+            </a:r>
+            <a:r>
+              <a:rPr lang="en-US" sz="3898" baseline="30000" dirty="0">
+                <a:latin typeface="Avenir Book" charset="0"/>
+                <a:ea typeface="Avenir Book" charset="0"/>
+                <a:cs typeface="Avenir Book" charset="0"/>
+              </a:rPr>
+              <a:t>rd</a:t>
+            </a:r>
+            <a:r>
+              <a:rPr lang="en-US" sz="3898" dirty="0">
+                <a:latin typeface="Avenir Book" charset="0"/>
+                <a:ea typeface="Avenir Book" charset="0"/>
+                <a:cs typeface="Avenir Book" charset="0"/>
+              </a:rPr>
+              <a:t> year, Ensai</a:t>
+            </a:r>
+          </a:p>
+        </p:txBody>
+      </p:sp>
+      <p:sp>
+        <p:nvSpPr>
+          <p:cNvPr id="6" name="Rectangle 5"/>
+          <p:cNvSpPr/>
+          <p:nvPr/>
+        </p:nvSpPr>
+        <p:spPr>
+          <a:xfrm>
+            <a:off x="-1" y="20789635"/>
+            <a:ext cx="30275213" cy="593990"/>
+          </a:xfrm>
+          <a:prstGeom prst="rect">
+            <a:avLst/>
+          </a:prstGeom>
+          <a:solidFill>
+            <a:schemeClr val="accent1">
+              <a:lumMod val="50000"/>
+            </a:schemeClr>
+          </a:solidFill>
+          <a:ln>
+            <a:noFill/>
+          </a:ln>
+        </p:spPr>
+        <p:style>
+          <a:lnRef idx="2">
+            <a:schemeClr val="accent1">
+              <a:shade val="50000"/>
+            </a:schemeClr>
+          </a:lnRef>
+          <a:fillRef idx="1">
+            <a:schemeClr val="accent1"/>
+          </a:fillRef>
+          <a:effectRef idx="0">
+            <a:schemeClr val="accent1"/>
+          </a:effectRef>
+          <a:fontRef idx="minor">
+            <a:schemeClr val="lt1"/>
+          </a:fontRef>
+        </p:style>
+        <p:txBody>
+          <a:bodyPr rtlCol="0" anchor="ctr"/>
+          <a:lstStyle/>
+          <a:p>
+            <a:pPr algn="ctr"/>
+            <a:endParaRPr lang="en-US" sz="5716" dirty="0">
+              <a:latin typeface="Avenir Book" charset="0"/>
+              <a:ea typeface="Avenir Book" charset="0"/>
+              <a:cs typeface="Avenir Book" charset="0"/>
+            </a:endParaRPr>
+          </a:p>
+        </p:txBody>
+      </p:sp>
+      <p:sp>
+        <p:nvSpPr>
+          <p:cNvPr id="11" name="Rectangle 10"/>
+          <p:cNvSpPr/>
+          <p:nvPr/>
+        </p:nvSpPr>
+        <p:spPr>
+          <a:xfrm>
+            <a:off x="-1" y="20655445"/>
+            <a:ext cx="30275213" cy="133182"/>
+          </a:xfrm>
+          <a:prstGeom prst="rect">
+            <a:avLst/>
+          </a:prstGeom>
+          <a:solidFill>
+            <a:srgbClr val="F4584E"/>
+          </a:solidFill>
+          <a:ln>
+            <a:noFill/>
+          </a:ln>
+        </p:spPr>
+        <p:style>
+          <a:lnRef idx="2">
+            <a:schemeClr val="accent1">
+              <a:shade val="50000"/>
+            </a:schemeClr>
+          </a:lnRef>
+          <a:fillRef idx="1">
+            <a:schemeClr val="accent1"/>
+          </a:fillRef>
+          <a:effectRef idx="0">
+            <a:schemeClr val="accent1"/>
+          </a:effectRef>
+          <a:fontRef idx="minor">
+            <a:schemeClr val="lt1"/>
+          </a:fontRef>
+        </p:style>
+        <p:txBody>
+          <a:bodyPr rtlCol="0" anchor="ctr"/>
+          <a:lstStyle/>
+          <a:p>
+            <a:pPr algn="ctr"/>
+            <a:endParaRPr lang="en-US" sz="5716" dirty="0">
+              <a:latin typeface="Avenir Book" charset="0"/>
+              <a:ea typeface="Avenir Book" charset="0"/>
+              <a:cs typeface="Avenir Book" charset="0"/>
+            </a:endParaRPr>
+          </a:p>
+        </p:txBody>
+      </p:sp>
+      <p:sp>
+        <p:nvSpPr>
+          <p:cNvPr id="35" name="TextBox 34"/>
+          <p:cNvSpPr txBox="1"/>
+          <p:nvPr/>
+        </p:nvSpPr>
+        <p:spPr>
+          <a:xfrm>
+            <a:off x="22767961" y="2125925"/>
+            <a:ext cx="2505893" cy="692177"/>
+          </a:xfrm>
+          <a:prstGeom prst="rect">
+            <a:avLst/>
+          </a:prstGeom>
+          <a:solidFill>
+            <a:schemeClr val="bg1"/>
+          </a:solidFill>
+          <a:effectLst/>
+        </p:spPr>
+        <p:txBody>
+          <a:bodyPr wrap="square" rtlCol="0">
+            <a:spAutoFit/>
+          </a:bodyPr>
+          <a:lstStyle/>
+          <a:p>
+            <a:pPr algn="ctr"/>
+            <a:r>
+              <a:rPr lang="en-US" sz="3898" b="1" spc="130" dirty="0">
+                <a:solidFill>
+                  <a:srgbClr val="F46249"/>
+                </a:solidFill>
+                <a:latin typeface="Avenir Book" charset="0"/>
+                <a:ea typeface="Avenir Book" charset="0"/>
+                <a:cs typeface="Avenir Book" charset="0"/>
+              </a:rPr>
+              <a:t>Results</a:t>
+            </a:r>
+          </a:p>
+        </p:txBody>
+      </p:sp>
+      <p:sp>
+        <p:nvSpPr>
+          <p:cNvPr id="124" name="TextBox 123"/>
+          <p:cNvSpPr txBox="1"/>
+          <p:nvPr/>
+        </p:nvSpPr>
+        <p:spPr>
+          <a:xfrm>
+            <a:off x="26797840" y="7290054"/>
+            <a:ext cx="3138725" cy="1569660"/>
+          </a:xfrm>
+          <a:prstGeom prst="rect">
+            <a:avLst/>
+          </a:prstGeom>
+          <a:noFill/>
+        </p:spPr>
+        <p:txBody>
+          <a:bodyPr wrap="square" rtlCol="0">
+            <a:spAutoFit/>
+          </a:bodyPr>
+          <a:lstStyle/>
+          <a:p>
+            <a:r>
+              <a:rPr lang="en-US" sz="2400" dirty="0">
+                <a:solidFill>
+                  <a:schemeClr val="tx1">
+                    <a:lumMod val="95000"/>
+                    <a:lumOff val="5000"/>
+                  </a:schemeClr>
+                </a:solidFill>
+                <a:latin typeface="Avenir Book" charset="0"/>
+                <a:ea typeface="Avenir Book" charset="0"/>
+                <a:cs typeface="Avenir Book" charset="0"/>
+              </a:rPr>
+              <a:t>FIGURE 2: Volcano plot of the real case study.</a:t>
+            </a:r>
+            <a:br>
+              <a:rPr lang="en-GB" sz="2400" dirty="0">
+                <a:latin typeface="Avenir Book"/>
+              </a:rPr>
+            </a:br>
+            <a:r>
+              <a:rPr lang="en-GB" sz="2400" dirty="0">
+                <a:latin typeface="Avenir Book"/>
+              </a:rPr>
+              <a:t>P-values are adjusted with BH method.</a:t>
+            </a:r>
+            <a:endParaRPr lang="en-US" sz="2400" dirty="0">
+              <a:solidFill>
+                <a:schemeClr val="tx1">
+                  <a:lumMod val="95000"/>
+                  <a:lumOff val="5000"/>
+                </a:schemeClr>
+              </a:solidFill>
+              <a:latin typeface="Avenir Book" charset="0"/>
+              <a:ea typeface="Avenir Book" charset="0"/>
+              <a:cs typeface="Avenir Book" charset="0"/>
+            </a:endParaRPr>
+          </a:p>
+        </p:txBody>
+      </p:sp>
+      <p:sp>
+        <p:nvSpPr>
+          <p:cNvPr id="138" name="Rectangle 137"/>
+          <p:cNvSpPr/>
+          <p:nvPr/>
+        </p:nvSpPr>
+        <p:spPr>
+          <a:xfrm rot="10800000">
+            <a:off x="24342722" y="14325475"/>
+            <a:ext cx="597726" cy="492122"/>
+          </a:xfrm>
+          <a:prstGeom prst="rect">
+            <a:avLst/>
+          </a:prstGeom>
+        </p:spPr>
+        <p:txBody>
+          <a:bodyPr wrap="square">
+            <a:spAutoFit/>
+          </a:bodyPr>
+          <a:lstStyle/>
+          <a:p>
+            <a:r>
+              <a:rPr lang="en-US" sz="2598" dirty="0">
+                <a:solidFill>
+                  <a:srgbClr val="F46249"/>
+                </a:solidFill>
+                <a:latin typeface="Avenir Book" charset="0"/>
+                <a:ea typeface="Avenir Book" charset="0"/>
+                <a:cs typeface="Avenir Book" charset="0"/>
+              </a:rPr>
+              <a:t>◀</a:t>
+            </a:r>
+            <a:endParaRPr lang="en-US" sz="2598" dirty="0"/>
+          </a:p>
+        </p:txBody>
+      </p:sp>
+      <p:pic>
+        <p:nvPicPr>
+          <p:cNvPr id="14" name="Image 13">
+            <a:extLst>
+              <a:ext uri="{FF2B5EF4-FFF2-40B4-BE49-F238E27FC236}">
+                <a16:creationId xmlns:a16="http://schemas.microsoft.com/office/drawing/2014/main" id="{B0D6E506-9024-4041-9C3F-416915EE286B}"/>
+              </a:ext>
+            </a:extLst>
+          </p:cNvPr>
+          <p:cNvPicPr>
+            <a:picLocks noChangeAspect="1"/>
+          </p:cNvPicPr>
+          <p:nvPr/>
+        </p:nvPicPr>
+        <p:blipFill rotWithShape="1">
+          <a:blip r:embed="rId5">
+            <a:duotone>
+              <a:prstClr val="black"/>
+              <a:schemeClr val="bg1">
+                <a:tint val="45000"/>
+                <a:satMod val="400000"/>
+              </a:schemeClr>
+            </a:duotone>
+            <a:extLst>
+              <a:ext uri="{BEBA8EAE-BF5A-486C-A8C5-ECC9F3942E4B}">
+                <a14:imgProps xmlns:a14="http://schemas.microsoft.com/office/drawing/2010/main">
+                  <a14:imgLayer r:embed="rId6">
+                    <a14:imgEffect>
+                      <a14:sharpenSoften amount="100000"/>
+                    </a14:imgEffect>
+                    <a14:imgEffect>
+                      <a14:brightnessContrast bright="100000" contrast="100000"/>
+                    </a14:imgEffect>
+                  </a14:imgLayer>
+                </a14:imgProps>
+              </a:ext>
+            </a:extLst>
+          </a:blip>
+          <a:srcRect r="37775"/>
+          <a:stretch/>
+        </p:blipFill>
+        <p:spPr>
+          <a:xfrm>
+            <a:off x="28389738" y="76796"/>
+            <a:ext cx="1368367" cy="1219864"/>
+          </a:xfrm>
+          <a:prstGeom prst="rect">
+            <a:avLst/>
+          </a:prstGeom>
+          <a:noFill/>
+          <a:ln>
+            <a:noFill/>
+          </a:ln>
+        </p:spPr>
+      </p:pic>
+      <p:sp>
+        <p:nvSpPr>
+          <p:cNvPr id="37" name="TextBox 36"/>
+          <p:cNvSpPr txBox="1"/>
+          <p:nvPr/>
+        </p:nvSpPr>
+        <p:spPr>
+          <a:xfrm>
+            <a:off x="22869584" y="15410851"/>
+            <a:ext cx="2946275" cy="692177"/>
+          </a:xfrm>
+          <a:prstGeom prst="rect">
+            <a:avLst/>
+          </a:prstGeom>
+          <a:solidFill>
+            <a:schemeClr val="bg1"/>
+          </a:solidFill>
+          <a:effectLst/>
+        </p:spPr>
+        <p:txBody>
+          <a:bodyPr wrap="square" rtlCol="0">
+            <a:spAutoFit/>
+          </a:bodyPr>
+          <a:lstStyle/>
+          <a:p>
+            <a:pPr algn="ctr"/>
+            <a:r>
+              <a:rPr lang="en-US" sz="3898" b="1" spc="130" dirty="0">
+                <a:solidFill>
+                  <a:srgbClr val="F46249"/>
+                </a:solidFill>
+                <a:latin typeface="Avenir Book" charset="0"/>
+                <a:ea typeface="Avenir Book" charset="0"/>
+                <a:cs typeface="Avenir Book" charset="0"/>
+              </a:rPr>
+              <a:t>Conclusion</a:t>
+            </a:r>
+          </a:p>
+        </p:txBody>
+      </p:sp>
+      <p:sp>
+        <p:nvSpPr>
+          <p:cNvPr id="38" name="TextBox 37"/>
+          <p:cNvSpPr txBox="1"/>
+          <p:nvPr/>
+        </p:nvSpPr>
+        <p:spPr>
+          <a:xfrm>
+            <a:off x="22509703" y="18909123"/>
+            <a:ext cx="3666037" cy="692177"/>
+          </a:xfrm>
+          <a:prstGeom prst="rect">
+            <a:avLst/>
+          </a:prstGeom>
+          <a:solidFill>
+            <a:schemeClr val="bg1"/>
+          </a:solidFill>
+          <a:effectLst/>
+        </p:spPr>
+        <p:txBody>
+          <a:bodyPr wrap="square" rtlCol="0">
+            <a:spAutoFit/>
+          </a:bodyPr>
+          <a:lstStyle/>
+          <a:p>
+            <a:pPr algn="ctr"/>
+            <a:r>
+              <a:rPr lang="en-US" sz="3898" b="1" spc="130" dirty="0">
+                <a:solidFill>
+                  <a:srgbClr val="F46249"/>
+                </a:solidFill>
+                <a:latin typeface="Avenir Book" charset="0"/>
+                <a:ea typeface="Avenir Book" charset="0"/>
+                <a:cs typeface="Avenir Book" charset="0"/>
+              </a:rPr>
+              <a:t>Bibliography</a:t>
+            </a:r>
+          </a:p>
+        </p:txBody>
+      </p:sp>
+      <p:sp>
+        <p:nvSpPr>
+          <p:cNvPr id="146" name="TextBox 145"/>
+          <p:cNvSpPr txBox="1"/>
+          <p:nvPr/>
+        </p:nvSpPr>
+        <p:spPr>
+          <a:xfrm>
+            <a:off x="18105252" y="19552603"/>
+            <a:ext cx="11916465" cy="830997"/>
+          </a:xfrm>
+          <a:prstGeom prst="rect">
+            <a:avLst/>
+          </a:prstGeom>
+          <a:noFill/>
+        </p:spPr>
+        <p:txBody>
+          <a:bodyPr wrap="square" rtlCol="0">
+            <a:spAutoFit/>
+          </a:bodyPr>
+          <a:lstStyle/>
+          <a:p>
+            <a:pPr marL="334122" indent="-334122">
+              <a:buFont typeface="+mj-lt"/>
+              <a:buAutoNum type="arabicPeriod"/>
+            </a:pPr>
+            <a:r>
+              <a:rPr lang="en-US" sz="2400" dirty="0">
+                <a:latin typeface="Avenir Book" charset="0"/>
+                <a:ea typeface="Avenir Book" charset="0"/>
+                <a:cs typeface="Avenir Book" charset="0"/>
+              </a:rPr>
+              <a:t>Ebrahimpoor (2021) Inflated false discovery rate due to Volcano plots: problem and solutions</a:t>
+            </a:r>
+          </a:p>
+          <a:p>
+            <a:pPr marL="334122" indent="-334122">
+              <a:buFont typeface="+mj-lt"/>
+              <a:buAutoNum type="arabicPeriod"/>
+            </a:pPr>
+            <a:r>
+              <a:rPr lang="fr-FR" sz="2400" dirty="0"/>
+              <a:t>Katsevich  (2020) </a:t>
+            </a:r>
+            <a:r>
+              <a:rPr lang="en-US" sz="2400" dirty="0"/>
+              <a:t>Filtering the rejection set while preserving false discovery rate control</a:t>
+            </a:r>
+            <a:endParaRPr lang="en-US" sz="2400" dirty="0">
+              <a:latin typeface="Avenir Book" charset="0"/>
+              <a:ea typeface="Avenir Book" charset="0"/>
+              <a:cs typeface="Avenir Book" charset="0"/>
+            </a:endParaRPr>
+          </a:p>
+        </p:txBody>
+      </p:sp>
+      <p:sp>
+        <p:nvSpPr>
+          <p:cNvPr id="36" name="ZoneTexte 35">
+            <a:extLst>
+              <a:ext uri="{FF2B5EF4-FFF2-40B4-BE49-F238E27FC236}">
+                <a16:creationId xmlns:a16="http://schemas.microsoft.com/office/drawing/2014/main" id="{8CA13A83-17BF-47E8-A696-0AB3432480B9}"/>
+              </a:ext>
+            </a:extLst>
+          </p:cNvPr>
+          <p:cNvSpPr txBox="1"/>
+          <p:nvPr/>
+        </p:nvSpPr>
+        <p:spPr>
+          <a:xfrm>
+            <a:off x="18105253" y="16051086"/>
+            <a:ext cx="11831313" cy="2677656"/>
+          </a:xfrm>
+          <a:prstGeom prst="rect">
+            <a:avLst/>
+          </a:prstGeom>
+          <a:noFill/>
+        </p:spPr>
+        <p:txBody>
+          <a:bodyPr wrap="square">
+            <a:spAutoFit/>
+          </a:bodyPr>
+          <a:lstStyle/>
+          <a:p>
+            <a:pPr algn="just"/>
+            <a:r>
+              <a:rPr lang="en-GB" sz="2400" dirty="0">
+                <a:latin typeface="Avenir Book"/>
+              </a:rPr>
+              <a:t>FDR inflation occurs when FDR control procedures such as BH are combined with the Volcano Plots double filter procedure. FDR control on a set of discoveries does not imply FDR control on subsets of these discoveries. FDR inflation is high when the variance of differentially expressed genes is lower than the variance of non-differentially expressed genes. FDR inflation is less important when there are high correlations or a low proportion of null genes. Closed testing and FBH are two alternatives to the BH procedure that allow double screening while controlling the FDR.</a:t>
+            </a:r>
+          </a:p>
+        </p:txBody>
+      </p:sp>
+      <mc:AlternateContent xmlns:mc="http://schemas.openxmlformats.org/markup-compatibility/2006">
+        <mc:Choice xmlns:a14="http://schemas.microsoft.com/office/drawing/2010/main" Requires="a14">
+          <p:sp>
+            <p:nvSpPr>
+              <p:cNvPr id="19" name="ZoneTexte 18">
+                <a:extLst>
+                  <a:ext uri="{FF2B5EF4-FFF2-40B4-BE49-F238E27FC236}">
+                    <a16:creationId xmlns:a16="http://schemas.microsoft.com/office/drawing/2014/main" id="{5A519638-5B50-4903-831F-3DEA7A4F545F}"/>
+                  </a:ext>
+                </a:extLst>
+              </p:cNvPr>
+              <p:cNvSpPr txBox="1"/>
+              <p:nvPr/>
+            </p:nvSpPr>
+            <p:spPr>
+              <a:xfrm>
+                <a:off x="8532916" y="8959984"/>
+                <a:ext cx="9195839" cy="5237011"/>
+              </a:xfrm>
+              <a:prstGeom prst="rect">
+                <a:avLst/>
+              </a:prstGeom>
+              <a:noFill/>
+            </p:spPr>
+            <p:txBody>
+              <a:bodyPr wrap="square" rtlCol="0">
+                <a:spAutoFit/>
+              </a:bodyPr>
+              <a:lstStyle/>
+              <a:p>
+                <a:pPr algn="just"/>
+                <a:r>
+                  <a:rPr lang="en-GB" sz="2400" dirty="0">
+                    <a:latin typeface="Avenir Book"/>
+                  </a:rPr>
+                  <a:t>The FBH method is a variant of the classical BH procedure that guarantees FDR-control over a subset of discoveries by applying a filter to the corrected p-values. The procedure works as follow:</a:t>
+                </a:r>
+                <a:r>
+                  <a:rPr lang="en-GB" sz="2400" b="1" dirty="0">
+                    <a:latin typeface="Avenir Book"/>
+                  </a:rPr>
+                  <a:t>	</a:t>
+                </a:r>
+              </a:p>
+              <a:p>
+                <a:r>
+                  <a:rPr lang="en-GB" sz="2400" b="1" dirty="0">
+                    <a:latin typeface="Avenir Book"/>
+                  </a:rPr>
+                  <a:t>	Input</a:t>
+                </a:r>
+                <a:r>
+                  <a:rPr lang="en-GB" sz="2400" dirty="0">
+                    <a:latin typeface="Avenir Book"/>
+                  </a:rPr>
+                  <a:t>: p-values </a:t>
+                </a:r>
+                <a14:m>
+                  <m:oMath xmlns:m="http://schemas.openxmlformats.org/officeDocument/2006/math">
+                    <m:r>
+                      <a:rPr lang="fr-FR" sz="2400" b="1" i="1" smtClean="0">
+                        <a:latin typeface="Cambria Math" panose="02040503050406030204" pitchFamily="18" charset="0"/>
+                      </a:rPr>
+                      <m:t>𝒑</m:t>
+                    </m:r>
+                    <m:r>
+                      <a:rPr lang="fr-FR" sz="2400" b="0" i="0" smtClean="0">
+                        <a:latin typeface="Cambria Math" panose="02040503050406030204" pitchFamily="18" charset="0"/>
+                      </a:rPr>
+                      <m:t>=(</m:t>
+                    </m:r>
+                    <m:sSub>
+                      <m:sSubPr>
+                        <m:ctrlPr>
+                          <a:rPr lang="fr-FR" sz="2400" b="0" i="1" smtClean="0">
+                            <a:latin typeface="Cambria Math" panose="02040503050406030204" pitchFamily="18" charset="0"/>
+                          </a:rPr>
+                        </m:ctrlPr>
+                      </m:sSubPr>
+                      <m:e>
+                        <m:r>
+                          <a:rPr lang="fr-FR" sz="2400" b="0" i="1" smtClean="0">
+                            <a:latin typeface="Cambria Math" panose="02040503050406030204" pitchFamily="18" charset="0"/>
+                          </a:rPr>
+                          <m:t>𝑝</m:t>
+                        </m:r>
+                      </m:e>
+                      <m:sub>
+                        <m:r>
+                          <a:rPr lang="fr-FR" sz="2400" b="0" i="1" smtClean="0">
+                            <a:latin typeface="Cambria Math" panose="02040503050406030204" pitchFamily="18" charset="0"/>
+                          </a:rPr>
+                          <m:t>1</m:t>
+                        </m:r>
+                      </m:sub>
+                    </m:sSub>
+                    <m:r>
+                      <a:rPr lang="fr-FR" sz="2400" b="0" i="1" smtClean="0">
+                        <a:latin typeface="Cambria Math" panose="02040503050406030204" pitchFamily="18" charset="0"/>
+                      </a:rPr>
+                      <m:t>,…, </m:t>
+                    </m:r>
+                    <m:sSub>
+                      <m:sSubPr>
+                        <m:ctrlPr>
+                          <a:rPr lang="fr-FR" sz="2400" b="0" i="1" smtClean="0">
+                            <a:latin typeface="Cambria Math" panose="02040503050406030204" pitchFamily="18" charset="0"/>
+                          </a:rPr>
+                        </m:ctrlPr>
+                      </m:sSubPr>
+                      <m:e>
+                        <m:r>
+                          <a:rPr lang="fr-FR" sz="2400" b="0" i="1" smtClean="0">
+                            <a:latin typeface="Cambria Math" panose="02040503050406030204" pitchFamily="18" charset="0"/>
+                          </a:rPr>
+                          <m:t>𝑝</m:t>
+                        </m:r>
+                      </m:e>
+                      <m:sub>
+                        <m:r>
+                          <a:rPr lang="fr-FR" sz="2400" b="0" i="1" smtClean="0">
+                            <a:latin typeface="Cambria Math" panose="02040503050406030204" pitchFamily="18" charset="0"/>
+                          </a:rPr>
+                          <m:t>𝑚</m:t>
+                        </m:r>
+                      </m:sub>
+                    </m:sSub>
+                    <m:r>
+                      <a:rPr lang="fr-FR" sz="2400" b="0" i="1" smtClean="0">
+                        <a:latin typeface="Cambria Math" panose="02040503050406030204" pitchFamily="18" charset="0"/>
+                      </a:rPr>
+                      <m:t>),</m:t>
+                    </m:r>
+                  </m:oMath>
+                </a14:m>
+                <a:r>
+                  <a:rPr lang="en-GB" sz="2400" dirty="0">
+                    <a:latin typeface="Avenir Book"/>
+                  </a:rPr>
+                  <a:t> filter </a:t>
+                </a:r>
+                <a:r>
+                  <a:rPr lang="en-GB" sz="2400" dirty="0">
+                    <a:latin typeface="Cambria Math" panose="02040503050406030204" pitchFamily="18" charset="0"/>
+                    <a:ea typeface="Cambria Math" panose="02040503050406030204" pitchFamily="18" charset="0"/>
+                  </a:rPr>
+                  <a:t>𝔉</a:t>
+                </a:r>
+              </a:p>
+              <a:p>
+                <a:r>
+                  <a:rPr lang="en-GB" sz="2400" dirty="0">
+                    <a:latin typeface="Cambria Math" panose="02040503050406030204" pitchFamily="18" charset="0"/>
+                    <a:ea typeface="Cambria Math" panose="02040503050406030204" pitchFamily="18" charset="0"/>
+                  </a:rPr>
+                  <a:t>1 </a:t>
+                </a:r>
+                <a:r>
+                  <a:rPr lang="en-GB" sz="2400" b="1" dirty="0">
+                    <a:latin typeface="Avenir Book"/>
+                    <a:ea typeface="Cambria Math" panose="02040503050406030204" pitchFamily="18" charset="0"/>
+                  </a:rPr>
+                  <a:t>for</a:t>
+                </a:r>
+                <a:r>
+                  <a:rPr lang="en-GB" sz="2400" dirty="0">
+                    <a:latin typeface="Cambria Math" panose="02040503050406030204" pitchFamily="18" charset="0"/>
+                    <a:ea typeface="Cambria Math" panose="02040503050406030204" pitchFamily="18" charset="0"/>
+                  </a:rPr>
+                  <a:t> </a:t>
+                </a:r>
+                <a14:m>
+                  <m:oMath xmlns:m="http://schemas.openxmlformats.org/officeDocument/2006/math">
+                    <m:r>
+                      <a:rPr lang="fr-FR" sz="2400" b="0" i="1" smtClean="0">
+                        <a:latin typeface="Cambria Math" panose="02040503050406030204" pitchFamily="18" charset="0"/>
+                        <a:ea typeface="Cambria Math" panose="02040503050406030204" pitchFamily="18" charset="0"/>
+                      </a:rPr>
+                      <m:t>𝑟</m:t>
+                    </m:r>
+                    <m:r>
+                      <a:rPr lang="fr-FR" sz="2400" b="0" i="1" smtClean="0">
+                        <a:latin typeface="Cambria Math" panose="02040503050406030204" pitchFamily="18" charset="0"/>
+                        <a:ea typeface="Cambria Math" panose="02040503050406030204" pitchFamily="18" charset="0"/>
+                      </a:rPr>
+                      <m:t>∈{0,</m:t>
+                    </m:r>
+                    <m:sSub>
+                      <m:sSubPr>
+                        <m:ctrlPr>
+                          <a:rPr lang="fr-FR" sz="2400" i="1">
+                            <a:latin typeface="Cambria Math" panose="02040503050406030204" pitchFamily="18" charset="0"/>
+                          </a:rPr>
+                        </m:ctrlPr>
+                      </m:sSubPr>
+                      <m:e>
+                        <m:r>
+                          <a:rPr lang="fr-FR" sz="2400" i="1">
+                            <a:latin typeface="Cambria Math" panose="02040503050406030204" pitchFamily="18" charset="0"/>
+                          </a:rPr>
+                          <m:t>𝑝</m:t>
+                        </m:r>
+                      </m:e>
+                      <m:sub>
+                        <m:r>
+                          <a:rPr lang="fr-FR" sz="2400" i="1">
+                            <a:latin typeface="Cambria Math" panose="02040503050406030204" pitchFamily="18" charset="0"/>
+                          </a:rPr>
+                          <m:t>1</m:t>
+                        </m:r>
+                      </m:sub>
+                    </m:sSub>
+                    <m:r>
+                      <a:rPr lang="fr-FR" sz="2400" i="1">
+                        <a:latin typeface="Cambria Math" panose="02040503050406030204" pitchFamily="18" charset="0"/>
+                      </a:rPr>
+                      <m:t>,…, </m:t>
+                    </m:r>
+                    <m:sSub>
+                      <m:sSubPr>
+                        <m:ctrlPr>
+                          <a:rPr lang="fr-FR" sz="2400" i="1">
+                            <a:latin typeface="Cambria Math" panose="02040503050406030204" pitchFamily="18" charset="0"/>
+                          </a:rPr>
+                        </m:ctrlPr>
+                      </m:sSubPr>
+                      <m:e>
+                        <m:r>
+                          <a:rPr lang="fr-FR" sz="2400" i="1">
+                            <a:latin typeface="Cambria Math" panose="02040503050406030204" pitchFamily="18" charset="0"/>
+                          </a:rPr>
+                          <m:t>𝑝</m:t>
+                        </m:r>
+                      </m:e>
+                      <m:sub>
+                        <m:r>
+                          <a:rPr lang="fr-FR" sz="2400" i="1">
+                            <a:latin typeface="Cambria Math" panose="02040503050406030204" pitchFamily="18" charset="0"/>
+                          </a:rPr>
+                          <m:t>𝑚</m:t>
+                        </m:r>
+                      </m:sub>
+                    </m:sSub>
+                    <m:r>
+                      <a:rPr lang="fr-FR" sz="2400" b="0" i="1" smtClean="0">
+                        <a:latin typeface="Cambria Math" panose="02040503050406030204" pitchFamily="18" charset="0"/>
+                        <a:ea typeface="Cambria Math" panose="02040503050406030204" pitchFamily="18" charset="0"/>
+                      </a:rPr>
+                      <m:t>}</m:t>
+                    </m:r>
+                  </m:oMath>
+                </a14:m>
+                <a:r>
+                  <a:rPr lang="en-GB" sz="2400" dirty="0">
+                    <a:latin typeface="Avenir Book"/>
+                  </a:rPr>
+                  <a:t> </a:t>
+                </a:r>
+                <a:r>
+                  <a:rPr lang="en-GB" sz="2400" b="1" dirty="0">
+                    <a:latin typeface="Avenir Book"/>
+                  </a:rPr>
+                  <a:t>do</a:t>
+                </a:r>
+              </a:p>
+              <a:p>
+                <a:r>
+                  <a:rPr lang="en-GB" sz="2400" dirty="0">
+                    <a:latin typeface="Avenir Book"/>
+                  </a:rPr>
+                  <a:t>2 | Compute </a:t>
+                </a:r>
+                <a14:m>
+                  <m:oMath xmlns:m="http://schemas.openxmlformats.org/officeDocument/2006/math">
+                    <m:acc>
+                      <m:accPr>
+                        <m:chr m:val="̂"/>
+                        <m:ctrlPr>
+                          <a:rPr lang="fr-FR" sz="2400" i="1" smtClean="0">
+                            <a:solidFill>
+                              <a:schemeClr val="tx1"/>
+                            </a:solidFill>
+                            <a:latin typeface="Cambria Math" panose="02040503050406030204" pitchFamily="18" charset="0"/>
+                          </a:rPr>
+                        </m:ctrlPr>
+                      </m:accPr>
+                      <m:e>
+                        <m:r>
+                          <a:rPr lang="fr-FR" sz="2400" b="0" i="1" smtClean="0">
+                            <a:solidFill>
+                              <a:schemeClr val="tx1"/>
+                            </a:solidFill>
+                            <a:latin typeface="Cambria Math" panose="02040503050406030204" pitchFamily="18" charset="0"/>
+                          </a:rPr>
+                          <m:t>𝐹𝐷𝑃</m:t>
+                        </m:r>
+                      </m:e>
+                    </m:acc>
+                    <m:r>
+                      <a:rPr lang="fr-FR" sz="2400" b="0" i="1" smtClean="0">
+                        <a:solidFill>
+                          <a:schemeClr val="tx1"/>
+                        </a:solidFill>
+                        <a:latin typeface="Cambria Math" panose="02040503050406030204" pitchFamily="18" charset="0"/>
+                      </a:rPr>
+                      <m:t> </m:t>
+                    </m:r>
+                    <m:d>
+                      <m:dPr>
+                        <m:ctrlPr>
+                          <a:rPr lang="fr-FR" sz="2400" b="0" i="1" smtClean="0">
+                            <a:solidFill>
+                              <a:schemeClr val="tx1"/>
+                            </a:solidFill>
+                            <a:latin typeface="Cambria Math" panose="02040503050406030204" pitchFamily="18" charset="0"/>
+                          </a:rPr>
+                        </m:ctrlPr>
+                      </m:dPr>
+                      <m:e>
+                        <m:r>
+                          <a:rPr lang="fr-FR" sz="2400" b="0" i="1" smtClean="0">
+                            <a:solidFill>
+                              <a:schemeClr val="tx1"/>
+                            </a:solidFill>
+                            <a:latin typeface="Cambria Math" panose="02040503050406030204" pitchFamily="18" charset="0"/>
+                          </a:rPr>
+                          <m:t>𝑟</m:t>
+                        </m:r>
+                      </m:e>
+                    </m:d>
+                    <m:r>
+                      <a:rPr lang="fr-FR" sz="2400" b="0" i="1" smtClean="0">
+                        <a:solidFill>
+                          <a:schemeClr val="tx1"/>
+                        </a:solidFill>
+                        <a:latin typeface="Cambria Math" panose="02040503050406030204" pitchFamily="18" charset="0"/>
+                      </a:rPr>
+                      <m:t>= </m:t>
+                    </m:r>
+                    <m:f>
+                      <m:fPr>
+                        <m:ctrlPr>
+                          <a:rPr lang="fr-FR" sz="2400" b="0" i="1" smtClean="0">
+                            <a:solidFill>
+                              <a:schemeClr val="tx1"/>
+                            </a:solidFill>
+                            <a:latin typeface="Cambria Math" panose="02040503050406030204" pitchFamily="18" charset="0"/>
+                          </a:rPr>
+                        </m:ctrlPr>
+                      </m:fPr>
+                      <m:num>
+                        <m:r>
+                          <a:rPr lang="fr-FR" sz="2400" b="0" i="1" smtClean="0">
+                            <a:solidFill>
+                              <a:schemeClr val="tx1"/>
+                            </a:solidFill>
+                            <a:latin typeface="Cambria Math" panose="02040503050406030204" pitchFamily="18" charset="0"/>
+                          </a:rPr>
+                          <m:t>𝑚</m:t>
+                        </m:r>
+                        <m:r>
+                          <a:rPr lang="fr-FR" sz="2400" b="0" i="1" smtClean="0">
+                            <a:solidFill>
+                              <a:schemeClr val="tx1"/>
+                            </a:solidFill>
+                            <a:latin typeface="Cambria Math" panose="02040503050406030204" pitchFamily="18" charset="0"/>
+                          </a:rPr>
+                          <m:t>×</m:t>
+                        </m:r>
+                        <m:r>
+                          <a:rPr lang="fr-FR" sz="2400" b="0" i="1" smtClean="0">
+                            <a:solidFill>
+                              <a:schemeClr val="tx1"/>
+                            </a:solidFill>
+                            <a:latin typeface="Cambria Math" panose="02040503050406030204" pitchFamily="18" charset="0"/>
+                          </a:rPr>
+                          <m:t>𝑟</m:t>
+                        </m:r>
+                      </m:num>
+                      <m:den>
+                        <m:r>
+                          <a:rPr lang="fr-FR" sz="2400" b="0" i="1" smtClean="0">
+                            <a:solidFill>
+                              <a:schemeClr val="tx1"/>
+                            </a:solidFill>
+                            <a:latin typeface="Cambria Math" panose="02040503050406030204" pitchFamily="18" charset="0"/>
+                          </a:rPr>
+                          <m:t>#</m:t>
+                        </m:r>
+                        <m:r>
+                          <m:rPr>
+                            <m:nor/>
+                          </m:rPr>
+                          <a:rPr lang="en-GB" sz="2400" dirty="0">
+                            <a:latin typeface="Cambria Math" panose="02040503050406030204" pitchFamily="18" charset="0"/>
+                            <a:ea typeface="Cambria Math" panose="02040503050406030204" pitchFamily="18" charset="0"/>
+                          </a:rPr>
+                          <m:t>𝔉</m:t>
+                        </m:r>
+                        <m:d>
+                          <m:dPr>
+                            <m:ctrlPr>
+                              <a:rPr lang="fr-FR" sz="2400" b="0" i="1" dirty="0" smtClean="0">
+                                <a:latin typeface="Cambria Math" panose="02040503050406030204" pitchFamily="18" charset="0"/>
+                                <a:ea typeface="Cambria Math" panose="02040503050406030204" pitchFamily="18" charset="0"/>
+                              </a:rPr>
+                            </m:ctrlPr>
+                          </m:dPr>
+                          <m:e>
+                            <m:r>
+                              <a:rPr lang="fr-FR" sz="2400" b="0" i="1" dirty="0" smtClean="0">
+                                <a:latin typeface="Cambria Math" panose="02040503050406030204" pitchFamily="18" charset="0"/>
+                                <a:ea typeface="Cambria Math" panose="02040503050406030204" pitchFamily="18" charset="0"/>
+                              </a:rPr>
+                              <m:t> </m:t>
+                            </m:r>
+                            <m:d>
+                              <m:dPr>
+                                <m:begChr m:val="{"/>
+                                <m:endChr m:val="}"/>
+                                <m:ctrlPr>
+                                  <a:rPr lang="fr-FR" sz="2400" b="0" i="1" dirty="0" smtClean="0">
+                                    <a:latin typeface="Cambria Math" panose="02040503050406030204" pitchFamily="18" charset="0"/>
+                                    <a:ea typeface="Cambria Math" panose="02040503050406030204" pitchFamily="18" charset="0"/>
+                                  </a:rPr>
+                                </m:ctrlPr>
+                              </m:dPr>
+                              <m:e>
+                                <m:r>
+                                  <a:rPr lang="fr-FR" sz="2400" b="0" i="1" dirty="0" smtClean="0">
+                                    <a:latin typeface="Cambria Math" panose="02040503050406030204" pitchFamily="18" charset="0"/>
+                                    <a:ea typeface="Cambria Math" panose="02040503050406030204" pitchFamily="18" charset="0"/>
+                                  </a:rPr>
+                                  <m:t>𝑗</m:t>
+                                </m:r>
+                                <m:r>
+                                  <a:rPr lang="fr-FR" sz="2400" b="0" i="1" dirty="0" smtClean="0">
+                                    <a:latin typeface="Cambria Math" panose="02040503050406030204" pitchFamily="18" charset="0"/>
+                                    <a:ea typeface="Cambria Math" panose="02040503050406030204" pitchFamily="18" charset="0"/>
+                                  </a:rPr>
+                                  <m:t>:</m:t>
+                                </m:r>
+                                <m:sSub>
+                                  <m:sSubPr>
+                                    <m:ctrlPr>
+                                      <a:rPr lang="fr-FR" sz="2400" b="0" i="1" dirty="0" smtClean="0">
+                                        <a:latin typeface="Cambria Math" panose="02040503050406030204" pitchFamily="18" charset="0"/>
+                                        <a:ea typeface="Cambria Math" panose="02040503050406030204" pitchFamily="18" charset="0"/>
+                                      </a:rPr>
+                                    </m:ctrlPr>
+                                  </m:sSubPr>
+                                  <m:e>
+                                    <m:r>
+                                      <a:rPr lang="fr-FR" sz="2400" b="0" i="1" dirty="0" smtClean="0">
+                                        <a:latin typeface="Cambria Math" panose="02040503050406030204" pitchFamily="18" charset="0"/>
+                                        <a:ea typeface="Cambria Math" panose="02040503050406030204" pitchFamily="18" charset="0"/>
+                                      </a:rPr>
+                                      <m:t>𝑝</m:t>
+                                    </m:r>
+                                  </m:e>
+                                  <m:sub>
+                                    <m:r>
+                                      <a:rPr lang="fr-FR" sz="2400" b="0" i="1" dirty="0" smtClean="0">
+                                        <a:latin typeface="Cambria Math" panose="02040503050406030204" pitchFamily="18" charset="0"/>
+                                        <a:ea typeface="Cambria Math" panose="02040503050406030204" pitchFamily="18" charset="0"/>
+                                      </a:rPr>
+                                      <m:t>𝑗</m:t>
+                                    </m:r>
+                                  </m:sub>
+                                </m:sSub>
+                                <m:r>
+                                  <a:rPr lang="fr-FR" sz="2400" b="0" i="1" dirty="0" smtClean="0">
+                                    <a:latin typeface="Cambria Math" panose="02040503050406030204" pitchFamily="18" charset="0"/>
+                                    <a:ea typeface="Cambria Math" panose="02040503050406030204" pitchFamily="18" charset="0"/>
+                                  </a:rPr>
+                                  <m:t>≤</m:t>
+                                </m:r>
+                                <m:r>
+                                  <a:rPr lang="fr-FR" sz="2400" b="0" i="1" dirty="0" smtClean="0">
+                                    <a:latin typeface="Cambria Math" panose="02040503050406030204" pitchFamily="18" charset="0"/>
+                                    <a:ea typeface="Cambria Math" panose="02040503050406030204" pitchFamily="18" charset="0"/>
+                                  </a:rPr>
+                                  <m:t>𝑟</m:t>
+                                </m:r>
+                              </m:e>
+                            </m:d>
+                            <m:r>
+                              <a:rPr lang="fr-FR" sz="2400" b="0" i="1" dirty="0" smtClean="0">
+                                <a:latin typeface="Cambria Math" panose="02040503050406030204" pitchFamily="18" charset="0"/>
+                                <a:ea typeface="Cambria Math" panose="02040503050406030204" pitchFamily="18" charset="0"/>
+                              </a:rPr>
+                              <m:t>,</m:t>
+                            </m:r>
+                            <m:r>
+                              <a:rPr lang="fr-FR" sz="2400" b="1" i="1" dirty="0" smtClean="0">
+                                <a:latin typeface="Cambria Math" panose="02040503050406030204" pitchFamily="18" charset="0"/>
+                                <a:ea typeface="Cambria Math" panose="02040503050406030204" pitchFamily="18" charset="0"/>
+                              </a:rPr>
+                              <m:t>𝒑</m:t>
+                            </m:r>
+                            <m:r>
+                              <a:rPr lang="fr-FR" sz="2400" b="0" i="1" dirty="0" smtClean="0">
+                                <a:latin typeface="Cambria Math" panose="02040503050406030204" pitchFamily="18" charset="0"/>
+                                <a:ea typeface="Cambria Math" panose="02040503050406030204" pitchFamily="18" charset="0"/>
+                              </a:rPr>
+                              <m:t> </m:t>
+                            </m:r>
+                          </m:e>
+                        </m:d>
+                      </m:den>
+                    </m:f>
+                    <m:r>
+                      <a:rPr lang="fr-FR" sz="2400" b="0" i="1" smtClean="0">
+                        <a:solidFill>
+                          <a:schemeClr val="tx1"/>
+                        </a:solidFill>
+                        <a:latin typeface="Cambria Math" panose="02040503050406030204" pitchFamily="18" charset="0"/>
+                      </a:rPr>
+                      <m:t>;</m:t>
+                    </m:r>
+                  </m:oMath>
+                </a14:m>
+                <a:endParaRPr lang="en-GB" sz="2400" dirty="0">
+                  <a:latin typeface="Avenir Book"/>
+                </a:endParaRPr>
+              </a:p>
+              <a:p>
+                <a:r>
+                  <a:rPr lang="en-GB" sz="2400" dirty="0">
+                    <a:latin typeface="Avenir Book"/>
+                  </a:rPr>
+                  <a:t>3 </a:t>
+                </a:r>
+                <a:r>
+                  <a:rPr lang="en-GB" sz="2400" b="1" dirty="0">
+                    <a:latin typeface="Avenir Book"/>
+                  </a:rPr>
+                  <a:t>end for</a:t>
+                </a:r>
+              </a:p>
+              <a:p>
+                <a:r>
+                  <a:rPr lang="en-GB" sz="2400" dirty="0">
+                    <a:latin typeface="Avenir Book"/>
+                  </a:rPr>
+                  <a:t>4 Compute </a:t>
+                </a:r>
+                <a14:m>
+                  <m:oMath xmlns:m="http://schemas.openxmlformats.org/officeDocument/2006/math">
+                    <m:sSup>
+                      <m:sSupPr>
+                        <m:ctrlPr>
+                          <a:rPr lang="fr-FR" sz="2400" b="0" i="1" smtClean="0">
+                            <a:latin typeface="Cambria Math" panose="02040503050406030204" pitchFamily="18" charset="0"/>
+                          </a:rPr>
+                        </m:ctrlPr>
+                      </m:sSupPr>
+                      <m:e>
+                        <m:r>
+                          <a:rPr lang="fr-FR" sz="2400" b="0" i="1" smtClean="0">
+                            <a:latin typeface="Cambria Math" panose="02040503050406030204" pitchFamily="18" charset="0"/>
+                          </a:rPr>
+                          <m:t>𝑟</m:t>
+                        </m:r>
+                      </m:e>
+                      <m:sup>
+                        <m:r>
+                          <a:rPr lang="fr-FR" sz="2400" b="0" i="1" smtClean="0">
+                            <a:latin typeface="Cambria Math" panose="02040503050406030204" pitchFamily="18" charset="0"/>
+                          </a:rPr>
+                          <m:t>∗</m:t>
+                        </m:r>
+                      </m:sup>
+                    </m:sSup>
+                    <m:r>
+                      <a:rPr lang="fr-FR" sz="2400" b="0" i="1" smtClean="0">
+                        <a:latin typeface="Cambria Math" panose="02040503050406030204" pitchFamily="18" charset="0"/>
+                      </a:rPr>
+                      <m:t>=</m:t>
+                    </m:r>
+                    <m:func>
+                      <m:funcPr>
+                        <m:ctrlPr>
+                          <a:rPr lang="fr-FR" sz="2400" b="0" i="1" smtClean="0">
+                            <a:latin typeface="Cambria Math" panose="02040503050406030204" pitchFamily="18" charset="0"/>
+                          </a:rPr>
+                        </m:ctrlPr>
+                      </m:funcPr>
+                      <m:fName>
+                        <m:r>
+                          <m:rPr>
+                            <m:sty m:val="p"/>
+                          </m:rPr>
+                          <a:rPr lang="fr-FR" sz="2400" b="0" i="0" smtClean="0">
+                            <a:latin typeface="Cambria Math" panose="02040503050406030204" pitchFamily="18" charset="0"/>
+                          </a:rPr>
+                          <m:t>max</m:t>
+                        </m:r>
+                      </m:fName>
+                      <m:e>
+                        <m:d>
+                          <m:dPr>
+                            <m:begChr m:val="{"/>
+                            <m:endChr m:val="}"/>
+                            <m:ctrlPr>
+                              <a:rPr lang="fr-FR" sz="2400" b="0" i="1" smtClean="0">
+                                <a:latin typeface="Cambria Math" panose="02040503050406030204" pitchFamily="18" charset="0"/>
+                              </a:rPr>
+                            </m:ctrlPr>
+                          </m:dPr>
+                          <m:e>
+                            <m:r>
+                              <a:rPr lang="fr-FR" sz="2400" b="0" i="1" smtClean="0">
+                                <a:latin typeface="Cambria Math" panose="02040503050406030204" pitchFamily="18" charset="0"/>
+                              </a:rPr>
+                              <m:t>𝑟</m:t>
+                            </m:r>
+                            <m:r>
+                              <a:rPr lang="fr-FR" sz="2400" b="0" i="1" smtClean="0">
+                                <a:latin typeface="Cambria Math" panose="02040503050406030204" pitchFamily="18" charset="0"/>
+                              </a:rPr>
+                              <m:t>∈</m:t>
+                            </m:r>
+                            <m:d>
+                              <m:dPr>
+                                <m:begChr m:val="{"/>
+                                <m:endChr m:val="}"/>
+                                <m:ctrlPr>
+                                  <a:rPr lang="fr-FR" sz="2400" b="0" i="1" smtClean="0">
+                                    <a:latin typeface="Cambria Math" panose="02040503050406030204" pitchFamily="18" charset="0"/>
+                                  </a:rPr>
+                                </m:ctrlPr>
+                              </m:dPr>
+                              <m:e>
+                                <m:r>
+                                  <a:rPr lang="fr-FR" sz="2400" i="1">
+                                    <a:latin typeface="Cambria Math" panose="02040503050406030204" pitchFamily="18" charset="0"/>
+                                    <a:ea typeface="Cambria Math" panose="02040503050406030204" pitchFamily="18" charset="0"/>
+                                  </a:rPr>
+                                  <m:t>0,</m:t>
+                                </m:r>
+                                <m:sSub>
+                                  <m:sSubPr>
+                                    <m:ctrlPr>
+                                      <a:rPr lang="fr-FR" sz="2400" i="1">
+                                        <a:latin typeface="Cambria Math" panose="02040503050406030204" pitchFamily="18" charset="0"/>
+                                      </a:rPr>
+                                    </m:ctrlPr>
+                                  </m:sSubPr>
+                                  <m:e>
+                                    <m:r>
+                                      <a:rPr lang="fr-FR" sz="2400" i="1">
+                                        <a:latin typeface="Cambria Math" panose="02040503050406030204" pitchFamily="18" charset="0"/>
+                                      </a:rPr>
+                                      <m:t>𝑝</m:t>
+                                    </m:r>
+                                  </m:e>
+                                  <m:sub>
+                                    <m:r>
+                                      <a:rPr lang="fr-FR" sz="2400" i="1">
+                                        <a:latin typeface="Cambria Math" panose="02040503050406030204" pitchFamily="18" charset="0"/>
+                                      </a:rPr>
+                                      <m:t>1</m:t>
+                                    </m:r>
+                                  </m:sub>
+                                </m:sSub>
+                                <m:r>
+                                  <a:rPr lang="fr-FR" sz="2400" i="1">
+                                    <a:latin typeface="Cambria Math" panose="02040503050406030204" pitchFamily="18" charset="0"/>
+                                  </a:rPr>
+                                  <m:t>,…, </m:t>
+                                </m:r>
+                                <m:sSub>
+                                  <m:sSubPr>
+                                    <m:ctrlPr>
+                                      <a:rPr lang="fr-FR" sz="2400" i="1">
+                                        <a:latin typeface="Cambria Math" panose="02040503050406030204" pitchFamily="18" charset="0"/>
+                                      </a:rPr>
+                                    </m:ctrlPr>
+                                  </m:sSubPr>
+                                  <m:e>
+                                    <m:r>
+                                      <a:rPr lang="fr-FR" sz="2400" i="1">
+                                        <a:latin typeface="Cambria Math" panose="02040503050406030204" pitchFamily="18" charset="0"/>
+                                      </a:rPr>
+                                      <m:t>𝑝</m:t>
+                                    </m:r>
+                                  </m:e>
+                                  <m:sub>
+                                    <m:r>
+                                      <a:rPr lang="fr-FR" sz="2400" i="1">
+                                        <a:latin typeface="Cambria Math" panose="02040503050406030204" pitchFamily="18" charset="0"/>
+                                      </a:rPr>
+                                      <m:t>𝑚</m:t>
+                                    </m:r>
+                                  </m:sub>
+                                </m:sSub>
+                              </m:e>
+                            </m:d>
+                            <m:r>
+                              <a:rPr lang="fr-FR" sz="2400" b="0" i="1" smtClean="0">
+                                <a:latin typeface="Cambria Math" panose="02040503050406030204" pitchFamily="18" charset="0"/>
+                                <a:ea typeface="Cambria Math" panose="02040503050406030204" pitchFamily="18" charset="0"/>
+                              </a:rPr>
+                              <m:t>:</m:t>
+                            </m:r>
+                            <m:acc>
+                              <m:accPr>
+                                <m:chr m:val="̂"/>
+                                <m:ctrlPr>
+                                  <a:rPr lang="fr-FR" sz="2400" b="0" i="1" smtClean="0">
+                                    <a:latin typeface="Cambria Math" panose="02040503050406030204" pitchFamily="18" charset="0"/>
+                                    <a:ea typeface="Cambria Math" panose="02040503050406030204" pitchFamily="18" charset="0"/>
+                                  </a:rPr>
+                                </m:ctrlPr>
+                              </m:accPr>
+                              <m:e>
+                                <m:r>
+                                  <a:rPr lang="fr-FR" sz="2400" b="0" i="1" smtClean="0">
+                                    <a:latin typeface="Cambria Math" panose="02040503050406030204" pitchFamily="18" charset="0"/>
+                                    <a:ea typeface="Cambria Math" panose="02040503050406030204" pitchFamily="18" charset="0"/>
+                                  </a:rPr>
+                                  <m:t>𝐹𝐷𝑃</m:t>
+                                </m:r>
+                              </m:e>
+                            </m:acc>
+                            <m:d>
+                              <m:dPr>
+                                <m:ctrlPr>
+                                  <a:rPr lang="fr-FR" sz="2400" b="0" i="1" smtClean="0">
+                                    <a:latin typeface="Cambria Math" panose="02040503050406030204" pitchFamily="18" charset="0"/>
+                                    <a:ea typeface="Cambria Math" panose="02040503050406030204" pitchFamily="18" charset="0"/>
+                                  </a:rPr>
+                                </m:ctrlPr>
+                              </m:dPr>
+                              <m:e>
+                                <m:r>
+                                  <a:rPr lang="fr-FR" sz="2400" b="0" i="1" smtClean="0">
+                                    <a:latin typeface="Cambria Math" panose="02040503050406030204" pitchFamily="18" charset="0"/>
+                                    <a:ea typeface="Cambria Math" panose="02040503050406030204" pitchFamily="18" charset="0"/>
+                                  </a:rPr>
+                                  <m:t>𝑟</m:t>
+                                </m:r>
+                              </m:e>
+                            </m:d>
+                            <m:r>
+                              <a:rPr lang="fr-FR" sz="2400" b="0" i="1" smtClean="0">
+                                <a:latin typeface="Cambria Math" panose="02040503050406030204" pitchFamily="18" charset="0"/>
+                                <a:ea typeface="Cambria Math" panose="02040503050406030204" pitchFamily="18" charset="0"/>
+                              </a:rPr>
+                              <m:t>≤</m:t>
+                            </m:r>
+                            <m:r>
+                              <a:rPr lang="fr-FR" sz="2400" b="0" i="1" smtClean="0">
+                                <a:latin typeface="Cambria Math" panose="02040503050406030204" pitchFamily="18" charset="0"/>
+                                <a:ea typeface="Cambria Math" panose="02040503050406030204" pitchFamily="18" charset="0"/>
+                              </a:rPr>
+                              <m:t>𝛼</m:t>
+                            </m:r>
+                          </m:e>
+                        </m:d>
+                      </m:e>
+                    </m:func>
+                    <m:r>
+                      <a:rPr lang="fr-FR" sz="2400" b="0" i="1" smtClean="0">
+                        <a:latin typeface="Cambria Math" panose="02040503050406030204" pitchFamily="18" charset="0"/>
+                        <a:ea typeface="Cambria Math" panose="02040503050406030204" pitchFamily="18" charset="0"/>
+                      </a:rPr>
+                      <m:t>;</m:t>
+                    </m:r>
+                  </m:oMath>
+                </a14:m>
+                <a:endParaRPr lang="fr-FR" sz="2400" b="0" dirty="0">
+                  <a:latin typeface="Avenir Book"/>
+                </a:endParaRPr>
+              </a:p>
+              <a:p>
+                <a:r>
+                  <a:rPr lang="en-GB" sz="2400" dirty="0">
+                    <a:latin typeface="Avenir Book"/>
+                  </a:rPr>
+                  <a:t>5 Compute the classical BH rejection set </a:t>
+                </a:r>
+                <a14:m>
+                  <m:oMath xmlns:m="http://schemas.openxmlformats.org/officeDocument/2006/math">
+                    <m:r>
+                      <m:rPr>
+                        <m:nor/>
+                      </m:rPr>
+                      <a:rPr lang="en-GB" sz="2400" dirty="0">
+                        <a:latin typeface="Cambria Math" panose="02040503050406030204" pitchFamily="18" charset="0"/>
+                        <a:ea typeface="Cambria Math" panose="02040503050406030204" pitchFamily="18" charset="0"/>
+                      </a:rPr>
+                      <m:t>ℛ</m:t>
+                    </m:r>
+                    <m:r>
+                      <m:rPr>
+                        <m:nor/>
+                      </m:rPr>
+                      <a:rPr lang="fr-FR" sz="2400" b="0" i="0" dirty="0" smtClean="0">
+                        <a:latin typeface="Cambria Math" panose="02040503050406030204" pitchFamily="18" charset="0"/>
+                        <a:ea typeface="Cambria Math" panose="02040503050406030204" pitchFamily="18" charset="0"/>
+                      </a:rPr>
+                      <m:t>∗ </m:t>
+                    </m:r>
+                    <m:r>
+                      <a:rPr lang="fr-FR" sz="2400" b="0" i="1" dirty="0" smtClean="0">
+                        <a:latin typeface="Cambria Math" panose="02040503050406030204" pitchFamily="18" charset="0"/>
+                        <a:ea typeface="Cambria Math" panose="02040503050406030204" pitchFamily="18" charset="0"/>
+                      </a:rPr>
+                      <m:t>  </m:t>
+                    </m:r>
+                    <m:r>
+                      <a:rPr lang="fr-FR" sz="2400" b="0" i="1" smtClean="0">
+                        <a:latin typeface="Cambria Math" panose="02040503050406030204" pitchFamily="18" charset="0"/>
+                      </a:rPr>
+                      <m:t>=</m:t>
+                    </m:r>
+                    <m:d>
+                      <m:dPr>
+                        <m:begChr m:val="{"/>
+                        <m:endChr m:val="}"/>
+                        <m:ctrlPr>
+                          <a:rPr lang="fr-FR" sz="2400" b="0" i="1" smtClean="0">
+                            <a:latin typeface="Cambria Math" panose="02040503050406030204" pitchFamily="18" charset="0"/>
+                          </a:rPr>
+                        </m:ctrlPr>
+                      </m:dPr>
+                      <m:e>
+                        <m:r>
+                          <a:rPr lang="fr-FR" sz="2400" b="0" i="1" smtClean="0">
+                            <a:latin typeface="Cambria Math" panose="02040503050406030204" pitchFamily="18" charset="0"/>
+                          </a:rPr>
+                          <m:t>𝑗</m:t>
+                        </m:r>
+                        <m:r>
+                          <a:rPr lang="fr-FR" sz="2400" b="0" i="1" smtClean="0">
+                            <a:latin typeface="Cambria Math" panose="02040503050406030204" pitchFamily="18" charset="0"/>
+                          </a:rPr>
+                          <m:t>:</m:t>
+                        </m:r>
+                        <m:sSub>
+                          <m:sSubPr>
+                            <m:ctrlPr>
+                              <a:rPr lang="fr-FR" sz="2400" b="0" i="1" smtClean="0">
+                                <a:latin typeface="Cambria Math" panose="02040503050406030204" pitchFamily="18" charset="0"/>
+                              </a:rPr>
+                            </m:ctrlPr>
+                          </m:sSubPr>
+                          <m:e>
+                            <m:r>
+                              <a:rPr lang="fr-FR" sz="2400" b="0" i="1" smtClean="0">
+                                <a:latin typeface="Cambria Math" panose="02040503050406030204" pitchFamily="18" charset="0"/>
+                              </a:rPr>
+                              <m:t>𝑝</m:t>
+                            </m:r>
+                          </m:e>
+                          <m:sub>
+                            <m:r>
+                              <a:rPr lang="fr-FR" sz="2400" b="0" i="1" smtClean="0">
+                                <a:latin typeface="Cambria Math" panose="02040503050406030204" pitchFamily="18" charset="0"/>
+                              </a:rPr>
+                              <m:t>𝑗</m:t>
+                            </m:r>
+                          </m:sub>
+                        </m:sSub>
+                        <m:r>
+                          <a:rPr lang="fr-FR" sz="2400" b="0" i="1" smtClean="0">
+                            <a:latin typeface="Cambria Math" panose="02040503050406030204" pitchFamily="18" charset="0"/>
+                          </a:rPr>
+                          <m:t>≤</m:t>
+                        </m:r>
+                        <m:sSup>
+                          <m:sSupPr>
+                            <m:ctrlPr>
+                              <a:rPr lang="fr-FR" sz="2400" b="0" i="1" smtClean="0">
+                                <a:latin typeface="Cambria Math" panose="02040503050406030204" pitchFamily="18" charset="0"/>
+                              </a:rPr>
+                            </m:ctrlPr>
+                          </m:sSupPr>
+                          <m:e>
+                            <m:r>
+                              <a:rPr lang="fr-FR" sz="2400" b="0" i="1" smtClean="0">
+                                <a:latin typeface="Cambria Math" panose="02040503050406030204" pitchFamily="18" charset="0"/>
+                              </a:rPr>
+                              <m:t>𝑟</m:t>
+                            </m:r>
+                          </m:e>
+                          <m:sup>
+                            <m:r>
+                              <a:rPr lang="fr-FR" sz="2400" b="0" i="1" smtClean="0">
+                                <a:latin typeface="Cambria Math" panose="02040503050406030204" pitchFamily="18" charset="0"/>
+                              </a:rPr>
+                              <m:t>∗</m:t>
+                            </m:r>
+                          </m:sup>
+                        </m:sSup>
+                      </m:e>
+                    </m:d>
+                    <m:r>
+                      <a:rPr lang="fr-FR" sz="2400" b="0" i="1" smtClean="0">
+                        <a:latin typeface="Cambria Math" panose="02040503050406030204" pitchFamily="18" charset="0"/>
+                      </a:rPr>
+                      <m:t>;</m:t>
+                    </m:r>
+                  </m:oMath>
+                </a14:m>
+                <a:endParaRPr lang="en-GB" sz="2400" dirty="0">
+                  <a:latin typeface="Avenir Book"/>
+                </a:endParaRPr>
+              </a:p>
+              <a:p>
+                <a:r>
+                  <a:rPr lang="en-GB" sz="2400" dirty="0">
+                    <a:latin typeface="Avenir Book"/>
+                  </a:rPr>
+                  <a:t>6 Compute </a:t>
+                </a:r>
+                <a14:m>
+                  <m:oMath xmlns:m="http://schemas.openxmlformats.org/officeDocument/2006/math">
+                    <m:sSup>
+                      <m:sSupPr>
+                        <m:ctrlPr>
+                          <a:rPr lang="fr-FR" sz="2400" b="0" i="1" dirty="0" smtClean="0">
+                            <a:latin typeface="Cambria Math" panose="02040503050406030204" pitchFamily="18" charset="0"/>
+                            <a:ea typeface="Cambria Math" panose="02040503050406030204" pitchFamily="18" charset="0"/>
+                          </a:rPr>
+                        </m:ctrlPr>
+                      </m:sSupPr>
+                      <m:e>
+                        <m:r>
+                          <a:rPr lang="en-GB" sz="2400" i="1" dirty="0" smtClean="0">
+                            <a:latin typeface="Cambria Math" panose="02040503050406030204" pitchFamily="18" charset="0"/>
+                            <a:ea typeface="Cambria Math" panose="02040503050406030204" pitchFamily="18" charset="0"/>
+                          </a:rPr>
+                          <m:t>𝔘</m:t>
+                        </m:r>
+                      </m:e>
+                      <m:sup>
+                        <m:r>
+                          <a:rPr lang="fr-FR" sz="2400" b="0" i="1" dirty="0" smtClean="0">
+                            <a:latin typeface="Cambria Math" panose="02040503050406030204" pitchFamily="18" charset="0"/>
+                            <a:ea typeface="Cambria Math" panose="02040503050406030204" pitchFamily="18" charset="0"/>
+                          </a:rPr>
+                          <m:t>∗</m:t>
+                        </m:r>
+                      </m:sup>
+                    </m:sSup>
+                    <m:r>
+                      <a:rPr lang="fr-FR" sz="2400" b="0" i="1" dirty="0" smtClean="0">
+                        <a:latin typeface="Cambria Math" panose="02040503050406030204" pitchFamily="18" charset="0"/>
+                        <a:ea typeface="Cambria Math" panose="02040503050406030204" pitchFamily="18" charset="0"/>
+                      </a:rPr>
+                      <m:t>=</m:t>
+                    </m:r>
+                    <m:r>
+                      <m:rPr>
+                        <m:nor/>
+                      </m:rPr>
+                      <a:rPr lang="en-GB" sz="2400" dirty="0">
+                        <a:latin typeface="Cambria Math" panose="02040503050406030204" pitchFamily="18" charset="0"/>
+                        <a:ea typeface="Cambria Math" panose="02040503050406030204" pitchFamily="18" charset="0"/>
+                      </a:rPr>
+                      <m:t>𝔉</m:t>
+                    </m:r>
+                    <m:r>
+                      <m:rPr>
+                        <m:nor/>
+                      </m:rPr>
+                      <a:rPr lang="fr-FR" sz="2400" b="0" i="0" dirty="0" smtClean="0">
+                        <a:latin typeface="Cambria Math" panose="02040503050406030204" pitchFamily="18" charset="0"/>
+                        <a:ea typeface="Cambria Math" panose="02040503050406030204" pitchFamily="18" charset="0"/>
+                      </a:rPr>
+                      <m:t>(</m:t>
+                    </m:r>
+                    <m:r>
+                      <m:rPr>
+                        <m:nor/>
+                      </m:rPr>
+                      <a:rPr lang="en-GB" sz="2400" dirty="0">
+                        <a:latin typeface="Cambria Math" panose="02040503050406030204" pitchFamily="18" charset="0"/>
+                        <a:ea typeface="Cambria Math" panose="02040503050406030204" pitchFamily="18" charset="0"/>
+                      </a:rPr>
+                      <m:t>ℛ</m:t>
+                    </m:r>
+                    <m:r>
+                      <m:rPr>
+                        <m:nor/>
+                      </m:rPr>
+                      <a:rPr lang="fr-FR" sz="2400" dirty="0">
+                        <a:latin typeface="Cambria Math" panose="02040503050406030204" pitchFamily="18" charset="0"/>
+                        <a:ea typeface="Cambria Math" panose="02040503050406030204" pitchFamily="18" charset="0"/>
+                      </a:rPr>
+                      <m:t>∗</m:t>
+                    </m:r>
+                    <m:r>
+                      <m:rPr>
+                        <m:nor/>
+                      </m:rPr>
+                      <a:rPr lang="fr-FR" sz="2400" b="0" i="0" dirty="0" smtClean="0">
+                        <a:latin typeface="Cambria Math" panose="02040503050406030204" pitchFamily="18" charset="0"/>
+                        <a:ea typeface="Cambria Math" panose="02040503050406030204" pitchFamily="18" charset="0"/>
+                      </a:rPr>
+                      <m:t>, </m:t>
+                    </m:r>
+                    <m:r>
+                      <m:rPr>
+                        <m:nor/>
+                      </m:rPr>
+                      <a:rPr lang="fr-FR" sz="2400" b="1" i="1" dirty="0" smtClean="0">
+                        <a:latin typeface="Cambria Math" panose="02040503050406030204" pitchFamily="18" charset="0"/>
+                        <a:ea typeface="Cambria Math" panose="02040503050406030204" pitchFamily="18" charset="0"/>
+                      </a:rPr>
+                      <m:t>p</m:t>
+                    </m:r>
+                    <m:r>
+                      <m:rPr>
+                        <m:nor/>
+                      </m:rPr>
+                      <a:rPr lang="fr-FR" sz="2400" b="0" i="0" dirty="0" smtClean="0">
+                        <a:latin typeface="Cambria Math" panose="02040503050406030204" pitchFamily="18" charset="0"/>
+                        <a:ea typeface="Cambria Math" panose="02040503050406030204" pitchFamily="18" charset="0"/>
+                      </a:rPr>
+                      <m:t>);</m:t>
+                    </m:r>
+                  </m:oMath>
+                </a14:m>
+                <a:endParaRPr lang="en-GB" sz="2400" dirty="0">
+                  <a:latin typeface="Avenir Book"/>
+                </a:endParaRPr>
+              </a:p>
+              <a:p>
+                <a:r>
+                  <a:rPr lang="en-GB" sz="2400" b="1" dirty="0">
+                    <a:latin typeface="Avenir Book"/>
+                  </a:rPr>
+                  <a:t>	Result</a:t>
+                </a:r>
+                <a:r>
+                  <a:rPr lang="en-GB" sz="2400" dirty="0">
+                    <a:latin typeface="Avenir Book"/>
+                  </a:rPr>
+                  <a:t> : Filtered rejection set </a:t>
+                </a:r>
+                <a14:m>
+                  <m:oMath xmlns:m="http://schemas.openxmlformats.org/officeDocument/2006/math">
+                    <m:sSup>
+                      <m:sSupPr>
+                        <m:ctrlPr>
+                          <a:rPr lang="fr-FR" sz="2400" b="0" i="1" dirty="0" smtClean="0">
+                            <a:latin typeface="Cambria Math" panose="02040503050406030204" pitchFamily="18" charset="0"/>
+                            <a:ea typeface="Cambria Math" panose="02040503050406030204" pitchFamily="18" charset="0"/>
+                          </a:rPr>
+                        </m:ctrlPr>
+                      </m:sSupPr>
+                      <m:e>
+                        <m:r>
+                          <a:rPr lang="en-GB" sz="2400" i="1" dirty="0" smtClean="0">
+                            <a:latin typeface="Cambria Math" panose="02040503050406030204" pitchFamily="18" charset="0"/>
+                            <a:ea typeface="Cambria Math" panose="02040503050406030204" pitchFamily="18" charset="0"/>
+                          </a:rPr>
+                          <m:t>𝔘</m:t>
+                        </m:r>
+                      </m:e>
+                      <m:sup>
+                        <m:r>
+                          <a:rPr lang="fr-FR" sz="2400" b="0" i="1" dirty="0" smtClean="0">
+                            <a:latin typeface="Cambria Math" panose="02040503050406030204" pitchFamily="18" charset="0"/>
+                            <a:ea typeface="Cambria Math" panose="02040503050406030204" pitchFamily="18" charset="0"/>
+                          </a:rPr>
+                          <m:t>∗</m:t>
+                        </m:r>
+                      </m:sup>
+                    </m:sSup>
+                  </m:oMath>
+                </a14:m>
+                <a:endParaRPr lang="en-GB" sz="2400" dirty="0">
+                  <a:latin typeface="Avenir Book"/>
+                </a:endParaRPr>
+              </a:p>
+              <a:p>
+                <a:pPr algn="just"/>
+                <a:r>
+                  <a:rPr lang="en-GB" sz="2400" dirty="0">
+                    <a:latin typeface="Avenir Book"/>
+                  </a:rPr>
+                  <a:t>In the case of Volcano plots, we shall select </a:t>
+                </a:r>
+                <a:r>
+                  <a:rPr lang="en-GB" sz="2400" dirty="0">
+                    <a:latin typeface="Cambria Math" panose="02040503050406030204" pitchFamily="18" charset="0"/>
+                    <a:ea typeface="Cambria Math" panose="02040503050406030204" pitchFamily="18" charset="0"/>
+                  </a:rPr>
+                  <a:t>𝔉 such that it selects the </a:t>
+                </a:r>
+                <a14:m>
+                  <m:oMath xmlns:m="http://schemas.openxmlformats.org/officeDocument/2006/math">
+                    <m:r>
+                      <a:rPr lang="fr-FR" sz="2400" b="0" i="1" smtClean="0">
+                        <a:latin typeface="Cambria Math" panose="02040503050406030204" pitchFamily="18" charset="0"/>
+                        <a:ea typeface="Cambria Math" panose="02040503050406030204" pitchFamily="18" charset="0"/>
+                      </a:rPr>
+                      <m:t>𝑘</m:t>
+                    </m:r>
+                  </m:oMath>
+                </a14:m>
+                <a:r>
+                  <a:rPr lang="en-GB" sz="2400" dirty="0">
+                    <a:latin typeface="Cambria Math" panose="02040503050406030204" pitchFamily="18" charset="0"/>
+                    <a:ea typeface="Cambria Math" panose="02040503050406030204" pitchFamily="18" charset="0"/>
+                  </a:rPr>
+                  <a:t> largest </a:t>
+                </a:r>
+                <a14:m>
+                  <m:oMath xmlns:m="http://schemas.openxmlformats.org/officeDocument/2006/math">
+                    <m:r>
+                      <a:rPr lang="fr-FR" sz="2400" b="0" i="0" smtClean="0">
+                        <a:latin typeface="Cambria Math" panose="02040503050406030204" pitchFamily="18" charset="0"/>
+                      </a:rPr>
+                      <m:t>|</m:t>
+                    </m:r>
+                    <m:sSub>
+                      <m:sSubPr>
+                        <m:ctrlPr>
+                          <a:rPr lang="fr-FR" sz="2400" b="0" i="1" smtClean="0">
+                            <a:latin typeface="Cambria Math" panose="02040503050406030204" pitchFamily="18" charset="0"/>
+                          </a:rPr>
+                        </m:ctrlPr>
+                      </m:sSubPr>
+                      <m:e>
+                        <m:acc>
+                          <m:accPr>
+                            <m:chr m:val="̂"/>
+                            <m:ctrlPr>
+                              <a:rPr lang="fr-FR" sz="2400" i="1">
+                                <a:latin typeface="Cambria Math" panose="02040503050406030204" pitchFamily="18" charset="0"/>
+                              </a:rPr>
+                            </m:ctrlPr>
+                          </m:accPr>
+                          <m:e>
+                            <m:r>
+                              <a:rPr lang="fr-FR" sz="2400" i="1">
+                                <a:latin typeface="Cambria Math" panose="02040503050406030204" pitchFamily="18" charset="0"/>
+                              </a:rPr>
+                              <m:t>𝛽</m:t>
+                            </m:r>
+                          </m:e>
+                        </m:acc>
+                      </m:e>
+                      <m:sub>
+                        <m:r>
+                          <a:rPr lang="fr-FR" sz="2400" b="0" i="1" smtClean="0">
+                            <a:latin typeface="Cambria Math" panose="02040503050406030204" pitchFamily="18" charset="0"/>
+                          </a:rPr>
+                          <m:t>𝑖</m:t>
+                        </m:r>
+                      </m:sub>
+                    </m:sSub>
+                    <m:r>
+                      <a:rPr lang="fr-FR" sz="2400" b="0" i="1" smtClean="0">
+                        <a:latin typeface="Cambria Math" panose="02040503050406030204" pitchFamily="18" charset="0"/>
+                      </a:rPr>
+                      <m:t>|</m:t>
+                    </m:r>
+                  </m:oMath>
+                </a14:m>
+                <a:r>
+                  <a:rPr lang="en-GB" sz="2400" dirty="0">
+                    <a:latin typeface="Cambria Math" panose="02040503050406030204" pitchFamily="18" charset="0"/>
+                    <a:ea typeface="Cambria Math" panose="02040503050406030204" pitchFamily="18" charset="0"/>
+                  </a:rPr>
+                  <a:t> or all the </a:t>
+                </a:r>
+                <a14:m>
+                  <m:oMath xmlns:m="http://schemas.openxmlformats.org/officeDocument/2006/math">
+                    <m:r>
+                      <a:rPr lang="fr-FR" sz="2400">
+                        <a:latin typeface="Cambria Math" panose="02040503050406030204" pitchFamily="18" charset="0"/>
+                      </a:rPr>
+                      <m:t>|</m:t>
+                    </m:r>
+                    <m:sSub>
+                      <m:sSubPr>
+                        <m:ctrlPr>
+                          <a:rPr lang="fr-FR" sz="2400" i="1">
+                            <a:latin typeface="Cambria Math" panose="02040503050406030204" pitchFamily="18" charset="0"/>
+                          </a:rPr>
+                        </m:ctrlPr>
+                      </m:sSubPr>
+                      <m:e>
+                        <m:acc>
+                          <m:accPr>
+                            <m:chr m:val="̂"/>
+                            <m:ctrlPr>
+                              <a:rPr lang="fr-FR" sz="2400" i="1">
+                                <a:latin typeface="Cambria Math" panose="02040503050406030204" pitchFamily="18" charset="0"/>
+                              </a:rPr>
+                            </m:ctrlPr>
+                          </m:accPr>
+                          <m:e>
+                            <m:r>
+                              <a:rPr lang="fr-FR" sz="2400" i="1">
+                                <a:latin typeface="Cambria Math" panose="02040503050406030204" pitchFamily="18" charset="0"/>
+                              </a:rPr>
+                              <m:t>𝛽</m:t>
+                            </m:r>
+                          </m:e>
+                        </m:acc>
+                      </m:e>
+                      <m:sub>
+                        <m:r>
+                          <a:rPr lang="fr-FR" sz="2400" i="1">
+                            <a:latin typeface="Cambria Math" panose="02040503050406030204" pitchFamily="18" charset="0"/>
+                          </a:rPr>
+                          <m:t>𝑖</m:t>
+                        </m:r>
+                      </m:sub>
+                    </m:sSub>
+                    <m:r>
+                      <a:rPr lang="fr-FR" sz="2400" i="1">
+                        <a:latin typeface="Cambria Math" panose="02040503050406030204" pitchFamily="18" charset="0"/>
+                      </a:rPr>
+                      <m:t>|</m:t>
+                    </m:r>
+                  </m:oMath>
+                </a14:m>
+                <a:r>
+                  <a:rPr lang="en-GB" sz="2400" dirty="0">
+                    <a:latin typeface="Cambria Math" panose="02040503050406030204" pitchFamily="18" charset="0"/>
+                    <a:ea typeface="Cambria Math" panose="02040503050406030204" pitchFamily="18" charset="0"/>
+                  </a:rPr>
+                  <a:t> above a certain threshold </a:t>
+                </a:r>
+                <a14:m>
+                  <m:oMath xmlns:m="http://schemas.openxmlformats.org/officeDocument/2006/math">
+                    <m:r>
+                      <a:rPr lang="fr-FR" sz="2400" b="0" i="1" smtClean="0">
+                        <a:latin typeface="Cambria Math" panose="02040503050406030204" pitchFamily="18" charset="0"/>
+                        <a:ea typeface="Cambria Math" panose="02040503050406030204" pitchFamily="18" charset="0"/>
+                      </a:rPr>
+                      <m:t>𝜏</m:t>
+                    </m:r>
+                  </m:oMath>
+                </a14:m>
+                <a:r>
+                  <a:rPr lang="en-GB" sz="2400" dirty="0">
+                    <a:latin typeface="Avenir Book"/>
+                  </a:rPr>
+                  <a:t>.</a:t>
+                </a:r>
+              </a:p>
+            </p:txBody>
+          </p:sp>
+        </mc:Choice>
+        <mc:Fallback>
+          <p:sp>
+            <p:nvSpPr>
+              <p:cNvPr id="19" name="ZoneTexte 18">
+                <a:extLst>
+                  <a:ext uri="{FF2B5EF4-FFF2-40B4-BE49-F238E27FC236}">
+                    <a16:creationId xmlns:a16="http://schemas.microsoft.com/office/drawing/2014/main" id="{5A519638-5B50-4903-831F-3DEA7A4F545F}"/>
+                  </a:ext>
+                </a:extLst>
+              </p:cNvPr>
+              <p:cNvSpPr txBox="1">
+                <a:spLocks noRot="1" noChangeAspect="1" noMove="1" noResize="1" noEditPoints="1" noAdjustHandles="1" noChangeArrowheads="1" noChangeShapeType="1" noTextEdit="1"/>
+              </p:cNvSpPr>
+              <p:nvPr/>
+            </p:nvSpPr>
+            <p:spPr>
+              <a:xfrm>
+                <a:off x="8532916" y="8959984"/>
+                <a:ext cx="9195839" cy="5237011"/>
+              </a:xfrm>
+              <a:prstGeom prst="rect">
+                <a:avLst/>
+              </a:prstGeom>
+              <a:blipFill>
+                <a:blip r:embed="rId7"/>
+                <a:stretch>
+                  <a:fillRect l="-1061" t="-931" r="-995" b="-1746"/>
+                </a:stretch>
+              </a:blipFill>
+            </p:spPr>
+            <p:txBody>
+              <a:bodyPr/>
+              <a:lstStyle/>
+              <a:p>
+                <a:r>
+                  <a:rPr lang="fr-FR">
+                    <a:noFill/>
+                  </a:rPr>
+                  <a:t> </a:t>
+                </a:r>
+              </a:p>
+            </p:txBody>
+          </p:sp>
+        </mc:Fallback>
+      </mc:AlternateContent>
+      <p:pic>
+        <p:nvPicPr>
+          <p:cNvPr id="3" name="Image 2">
+            <a:extLst>
+              <a:ext uri="{FF2B5EF4-FFF2-40B4-BE49-F238E27FC236}">
+                <a16:creationId xmlns:a16="http://schemas.microsoft.com/office/drawing/2014/main" id="{763EFD43-5B1A-46E2-ACD4-EA71DFE492D4}"/>
+              </a:ext>
+            </a:extLst>
+          </p:cNvPr>
+          <p:cNvPicPr>
+            <a:picLocks noChangeAspect="1"/>
+          </p:cNvPicPr>
+          <p:nvPr/>
+        </p:nvPicPr>
+        <p:blipFill>
+          <a:blip r:embed="rId8"/>
+          <a:stretch>
+            <a:fillRect/>
+          </a:stretch>
+        </p:blipFill>
+        <p:spPr>
+          <a:xfrm>
+            <a:off x="5183286" y="9108390"/>
+            <a:ext cx="2760923" cy="647473"/>
+          </a:xfrm>
+          <a:prstGeom prst="rect">
+            <a:avLst/>
+          </a:prstGeom>
+        </p:spPr>
+      </p:pic>
+      <p:grpSp>
+        <p:nvGrpSpPr>
+          <p:cNvPr id="7" name="Groupe 6">
+            <a:extLst>
+              <a:ext uri="{FF2B5EF4-FFF2-40B4-BE49-F238E27FC236}">
+                <a16:creationId xmlns:a16="http://schemas.microsoft.com/office/drawing/2014/main" id="{2C77C3F0-6856-40B5-BDE4-9957905D09D7}"/>
+              </a:ext>
+            </a:extLst>
+          </p:cNvPr>
+          <p:cNvGrpSpPr/>
+          <p:nvPr/>
+        </p:nvGrpSpPr>
+        <p:grpSpPr>
+          <a:xfrm>
+            <a:off x="18020101" y="2720337"/>
+            <a:ext cx="11916465" cy="8239926"/>
+            <a:chOff x="18547466" y="6680423"/>
+            <a:chExt cx="11577427" cy="8239926"/>
+          </a:xfrm>
+        </p:grpSpPr>
+        <p:sp>
+          <p:nvSpPr>
+            <p:cNvPr id="33" name="ZoneTexte 32">
+              <a:extLst>
+                <a:ext uri="{FF2B5EF4-FFF2-40B4-BE49-F238E27FC236}">
+                  <a16:creationId xmlns:a16="http://schemas.microsoft.com/office/drawing/2014/main" id="{F7C61CB4-222E-4FC9-B885-986B784DB679}"/>
+                </a:ext>
+              </a:extLst>
+            </p:cNvPr>
+            <p:cNvSpPr txBox="1"/>
+            <p:nvPr/>
+          </p:nvSpPr>
+          <p:spPr>
+            <a:xfrm>
+              <a:off x="18547466" y="6680423"/>
+              <a:ext cx="11577427" cy="4154984"/>
+            </a:xfrm>
+            <a:prstGeom prst="rect">
+              <a:avLst/>
+            </a:prstGeom>
+            <a:noFill/>
+          </p:spPr>
+          <p:txBody>
+            <a:bodyPr wrap="square">
+              <a:spAutoFit/>
+            </a:bodyPr>
+            <a:lstStyle/>
+            <a:p>
+              <a:pPr algn="just"/>
+              <a:r>
+                <a:rPr lang="en-GB" sz="2400" dirty="0">
+                  <a:latin typeface="Avenir Book"/>
+                </a:rPr>
+                <a:t>In the real case study, the database contains 49 individuals and 58037 genes. Authors use a resampling method with 6 individuals for the test sample and 37 individuals for the validation sample. If among the 37 individuals there are significant genes for BH (adjusted P-value for BH &lt;0.05) then they are considered differentially expressed. </a:t>
+              </a:r>
+            </a:p>
+            <a:p>
+              <a:pPr marL="342900" indent="-342900" algn="just">
+                <a:buClr>
+                  <a:srgbClr val="F5584E"/>
+                </a:buClr>
+                <a:buFont typeface="Wingdings" panose="05000000000000000000" pitchFamily="2" charset="2"/>
+                <a:buChar char="Ø"/>
+              </a:pPr>
+              <a:r>
+                <a:rPr lang="en-GB" sz="2400" dirty="0">
+                  <a:latin typeface="Avenir Book"/>
+                </a:rPr>
+                <a:t>If differentially expressed gene in the validation and test sample → true positive (TP); </a:t>
+              </a:r>
+            </a:p>
+            <a:p>
+              <a:pPr marL="342900" indent="-342900" algn="just">
+                <a:buClr>
+                  <a:srgbClr val="F5584E"/>
+                </a:buClr>
+                <a:buFont typeface="Wingdings" panose="05000000000000000000" pitchFamily="2" charset="2"/>
+                <a:buChar char="Ø"/>
+              </a:pPr>
+              <a:r>
+                <a:rPr lang="en-GB" sz="2400" dirty="0">
+                  <a:latin typeface="Avenir Book"/>
+                </a:rPr>
+                <a:t>If gene differentially expressed in the validation sample and not differentially expressed in the test sample (or vice versa) → false positive (FP); </a:t>
+              </a:r>
+            </a:p>
+            <a:p>
+              <a:pPr marL="342900" indent="-342900" algn="just">
+                <a:buClr>
+                  <a:srgbClr val="F5584E"/>
+                </a:buClr>
+                <a:buFont typeface="Wingdings" panose="05000000000000000000" pitchFamily="2" charset="2"/>
+                <a:buChar char="Ø"/>
+              </a:pPr>
+              <a:r>
+                <a:rPr lang="en-GB" sz="2400" dirty="0">
+                  <a:latin typeface="Avenir Book"/>
+                </a:rPr>
+                <a:t>If gene not differentially expressed in validation and test sample → true negative (TN).</a:t>
+              </a:r>
+            </a:p>
+            <a:p>
+              <a:pPr algn="just"/>
+              <a:r>
+                <a:rPr lang="en-GB" sz="2400" dirty="0">
+                  <a:latin typeface="Avenir Book"/>
+                </a:rPr>
+                <a:t>17% of the genes selected by the Volcano plot in the test sample were not significant in the validation. Filtering the results may lead to FDP inflation and that a large effect size does not necessarily imply that the result is a true positive. </a:t>
+              </a:r>
+            </a:p>
+          </p:txBody>
+        </p:sp>
+        <p:pic>
+          <p:nvPicPr>
+            <p:cNvPr id="18" name="Image 17">
+              <a:extLst>
+                <a:ext uri="{FF2B5EF4-FFF2-40B4-BE49-F238E27FC236}">
+                  <a16:creationId xmlns:a16="http://schemas.microsoft.com/office/drawing/2014/main" id="{83BFB49B-EAEF-457B-AB5F-AC2D15A0EF39}"/>
+                </a:ext>
+              </a:extLst>
+            </p:cNvPr>
+            <p:cNvPicPr>
+              <a:picLocks noChangeAspect="1"/>
+            </p:cNvPicPr>
+            <p:nvPr/>
+          </p:nvPicPr>
+          <p:blipFill>
+            <a:blip r:embed="rId9"/>
+            <a:stretch>
+              <a:fillRect/>
+            </a:stretch>
+          </p:blipFill>
+          <p:spPr>
+            <a:xfrm>
+              <a:off x="18630192" y="10937159"/>
+              <a:ext cx="8079494" cy="3983190"/>
+            </a:xfrm>
+            <a:prstGeom prst="rect">
+              <a:avLst/>
+            </a:prstGeom>
+          </p:spPr>
+        </p:pic>
       </p:grpSp>
       <p:sp>
         <p:nvSpPr>
@@ -6434,8 +6411,8 @@
           </a:p>
         </p:txBody>
       </p:sp>
-      <mc:AlternateContent xmlns:mc="http://schemas.openxmlformats.org/markup-compatibility/2006" xmlns:a14="http://schemas.microsoft.com/office/drawing/2010/main">
-        <mc:Choice Requires="a14">
+      <mc:AlternateContent xmlns:mc="http://schemas.openxmlformats.org/markup-compatibility/2006">
+        <mc:Choice xmlns:a14="http://schemas.microsoft.com/office/drawing/2010/main" Requires="a14">
           <p:sp>
             <p:nvSpPr>
               <p:cNvPr id="45" name="ZoneTexte 44">
@@ -6469,7 +6446,7 @@
                   <a:rPr lang="en-GB" sz="2400" dirty="0">
                     <a:latin typeface="Avenir Book"/>
                   </a:rPr>
-                  <a:t>Nothing guarantee that a FDR-controlled subset is FDR-controlled itself. Intuitively, in the case of volcano plots, we can see that the denominator of the FDP will be reduced because we discard features with lesser effect size but the numerator (i.e. the number of false positives) may not decrease at the same rate. Situations where it doesn’t work includes:</a:t>
+                  <a:t>Nothing guarantee that a FDR-controlled subset is FDR-controlled itself. Intuitively, in the case of Volcano plots, we can see that the denominator of the FDP will be reduced because we discard features with lesser effect size but the numerator (i.e. the number of false positives) may not decrease at the same rate. Situations where it doesn’t work includes:</a:t>
                 </a:r>
               </a:p>
               <a:p>
@@ -6786,7 +6763,7 @@
                   <a:rPr lang="en-GB" sz="2400" dirty="0">
                     <a:latin typeface="Avenir Book"/>
                   </a:rPr>
-                  <a:t>Two approaches are proposed to overcome this weakness, the Focused Benjamini-Hochberg and the Closed testing.</a:t>
+                  <a:t>Two approaches are proposed to overcome this weakness, the Focused BH and the Closed testing.</a:t>
                 </a:r>
               </a:p>
               <a:p>
@@ -6807,7 +6784,7 @@
             </p:txBody>
           </p:sp>
         </mc:Choice>
-        <mc:Fallback xmlns="">
+        <mc:Fallback>
           <p:sp>
             <p:nvSpPr>
               <p:cNvPr id="45" name="ZoneTexte 44">
@@ -6866,8 +6843,8 @@
         </p:nvSpPr>
         <p:spPr>
           <a:xfrm>
-            <a:off x="9897194" y="8220141"/>
-            <a:ext cx="6443556" cy="692497"/>
+            <a:off x="9399819" y="8220141"/>
+            <a:ext cx="7438306" cy="692497"/>
           </a:xfrm>
           <a:prstGeom prst="rect">
             <a:avLst/>
@@ -6891,7 +6868,7 @@
                 </a:solidFill>
                 <a:latin typeface="Avenir Book"/>
               </a:rPr>
-              <a:t>Focused Benjamini-Hochberg</a:t>
+              <a:t>Focused Benjamini-Hochberg (FBH)</a:t>
             </a:r>
           </a:p>
         </p:txBody>
@@ -7169,7 +7146,7 @@
                   <a:rPr lang="en-GB" sz="2400" dirty="0">
                     <a:latin typeface="Avenir Book"/>
                   </a:rPr>
-                  <a:t>Closed testing procedure is valid aver all subsets of D. That insures us that the procedure works even with double filtration like volcano plots. The procedure works as follow:</a:t>
+                  <a:t>Closed testing procedure is valid aver all subsets of D. That insures us that the procedure works even with double filtration like Volcano plots. The procedure works as follow:</a:t>
                 </a:r>
               </a:p>
               <a:p>
@@ -7413,7 +7390,7 @@
                   <a:rPr lang="en-GB" sz="2400" dirty="0">
                     <a:latin typeface="Avenir Book"/>
                   </a:rPr>
-                  <a:t> the volcano plot subset</a:t>
+                  <a:t> the Volcano plot subset</a:t>
                 </a:r>
                 <a:endParaRPr lang="en-GB" sz="2400" dirty="0">
                   <a:latin typeface="Avenir Book"/>
@@ -7702,7 +7679,7 @@
               <a:p>
                 <a:pPr algn="just"/>
                 <a:r>
-                  <a:rPr lang="en-GB" sz="2400">
+                  <a:rPr lang="en-GB" sz="2400" dirty="0">
                     <a:latin typeface="Avenir Book"/>
                   </a:rPr>
                   <a:t>2 Let </a:t>
@@ -8277,7 +8254,7 @@
                   <a:rPr lang="en-GB" sz="2400" dirty="0">
                     <a:latin typeface="Avenir Book"/>
                   </a:rPr>
-                  <a:t>, the FDP bounded volcano plot set </a:t>
+                  <a:t>, the FDP bounded Volcano plot set </a:t>
                 </a:r>
               </a:p>
             </p:txBody>
@@ -8434,55 +8411,13 @@
               <a:rPr lang="en-GB" sz="2400" dirty="0">
                 <a:latin typeface="Avenir Book"/>
               </a:rPr>
-              <a:t>When we use  the Closed testing method,  we obtain an estimate </a:t>
-            </a:r>
-            <a:r>
-              <a:rPr lang="en-GB" sz="2400" dirty="0" err="1">
-                <a:latin typeface="Avenir Book"/>
-              </a:rPr>
-              <a:t>medianFDP</a:t>
-            </a:r>
-            <a:r>
-              <a:rPr lang="en-GB" sz="2400" dirty="0">
-                <a:latin typeface="Avenir Book"/>
-              </a:rPr>
-              <a:t> equals to 12%, that is better than the previous Benjamini-Hochberg method (17%). It is also closer to the expected value because the </a:t>
-            </a:r>
-            <a:r>
-              <a:rPr lang="en-US" sz="2400" dirty="0" err="1">
-                <a:latin typeface="Avenir Book"/>
-              </a:rPr>
-              <a:t>medianFDP</a:t>
+              <a:t>When we use  the Closed testing method,  we obtain an estimate medianFDP equals to 12%, that is better than the previous BH method (17%). It is also closer to the expected value because the </a:t>
             </a:r>
             <a:r>
               <a:rPr lang="en-US" sz="2400" dirty="0">
                 <a:latin typeface="Avenir Book"/>
               </a:rPr>
-              <a:t> is conservative and it never underestimate the FDP value. </a:t>
-            </a:r>
-            <a:r>
-              <a:rPr lang="en-US" sz="2400" dirty="0" err="1">
-                <a:latin typeface="Avenir Book"/>
-              </a:rPr>
-              <a:t>Morover</a:t>
-            </a:r>
-            <a:r>
-              <a:rPr lang="en-US" sz="2400" dirty="0">
-                <a:latin typeface="Avenir Book"/>
-              </a:rPr>
-              <a:t>, the confidence interval of the </a:t>
-            </a:r>
-            <a:r>
-              <a:rPr lang="en-US" sz="2400" dirty="0" err="1">
-                <a:latin typeface="Avenir Book"/>
-              </a:rPr>
-              <a:t>medianFDP</a:t>
-            </a:r>
-            <a:r>
-              <a:rPr lang="en-US" sz="2400" dirty="0">
-                <a:latin typeface="Avenir Book"/>
-              </a:rPr>
-              <a:t> includes the true value of FDP because it goes to 0% à 76%.</a:t>
+              <a:t>medianFDP is conservative and it never underestimate the FDP value. Moreover, the confidence interval of the medianFDP includes the true value of FDP because it goes to 0% à 76%.</a:t>
             </a:r>
             <a:endParaRPr lang="en-GB" sz="1800" dirty="0">
               <a:latin typeface="Avenir Book"/>
@@ -8574,6 +8509,58 @@
               </a:rPr>
               <a:t>FIGURE 3: Volcano plot of the real case study with the Closed testing method</a:t>
             </a:r>
+          </a:p>
+        </p:txBody>
+      </p:sp>
+      <p:sp>
+        <p:nvSpPr>
+          <p:cNvPr id="9" name="Rectangle 8">
+            <a:extLst>
+              <a:ext uri="{FF2B5EF4-FFF2-40B4-BE49-F238E27FC236}">
+                <a16:creationId xmlns:a16="http://schemas.microsoft.com/office/drawing/2014/main" id="{AD0E843D-A7BF-49D4-AD3A-E9C77F20A838}"/>
+              </a:ext>
+            </a:extLst>
+          </p:cNvPr>
+          <p:cNvSpPr/>
+          <p:nvPr/>
+        </p:nvSpPr>
+        <p:spPr>
+          <a:xfrm>
+            <a:off x="8532916" y="2125925"/>
+            <a:ext cx="9280990" cy="6050246"/>
+          </a:xfrm>
+          <a:prstGeom prst="rect">
+            <a:avLst/>
+          </a:prstGeom>
+          <a:noFill/>
+          <a:ln w="38100">
+            <a:solidFill>
+              <a:schemeClr val="tx1"/>
+            </a:solidFill>
+          </a:ln>
+        </p:spPr>
+        <p:style>
+          <a:lnRef idx="2">
+            <a:schemeClr val="accent1">
+              <a:shade val="50000"/>
+            </a:schemeClr>
+          </a:lnRef>
+          <a:fillRef idx="1">
+            <a:schemeClr val="accent1"/>
+          </a:fillRef>
+          <a:effectRef idx="0">
+            <a:schemeClr val="accent1"/>
+          </a:effectRef>
+          <a:fontRef idx="minor">
+            <a:schemeClr val="lt1"/>
+          </a:fontRef>
+        </p:style>
+        <p:txBody>
+          <a:bodyPr rtlCol="0" anchor="ctr"/>
+          <a:lstStyle/>
+          <a:p>
+            <a:pPr algn="ctr"/>
+            <a:endParaRPr lang="fr-FR"/>
           </a:p>
         </p:txBody>
       </p:sp>
